--- a/team11_proposal.pptx
+++ b/team11_proposal.pptx
@@ -5,7 +5,7 @@
     <p:sldMasterId id="2147494631" r:id="rId4"/>
   </p:sldMasterIdLst>
   <p:notesMasterIdLst>
-    <p:notesMasterId r:id="rId23"/>
+    <p:notesMasterId r:id="rId26"/>
   </p:notesMasterIdLst>
   <p:sldIdLst>
     <p:sldId id="256" r:id="rId5"/>
@@ -20,12 +20,15 @@
     <p:sldId id="270" r:id="rId14"/>
     <p:sldId id="275" r:id="rId15"/>
     <p:sldId id="274" r:id="rId16"/>
-    <p:sldId id="271" r:id="rId17"/>
-    <p:sldId id="272" r:id="rId18"/>
-    <p:sldId id="273" r:id="rId19"/>
+    <p:sldId id="273" r:id="rId17"/>
+    <p:sldId id="271" r:id="rId18"/>
+    <p:sldId id="272" r:id="rId19"/>
     <p:sldId id="259" r:id="rId20"/>
-    <p:sldId id="261" r:id="rId21"/>
-    <p:sldId id="262" r:id="rId22"/>
+    <p:sldId id="278" r:id="rId21"/>
+    <p:sldId id="276" r:id="rId22"/>
+    <p:sldId id="277" r:id="rId23"/>
+    <p:sldId id="261" r:id="rId24"/>
+    <p:sldId id="262" r:id="rId25"/>
   </p:sldIdLst>
   <p:sldSz cx="9144000" cy="6858000" type="screen4x3"/>
   <p:notesSz cx="6858000" cy="9144000"/>
@@ -225,7 +228,7 @@
           <a:p>
             <a:fld id="{77C96CCE-68B5-9B4D-B8A4-9D885A674F26}" type="datetimeFigureOut">
               <a:rPr lang="en-US" smtClean="0"/>
-              <a:t>11/8/2018</a:t>
+              <a:t>11/14/2018</a:t>
             </a:fld>
             <a:endParaRPr lang="en-US"/>
           </a:p>
@@ -1252,7 +1255,7 @@
           <a:p>
             <a:fld id="{8662E17B-74C6-844B-874E-AD2BA74226A5}" type="slidenum">
               <a:rPr lang="en-US" smtClean="0"/>
-              <a:t>17</a:t>
+              <a:t>20</a:t>
             </a:fld>
             <a:endParaRPr lang="en-US"/>
           </a:p>
@@ -1561,7 +1564,7 @@
           <a:p>
             <a:fld id="{68C2560D-EC28-3B41-86E8-18F1CE0113B4}" type="datetimeFigureOut">
               <a:rPr lang="en-US" smtClean="0"/>
-              <a:t>11/8/2018</a:t>
+              <a:t>11/14/2018</a:t>
             </a:fld>
             <a:endParaRPr lang="en-US"/>
           </a:p>
@@ -1726,7 +1729,7 @@
           <a:p>
             <a:fld id="{68C2560D-EC28-3B41-86E8-18F1CE0113B4}" type="datetimeFigureOut">
               <a:rPr lang="en-US" smtClean="0"/>
-              <a:t>11/8/2018</a:t>
+              <a:t>11/14/2018</a:t>
             </a:fld>
             <a:endParaRPr lang="en-US"/>
           </a:p>
@@ -1901,7 +1904,7 @@
           <a:p>
             <a:fld id="{68C2560D-EC28-3B41-86E8-18F1CE0113B4}" type="datetimeFigureOut">
               <a:rPr lang="en-US" smtClean="0"/>
-              <a:t>11/8/2018</a:t>
+              <a:t>11/14/2018</a:t>
             </a:fld>
             <a:endParaRPr lang="en-US"/>
           </a:p>
@@ -2048,7 +2051,7 @@
           <a:p>
             <a:fld id="{68C2560D-EC28-3B41-86E8-18F1CE0113B4}" type="datetimeFigureOut">
               <a:rPr lang="en-US" smtClean="0"/>
-              <a:t>11/8/2018</a:t>
+              <a:t>11/14/2018</a:t>
             </a:fld>
             <a:endParaRPr lang="en-US"/>
           </a:p>
@@ -2165,7 +2168,7 @@
           <a:p>
             <a:fld id="{68C2560D-EC28-3B41-86E8-18F1CE0113B4}" type="datetimeFigureOut">
               <a:rPr lang="en-US" smtClean="0"/>
-              <a:t>11/8/2018</a:t>
+              <a:t>11/14/2018</a:t>
             </a:fld>
             <a:endParaRPr lang="en-US"/>
           </a:p>
@@ -2435,7 +2438,7 @@
           <a:p>
             <a:fld id="{68C2560D-EC28-3B41-86E8-18F1CE0113B4}" type="datetimeFigureOut">
               <a:rPr lang="en-US" smtClean="0"/>
-              <a:t>11/8/2018</a:t>
+              <a:t>11/14/2018</a:t>
             </a:fld>
             <a:endParaRPr lang="en-US"/>
           </a:p>
@@ -2704,7 +2707,7 @@
           <a:p>
             <a:fld id="{68C2560D-EC28-3B41-86E8-18F1CE0113B4}" type="datetimeFigureOut">
               <a:rPr lang="en-US" smtClean="0"/>
-              <a:t>11/8/2018</a:t>
+              <a:t>11/14/2018</a:t>
             </a:fld>
             <a:endParaRPr lang="en-US"/>
           </a:p>
@@ -3151,7 +3154,7 @@
           <a:p>
             <a:fld id="{68C2560D-EC28-3B41-86E8-18F1CE0113B4}" type="datetimeFigureOut">
               <a:rPr lang="en-US" smtClean="0"/>
-              <a:t>11/8/2018</a:t>
+              <a:t>11/14/2018</a:t>
             </a:fld>
             <a:endParaRPr lang="en-US"/>
           </a:p>
@@ -3264,7 +3267,7 @@
           <a:p>
             <a:fld id="{68C2560D-EC28-3B41-86E8-18F1CE0113B4}" type="datetimeFigureOut">
               <a:rPr lang="en-US" smtClean="0"/>
-              <a:t>11/8/2018</a:t>
+              <a:t>11/14/2018</a:t>
             </a:fld>
             <a:endParaRPr lang="en-US"/>
           </a:p>
@@ -3514,7 +3517,7 @@
           <a:p>
             <a:fld id="{68C2560D-EC28-3B41-86E8-18F1CE0113B4}" type="datetimeFigureOut">
               <a:rPr lang="en-US" smtClean="0"/>
-              <a:t>11/8/2018</a:t>
+              <a:t>11/14/2018</a:t>
             </a:fld>
             <a:endParaRPr lang="en-US"/>
           </a:p>
@@ -3754,7 +3757,7 @@
           <a:p>
             <a:fld id="{68C2560D-EC28-3B41-86E8-18F1CE0113B4}" type="datetimeFigureOut">
               <a:rPr lang="en-US" smtClean="0"/>
-              <a:t>11/8/2018</a:t>
+              <a:t>11/14/2018</a:t>
             </a:fld>
             <a:endParaRPr lang="en-US"/>
           </a:p>
@@ -3927,7 +3930,7 @@
           <a:p>
             <a:fld id="{68C2560D-EC28-3B41-86E8-18F1CE0113B4}" type="datetimeFigureOut">
               <a:rPr lang="en-US" smtClean="0"/>
-              <a:t>11/8/2018</a:t>
+              <a:t>11/14/2018</a:t>
             </a:fld>
             <a:endParaRPr lang="en-US"/>
           </a:p>
@@ -4601,14 +4604,14 @@
             <p:ph idx="1"/>
             <p:extLst>
               <p:ext uri="{D42A27DB-BD31-4B8C-83A1-F6EECF244321}">
-                <p14:modId xmlns:p14="http://schemas.microsoft.com/office/powerpoint/2010/main" val="3016886864"/>
+                <p14:modId xmlns:p14="http://schemas.microsoft.com/office/powerpoint/2010/main" val="3784142284"/>
               </p:ext>
             </p:extLst>
           </p:nvPr>
         </p:nvGraphicFramePr>
         <p:xfrm>
           <a:off x="457200" y="1441265"/>
-          <a:ext cx="8236857" cy="3711305"/>
+          <a:ext cx="8236857" cy="4639131"/>
         </p:xfrm>
         <a:graphic>
           <a:graphicData uri="http://schemas.openxmlformats.org/drawingml/2006/table">
@@ -4924,6 +4927,80 @@
                 <a:extLst>
                   <a:ext uri="{0D108BD9-81ED-4DB2-BD59-A6C34878D82A}">
                     <a16:rowId xmlns:a16="http://schemas.microsoft.com/office/drawing/2014/main" val="10004"/>
+                  </a:ext>
+                </a:extLst>
+              </a:tr>
+              <a:tr h="927826">
+                <a:tc>
+                  <a:txBody>
+                    <a:bodyPr/>
+                    <a:lstStyle/>
+                    <a:p>
+                      <a:pPr>
+                        <a:spcAft>
+                          <a:spcPts val="0"/>
+                        </a:spcAft>
+                      </a:pPr>
+                      <a:r>
+                        <a:rPr lang="zh-TW" altLang="en-US" sz="1800" kern="100" dirty="0" smtClean="0">
+                          <a:effectLst/>
+                          <a:latin typeface="+mn-lt"/>
+                          <a:ea typeface="+mn-ea"/>
+                          <a:cs typeface="+mn-cs"/>
+                        </a:rPr>
+                        <a:t>偵探評分</a:t>
+                      </a:r>
+                      <a:endParaRPr lang="zh-TW" sz="1800" kern="100" dirty="0">
+                        <a:effectLst/>
+                        <a:latin typeface="Calibri"/>
+                        <a:ea typeface="新細明體"/>
+                        <a:cs typeface="Times New Roman"/>
+                      </a:endParaRPr>
+                    </a:p>
+                  </a:txBody>
+                  <a:tcPr marL="68580" marR="68580" marT="0" marB="0"/>
+                </a:tc>
+                <a:tc>
+                  <a:txBody>
+                    <a:bodyPr/>
+                    <a:lstStyle/>
+                    <a:p>
+                      <a:pPr>
+                        <a:spcAft>
+                          <a:spcPts val="0"/>
+                        </a:spcAft>
+                      </a:pPr>
+                      <a:r>
+                        <a:rPr lang="zh-TW" altLang="en-US" sz="1800" kern="100" dirty="0" smtClean="0">
+                          <a:effectLst/>
+                        </a:rPr>
+                        <a:t>任務結束時，可在</a:t>
+                      </a:r>
+                      <a:r>
+                        <a:rPr lang="zh-TW" altLang="zh-TW" sz="1800" kern="100" dirty="0" smtClean="0">
+                          <a:effectLst/>
+                        </a:rPr>
+                        <a:t>【事件處理儀表板】</a:t>
+                      </a:r>
+                      <a:r>
+                        <a:rPr lang="zh-TW" altLang="en-US" sz="1800" kern="100" dirty="0" smtClean="0">
+                          <a:effectLst/>
+                        </a:rPr>
+                        <a:t>對偵探進行評分</a:t>
+                      </a:r>
+                      <a:endParaRPr lang="zh-TW" sz="1800" kern="100" dirty="0">
+                        <a:effectLst/>
+                        <a:latin typeface="Calibri"/>
+                        <a:ea typeface="新細明體"/>
+                        <a:cs typeface="Times New Roman"/>
+                      </a:endParaRPr>
+                    </a:p>
+                  </a:txBody>
+                  <a:tcPr marL="68580" marR="68580" marT="0" marB="0"/>
+                </a:tc>
+                <a:extLst>
+                  <a:ext uri="{0D108BD9-81ED-4DB2-BD59-A6C34878D82A}">
+                    <a16:rowId xmlns:a16="http://schemas.microsoft.com/office/drawing/2014/main" val="10005"/>
                   </a:ext>
                 </a:extLst>
               </a:tr>
@@ -6316,234 +6393,6 @@
               <a:t>-</a:t>
             </a:r>
             <a:r>
-              <a:rPr lang="zh-TW" altLang="en-US" dirty="0"/>
-              <a:t>人物</a:t>
-            </a:r>
-            <a:r>
-              <a:rPr lang="zh-TW" altLang="en-US" dirty="0" smtClean="0"/>
-              <a:t>關係圖</a:t>
-            </a:r>
-            <a:endParaRPr lang="en-US" dirty="0"/>
-          </a:p>
-        </p:txBody>
-      </p:sp>
-      <p:pic>
-        <p:nvPicPr>
-          <p:cNvPr id="5" name="內容版面配置區 4"/>
-          <p:cNvPicPr>
-            <a:picLocks noGrp="1" noChangeAspect="1"/>
-          </p:cNvPicPr>
-          <p:nvPr>
-            <p:ph idx="1"/>
-          </p:nvPr>
-        </p:nvPicPr>
-        <p:blipFill>
-          <a:blip r:embed="rId2">
-            <a:extLst>
-              <a:ext uri="{28A0092B-C50C-407E-A947-70E740481C1C}">
-                <a14:useLocalDpi xmlns:a14="http://schemas.microsoft.com/office/drawing/2010/main" val="0"/>
-              </a:ext>
-            </a:extLst>
-          </a:blip>
-          <a:stretch>
-            <a:fillRect/>
-          </a:stretch>
-        </p:blipFill>
-        <p:spPr>
-          <a:xfrm>
-            <a:off x="1452033" y="1371600"/>
-            <a:ext cx="6202303" cy="5036457"/>
-          </a:xfrm>
-          <a:prstGeom prst="rect">
-            <a:avLst/>
-          </a:prstGeom>
-          <a:ln>
-            <a:noFill/>
-          </a:ln>
-          <a:effectLst>
-            <a:outerShdw blurRad="292100" dist="139700" dir="2700000" algn="tl" rotWithShape="0">
-              <a:srgbClr val="333333">
-                <a:alpha val="65000"/>
-              </a:srgbClr>
-            </a:outerShdw>
-          </a:effectLst>
-        </p:spPr>
-      </p:pic>
-    </p:spTree>
-    <p:extLst>
-      <p:ext uri="{BB962C8B-B14F-4D97-AF65-F5344CB8AC3E}">
-        <p14:creationId xmlns:p14="http://schemas.microsoft.com/office/powerpoint/2010/main" val="2931579449"/>
-      </p:ext>
-    </p:extLst>
-  </p:cSld>
-  <p:clrMapOvr>
-    <a:masterClrMapping/>
-  </p:clrMapOvr>
-  <p:timing>
-    <p:tnLst>
-      <p:par>
-        <p:cTn id="1" dur="indefinite" restart="never" nodeType="tmRoot"/>
-      </p:par>
-    </p:tnLst>
-  </p:timing>
-</p:sld>
-</file>
-
-<file path=ppt/slides/slide14.xml><?xml version="1.0" encoding="utf-8"?>
-<p:sld xmlns:a="http://schemas.openxmlformats.org/drawingml/2006/main" xmlns:r="http://schemas.openxmlformats.org/officeDocument/2006/relationships" xmlns:p="http://schemas.openxmlformats.org/presentationml/2006/main">
-  <p:cSld>
-    <p:spTree>
-      <p:nvGrpSpPr>
-        <p:cNvPr id="1" name=""/>
-        <p:cNvGrpSpPr/>
-        <p:nvPr/>
-      </p:nvGrpSpPr>
-      <p:grpSpPr>
-        <a:xfrm>
-          <a:off x="0" y="0"/>
-          <a:ext cx="0" cy="0"/>
-          <a:chOff x="0" y="0"/>
-          <a:chExt cx="0" cy="0"/>
-        </a:xfrm>
-      </p:grpSpPr>
-      <p:sp>
-        <p:nvSpPr>
-          <p:cNvPr id="2" name="Title 1"/>
-          <p:cNvSpPr>
-            <a:spLocks noGrp="1"/>
-          </p:cNvSpPr>
-          <p:nvPr>
-            <p:ph type="title"/>
-          </p:nvPr>
-        </p:nvSpPr>
-        <p:spPr/>
-        <p:txBody>
-          <a:bodyPr/>
-          <a:lstStyle/>
-          <a:p>
-            <a:r>
-              <a:rPr lang="zh-TW" altLang="en-US" dirty="0" smtClean="0"/>
-              <a:t>需求、功能說明</a:t>
-            </a:r>
-            <a:r>
-              <a:rPr lang="en-US" altLang="zh-TW" dirty="0" smtClean="0"/>
-              <a:t>-</a:t>
-            </a:r>
-            <a:r>
-              <a:rPr lang="zh-TW" altLang="en-US" dirty="0"/>
-              <a:t>人物</a:t>
-            </a:r>
-            <a:r>
-              <a:rPr lang="zh-TW" altLang="en-US" dirty="0" smtClean="0"/>
-              <a:t>關係圖</a:t>
-            </a:r>
-            <a:endParaRPr lang="en-US" dirty="0"/>
-          </a:p>
-        </p:txBody>
-      </p:sp>
-      <p:pic>
-        <p:nvPicPr>
-          <p:cNvPr id="7" name="內容版面配置區 6"/>
-          <p:cNvPicPr>
-            <a:picLocks noGrp="1" noChangeAspect="1"/>
-          </p:cNvPicPr>
-          <p:nvPr>
-            <p:ph idx="1"/>
-          </p:nvPr>
-        </p:nvPicPr>
-        <p:blipFill>
-          <a:blip r:embed="rId2">
-            <a:extLst>
-              <a:ext uri="{28A0092B-C50C-407E-A947-70E740481C1C}">
-                <a14:useLocalDpi xmlns:a14="http://schemas.microsoft.com/office/drawing/2010/main" val="0"/>
-              </a:ext>
-            </a:extLst>
-          </a:blip>
-          <a:stretch>
-            <a:fillRect/>
-          </a:stretch>
-        </p:blipFill>
-        <p:spPr>
-          <a:xfrm>
-            <a:off x="823686" y="1538060"/>
-            <a:ext cx="7269480" cy="4543425"/>
-          </a:xfrm>
-          <a:prstGeom prst="rect">
-            <a:avLst/>
-          </a:prstGeom>
-          <a:ln>
-            <a:noFill/>
-          </a:ln>
-          <a:effectLst>
-            <a:outerShdw blurRad="292100" dist="139700" dir="2700000" algn="tl" rotWithShape="0">
-              <a:srgbClr val="333333">
-                <a:alpha val="65000"/>
-              </a:srgbClr>
-            </a:outerShdw>
-          </a:effectLst>
-        </p:spPr>
-      </p:pic>
-    </p:spTree>
-    <p:extLst>
-      <p:ext uri="{BB962C8B-B14F-4D97-AF65-F5344CB8AC3E}">
-        <p14:creationId xmlns:p14="http://schemas.microsoft.com/office/powerpoint/2010/main" val="3476614107"/>
-      </p:ext>
-    </p:extLst>
-  </p:cSld>
-  <p:clrMapOvr>
-    <a:masterClrMapping/>
-  </p:clrMapOvr>
-  <p:timing>
-    <p:tnLst>
-      <p:par>
-        <p:cTn id="1" dur="indefinite" restart="never" nodeType="tmRoot"/>
-      </p:par>
-    </p:tnLst>
-  </p:timing>
-</p:sld>
-</file>
-
-<file path=ppt/slides/slide15.xml><?xml version="1.0" encoding="utf-8"?>
-<p:sld xmlns:a="http://schemas.openxmlformats.org/drawingml/2006/main" xmlns:r="http://schemas.openxmlformats.org/officeDocument/2006/relationships" xmlns:p="http://schemas.openxmlformats.org/presentationml/2006/main">
-  <p:cSld>
-    <p:spTree>
-      <p:nvGrpSpPr>
-        <p:cNvPr id="1" name=""/>
-        <p:cNvGrpSpPr/>
-        <p:nvPr/>
-      </p:nvGrpSpPr>
-      <p:grpSpPr>
-        <a:xfrm>
-          <a:off x="0" y="0"/>
-          <a:ext cx="0" cy="0"/>
-          <a:chOff x="0" y="0"/>
-          <a:chExt cx="0" cy="0"/>
-        </a:xfrm>
-      </p:grpSpPr>
-      <p:sp>
-        <p:nvSpPr>
-          <p:cNvPr id="2" name="Title 1"/>
-          <p:cNvSpPr>
-            <a:spLocks noGrp="1"/>
-          </p:cNvSpPr>
-          <p:nvPr>
-            <p:ph type="title"/>
-          </p:nvPr>
-        </p:nvSpPr>
-        <p:spPr/>
-        <p:txBody>
-          <a:bodyPr/>
-          <a:lstStyle/>
-          <a:p>
-            <a:r>
-              <a:rPr lang="zh-TW" altLang="en-US" dirty="0" smtClean="0"/>
-              <a:t>需求、功能說明</a:t>
-            </a:r>
-            <a:r>
-              <a:rPr lang="en-US" altLang="zh-TW" dirty="0" smtClean="0"/>
-              <a:t>-</a:t>
-            </a:r>
-            <a:r>
               <a:rPr lang="zh-TW" altLang="en-US" dirty="0" smtClean="0"/>
               <a:t>偵探個人簡介</a:t>
             </a:r>
@@ -6830,6 +6679,667 @@
 </p:sld>
 </file>
 
+<file path=ppt/slides/slide14.xml><?xml version="1.0" encoding="utf-8"?>
+<p:sld xmlns:a="http://schemas.openxmlformats.org/drawingml/2006/main" xmlns:r="http://schemas.openxmlformats.org/officeDocument/2006/relationships" xmlns:p="http://schemas.openxmlformats.org/presentationml/2006/main">
+  <p:cSld>
+    <p:spTree>
+      <p:nvGrpSpPr>
+        <p:cNvPr id="1" name=""/>
+        <p:cNvGrpSpPr/>
+        <p:nvPr/>
+      </p:nvGrpSpPr>
+      <p:grpSpPr>
+        <a:xfrm>
+          <a:off x="0" y="0"/>
+          <a:ext cx="0" cy="0"/>
+          <a:chOff x="0" y="0"/>
+          <a:chExt cx="0" cy="0"/>
+        </a:xfrm>
+      </p:grpSpPr>
+      <p:sp>
+        <p:nvSpPr>
+          <p:cNvPr id="2" name="Title 1"/>
+          <p:cNvSpPr>
+            <a:spLocks noGrp="1"/>
+          </p:cNvSpPr>
+          <p:nvPr>
+            <p:ph type="title"/>
+          </p:nvPr>
+        </p:nvSpPr>
+        <p:spPr/>
+        <p:txBody>
+          <a:bodyPr/>
+          <a:lstStyle/>
+          <a:p>
+            <a:r>
+              <a:rPr lang="zh-TW" altLang="en-US" dirty="0" smtClean="0"/>
+              <a:t>需求、功能說明</a:t>
+            </a:r>
+            <a:r>
+              <a:rPr lang="en-US" altLang="zh-TW" dirty="0" smtClean="0"/>
+              <a:t>-</a:t>
+            </a:r>
+            <a:r>
+              <a:rPr lang="zh-TW" altLang="en-US" dirty="0"/>
+              <a:t>人物</a:t>
+            </a:r>
+            <a:r>
+              <a:rPr lang="zh-TW" altLang="en-US" dirty="0" smtClean="0"/>
+              <a:t>關係圖</a:t>
+            </a:r>
+            <a:endParaRPr lang="en-US" dirty="0"/>
+          </a:p>
+        </p:txBody>
+      </p:sp>
+      <p:pic>
+        <p:nvPicPr>
+          <p:cNvPr id="14" name="內容版面配置區 13"/>
+          <p:cNvPicPr>
+            <a:picLocks noGrp="1" noChangeAspect="1"/>
+          </p:cNvPicPr>
+          <p:nvPr>
+            <p:ph idx="1"/>
+          </p:nvPr>
+        </p:nvPicPr>
+        <p:blipFill>
+          <a:blip r:embed="rId2">
+            <a:extLst>
+              <a:ext uri="{28A0092B-C50C-407E-A947-70E740481C1C}">
+                <a14:useLocalDpi xmlns:a14="http://schemas.microsoft.com/office/drawing/2010/main" val="0"/>
+              </a:ext>
+            </a:extLst>
+          </a:blip>
+          <a:stretch>
+            <a:fillRect/>
+          </a:stretch>
+        </p:blipFill>
+        <p:spPr>
+          <a:xfrm>
+            <a:off x="1505042" y="1371600"/>
+            <a:ext cx="6313742" cy="5126949"/>
+          </a:xfrm>
+        </p:spPr>
+      </p:pic>
+    </p:spTree>
+    <p:extLst>
+      <p:ext uri="{BB962C8B-B14F-4D97-AF65-F5344CB8AC3E}">
+        <p14:creationId xmlns:p14="http://schemas.microsoft.com/office/powerpoint/2010/main" val="2931579449"/>
+      </p:ext>
+    </p:extLst>
+  </p:cSld>
+  <p:clrMapOvr>
+    <a:masterClrMapping/>
+  </p:clrMapOvr>
+  <p:timing>
+    <p:tnLst>
+      <p:par>
+        <p:cTn id="1" dur="indefinite" restart="never" nodeType="tmRoot"/>
+      </p:par>
+    </p:tnLst>
+  </p:timing>
+</p:sld>
+</file>
+
+<file path=ppt/slides/slide15.xml><?xml version="1.0" encoding="utf-8"?>
+<p:sld xmlns:a="http://schemas.openxmlformats.org/drawingml/2006/main" xmlns:r="http://schemas.openxmlformats.org/officeDocument/2006/relationships" xmlns:p="http://schemas.openxmlformats.org/presentationml/2006/main">
+  <p:cSld>
+    <p:spTree>
+      <p:nvGrpSpPr>
+        <p:cNvPr id="1" name=""/>
+        <p:cNvGrpSpPr/>
+        <p:nvPr/>
+      </p:nvGrpSpPr>
+      <p:grpSpPr>
+        <a:xfrm>
+          <a:off x="0" y="0"/>
+          <a:ext cx="0" cy="0"/>
+          <a:chOff x="0" y="0"/>
+          <a:chExt cx="0" cy="0"/>
+        </a:xfrm>
+      </p:grpSpPr>
+      <p:sp>
+        <p:nvSpPr>
+          <p:cNvPr id="2" name="Title 1"/>
+          <p:cNvSpPr>
+            <a:spLocks noGrp="1"/>
+          </p:cNvSpPr>
+          <p:nvPr>
+            <p:ph type="title"/>
+          </p:nvPr>
+        </p:nvSpPr>
+        <p:spPr/>
+        <p:txBody>
+          <a:bodyPr/>
+          <a:lstStyle/>
+          <a:p>
+            <a:r>
+              <a:rPr lang="zh-TW" altLang="en-US" dirty="0" smtClean="0"/>
+              <a:t>需求、功能說明</a:t>
+            </a:r>
+            <a:r>
+              <a:rPr lang="en-US" altLang="zh-TW" dirty="0" smtClean="0"/>
+              <a:t>-</a:t>
+            </a:r>
+            <a:r>
+              <a:rPr lang="zh-TW" altLang="en-US" dirty="0"/>
+              <a:t>人物</a:t>
+            </a:r>
+            <a:r>
+              <a:rPr lang="zh-TW" altLang="en-US" dirty="0" smtClean="0"/>
+              <a:t>關係圖</a:t>
+            </a:r>
+            <a:endParaRPr lang="en-US" dirty="0"/>
+          </a:p>
+        </p:txBody>
+      </p:sp>
+      <p:pic>
+        <p:nvPicPr>
+          <p:cNvPr id="7" name="內容版面配置區 6"/>
+          <p:cNvPicPr>
+            <a:picLocks noGrp="1" noChangeAspect="1"/>
+          </p:cNvPicPr>
+          <p:nvPr>
+            <p:ph idx="1"/>
+          </p:nvPr>
+        </p:nvPicPr>
+        <p:blipFill>
+          <a:blip r:embed="rId2">
+            <a:extLst>
+              <a:ext uri="{28A0092B-C50C-407E-A947-70E740481C1C}">
+                <a14:useLocalDpi xmlns:a14="http://schemas.microsoft.com/office/drawing/2010/main" val="0"/>
+              </a:ext>
+            </a:extLst>
+          </a:blip>
+          <a:stretch>
+            <a:fillRect/>
+          </a:stretch>
+        </p:blipFill>
+        <p:spPr>
+          <a:xfrm>
+            <a:off x="823686" y="1538060"/>
+            <a:ext cx="7269480" cy="4543425"/>
+          </a:xfrm>
+          <a:prstGeom prst="rect">
+            <a:avLst/>
+          </a:prstGeom>
+          <a:ln>
+            <a:noFill/>
+          </a:ln>
+          <a:effectLst>
+            <a:outerShdw blurRad="292100" dist="139700" dir="2700000" algn="tl" rotWithShape="0">
+              <a:srgbClr val="333333">
+                <a:alpha val="65000"/>
+              </a:srgbClr>
+            </a:outerShdw>
+          </a:effectLst>
+        </p:spPr>
+      </p:pic>
+      <p:sp>
+        <p:nvSpPr>
+          <p:cNvPr id="3" name="矩形 2"/>
+          <p:cNvSpPr/>
+          <p:nvPr/>
+        </p:nvSpPr>
+        <p:spPr>
+          <a:xfrm>
+            <a:off x="3273287" y="2425147"/>
+            <a:ext cx="4819879" cy="3656337"/>
+          </a:xfrm>
+          <a:prstGeom prst="rect">
+            <a:avLst/>
+          </a:prstGeom>
+          <a:solidFill>
+            <a:schemeClr val="tx1"/>
+          </a:solidFill>
+          <a:ln>
+            <a:noFill/>
+          </a:ln>
+        </p:spPr>
+        <p:style>
+          <a:lnRef idx="2">
+            <a:schemeClr val="accent1">
+              <a:shade val="50000"/>
+            </a:schemeClr>
+          </a:lnRef>
+          <a:fillRef idx="1">
+            <a:schemeClr val="accent1"/>
+          </a:fillRef>
+          <a:effectRef idx="0">
+            <a:schemeClr val="accent1"/>
+          </a:effectRef>
+          <a:fontRef idx="minor">
+            <a:schemeClr val="lt1"/>
+          </a:fontRef>
+        </p:style>
+        <p:txBody>
+          <a:bodyPr rtlCol="0" anchor="ctr"/>
+          <a:lstStyle/>
+          <a:p>
+            <a:pPr algn="ctr"/>
+            <a:endParaRPr lang="zh-TW" altLang="en-US" dirty="0">
+              <a:solidFill>
+                <a:schemeClr val="tx1"/>
+              </a:solidFill>
+            </a:endParaRPr>
+          </a:p>
+        </p:txBody>
+      </p:sp>
+      <p:sp>
+        <p:nvSpPr>
+          <p:cNvPr id="4" name="文字方塊 3"/>
+          <p:cNvSpPr txBox="1"/>
+          <p:nvPr/>
+        </p:nvSpPr>
+        <p:spPr>
+          <a:xfrm>
+            <a:off x="3273287" y="2517913"/>
+            <a:ext cx="4691270" cy="3139321"/>
+          </a:xfrm>
+          <a:prstGeom prst="rect">
+            <a:avLst/>
+          </a:prstGeom>
+          <a:noFill/>
+        </p:spPr>
+        <p:txBody>
+          <a:bodyPr wrap="square" rtlCol="0">
+            <a:spAutoFit/>
+          </a:bodyPr>
+          <a:lstStyle/>
+          <a:p>
+            <a:r>
+              <a:rPr lang="en-US" altLang="zh-TW" dirty="0" smtClean="0">
+                <a:solidFill>
+                  <a:schemeClr val="bg1"/>
+                </a:solidFill>
+              </a:rPr>
+              <a:t>1661</a:t>
+            </a:r>
+            <a:r>
+              <a:rPr lang="zh-TW" altLang="en-US" dirty="0" smtClean="0">
+                <a:solidFill>
+                  <a:schemeClr val="bg1"/>
+                </a:solidFill>
+              </a:rPr>
+              <a:t>年</a:t>
+            </a:r>
+            <a:r>
+              <a:rPr lang="en-US" altLang="zh-TW" dirty="0" smtClean="0">
+                <a:solidFill>
+                  <a:schemeClr val="bg1"/>
+                </a:solidFill>
+              </a:rPr>
+              <a:t>2</a:t>
+            </a:r>
+            <a:r>
+              <a:rPr lang="zh-TW" altLang="en-US" dirty="0" smtClean="0">
+                <a:solidFill>
+                  <a:schemeClr val="bg1"/>
+                </a:solidFill>
+              </a:rPr>
+              <a:t>月</a:t>
+            </a:r>
+            <a:r>
+              <a:rPr lang="en-US" altLang="zh-TW" dirty="0" smtClean="0">
+                <a:solidFill>
+                  <a:schemeClr val="bg1"/>
+                </a:solidFill>
+              </a:rPr>
+              <a:t>5</a:t>
+            </a:r>
+            <a:r>
+              <a:rPr lang="zh-TW" altLang="en-US" dirty="0" smtClean="0">
+                <a:solidFill>
+                  <a:schemeClr val="bg1"/>
+                </a:solidFill>
+              </a:rPr>
+              <a:t>日 與沐劍屏 在高科汽車旅館發生關係    </a:t>
+            </a:r>
+            <a:r>
+              <a:rPr lang="en-US" altLang="zh-TW" dirty="0" smtClean="0">
+                <a:solidFill>
+                  <a:schemeClr val="bg1"/>
+                </a:solidFill>
+              </a:rPr>
+              <a:t>1661_02_05</a:t>
+            </a:r>
+          </a:p>
+          <a:p>
+            <a:endParaRPr lang="en-US" altLang="zh-TW" dirty="0" smtClean="0">
+              <a:solidFill>
+                <a:schemeClr val="bg1"/>
+              </a:solidFill>
+            </a:endParaRPr>
+          </a:p>
+          <a:p>
+            <a:r>
+              <a:rPr lang="en-US" altLang="zh-TW" dirty="0" smtClean="0">
+                <a:solidFill>
+                  <a:schemeClr val="bg1"/>
+                </a:solidFill>
+              </a:rPr>
+              <a:t>1661</a:t>
+            </a:r>
+            <a:r>
+              <a:rPr lang="zh-TW" altLang="en-US" dirty="0" smtClean="0">
+                <a:solidFill>
+                  <a:schemeClr val="bg1"/>
+                </a:solidFill>
+              </a:rPr>
+              <a:t>年</a:t>
+            </a:r>
+            <a:r>
+              <a:rPr lang="en-US" altLang="zh-TW" dirty="0" smtClean="0">
+                <a:solidFill>
+                  <a:schemeClr val="bg1"/>
+                </a:solidFill>
+              </a:rPr>
+              <a:t>4</a:t>
+            </a:r>
+            <a:r>
+              <a:rPr lang="zh-TW" altLang="en-US" dirty="0" smtClean="0">
+                <a:solidFill>
+                  <a:schemeClr val="bg1"/>
+                </a:solidFill>
+              </a:rPr>
+              <a:t>月</a:t>
+            </a:r>
+            <a:r>
+              <a:rPr lang="en-US" altLang="zh-TW" dirty="0" smtClean="0">
+                <a:solidFill>
+                  <a:schemeClr val="bg1"/>
+                </a:solidFill>
+              </a:rPr>
+              <a:t>10</a:t>
+            </a:r>
+            <a:r>
+              <a:rPr lang="zh-TW" altLang="en-US" dirty="0" smtClean="0">
+                <a:solidFill>
+                  <a:schemeClr val="bg1"/>
+                </a:solidFill>
+              </a:rPr>
+              <a:t>日 與方怡 在薇風汽車旅觀發生關係    </a:t>
+            </a:r>
+            <a:r>
+              <a:rPr lang="en-US" altLang="zh-TW" dirty="0" smtClean="0">
+                <a:solidFill>
+                  <a:schemeClr val="bg1"/>
+                </a:solidFill>
+              </a:rPr>
+              <a:t>1661_04_10</a:t>
+            </a:r>
+          </a:p>
+          <a:p>
+            <a:endParaRPr lang="en-US" altLang="zh-TW" dirty="0">
+              <a:solidFill>
+                <a:schemeClr val="bg1"/>
+              </a:solidFill>
+            </a:endParaRPr>
+          </a:p>
+          <a:p>
+            <a:r>
+              <a:rPr lang="en-US" altLang="zh-TW" dirty="0" smtClean="0">
+                <a:solidFill>
+                  <a:schemeClr val="bg1"/>
+                </a:solidFill>
+              </a:rPr>
+              <a:t>1661</a:t>
+            </a:r>
+            <a:r>
+              <a:rPr lang="zh-TW" altLang="en-US" dirty="0" smtClean="0">
+                <a:solidFill>
+                  <a:schemeClr val="bg1"/>
+                </a:solidFill>
+              </a:rPr>
+              <a:t>年</a:t>
+            </a:r>
+            <a:r>
+              <a:rPr lang="en-US" altLang="zh-TW" dirty="0" smtClean="0">
+                <a:solidFill>
+                  <a:schemeClr val="bg1"/>
+                </a:solidFill>
+              </a:rPr>
+              <a:t>6</a:t>
+            </a:r>
+            <a:r>
+              <a:rPr lang="zh-TW" altLang="en-US" dirty="0" smtClean="0">
+                <a:solidFill>
+                  <a:schemeClr val="bg1"/>
+                </a:solidFill>
+              </a:rPr>
+              <a:t>月</a:t>
+            </a:r>
+            <a:r>
+              <a:rPr lang="en-US" altLang="zh-TW" dirty="0" smtClean="0">
+                <a:solidFill>
+                  <a:schemeClr val="bg1"/>
+                </a:solidFill>
+              </a:rPr>
+              <a:t>15</a:t>
+            </a:r>
+            <a:r>
+              <a:rPr lang="zh-TW" altLang="en-US" dirty="0" smtClean="0">
+                <a:solidFill>
+                  <a:schemeClr val="bg1"/>
+                </a:solidFill>
+              </a:rPr>
+              <a:t>日 與雙兒 在御宿汽車旅館發生關係    </a:t>
+            </a:r>
+            <a:r>
+              <a:rPr lang="en-US" altLang="zh-TW" dirty="0" smtClean="0">
+                <a:solidFill>
+                  <a:schemeClr val="bg1"/>
+                </a:solidFill>
+              </a:rPr>
+              <a:t>1661_06_15</a:t>
+            </a:r>
+          </a:p>
+          <a:p>
+            <a:endParaRPr lang="en-US" altLang="zh-TW" dirty="0">
+              <a:solidFill>
+                <a:schemeClr val="bg1"/>
+              </a:solidFill>
+            </a:endParaRPr>
+          </a:p>
+          <a:p>
+            <a:r>
+              <a:rPr lang="en-US" altLang="zh-TW" dirty="0" smtClean="0">
+                <a:solidFill>
+                  <a:schemeClr val="bg1"/>
+                </a:solidFill>
+              </a:rPr>
+              <a:t>1661</a:t>
+            </a:r>
+            <a:r>
+              <a:rPr lang="zh-TW" altLang="en-US" dirty="0" smtClean="0">
+                <a:solidFill>
+                  <a:schemeClr val="bg1"/>
+                </a:solidFill>
+              </a:rPr>
+              <a:t>年</a:t>
+            </a:r>
+            <a:r>
+              <a:rPr lang="en-US" altLang="zh-TW" dirty="0" smtClean="0">
+                <a:solidFill>
+                  <a:schemeClr val="bg1"/>
+                </a:solidFill>
+              </a:rPr>
+              <a:t>8</a:t>
+            </a:r>
+            <a:r>
+              <a:rPr lang="zh-TW" altLang="en-US" dirty="0" smtClean="0">
+                <a:solidFill>
+                  <a:schemeClr val="bg1"/>
+                </a:solidFill>
+              </a:rPr>
+              <a:t>月</a:t>
+            </a:r>
+            <a:r>
+              <a:rPr lang="en-US" altLang="zh-TW" dirty="0" smtClean="0">
+                <a:solidFill>
+                  <a:schemeClr val="bg1"/>
+                </a:solidFill>
+              </a:rPr>
+              <a:t>20</a:t>
+            </a:r>
+            <a:r>
+              <a:rPr lang="zh-TW" altLang="en-US" dirty="0" smtClean="0">
+                <a:solidFill>
+                  <a:schemeClr val="bg1"/>
+                </a:solidFill>
+              </a:rPr>
+              <a:t>日 與蘇荃 在花鄉汽車旅館發生關係    </a:t>
+            </a:r>
+            <a:r>
+              <a:rPr lang="en-US" altLang="zh-TW" dirty="0" smtClean="0">
+                <a:solidFill>
+                  <a:schemeClr val="bg1"/>
+                </a:solidFill>
+              </a:rPr>
+              <a:t>1661_08_20</a:t>
+            </a:r>
+          </a:p>
+        </p:txBody>
+      </p:sp>
+      <p:pic>
+        <p:nvPicPr>
+          <p:cNvPr id="6" name="圖片 5"/>
+          <p:cNvPicPr>
+            <a:picLocks noChangeAspect="1"/>
+          </p:cNvPicPr>
+          <p:nvPr/>
+        </p:nvPicPr>
+        <p:blipFill>
+          <a:blip r:embed="rId3">
+            <a:extLst>
+              <a:ext uri="{28A0092B-C50C-407E-A947-70E740481C1C}">
+                <a14:useLocalDpi xmlns:a14="http://schemas.microsoft.com/office/drawing/2010/main" val="0"/>
+              </a:ext>
+            </a:extLst>
+          </a:blip>
+          <a:stretch>
+            <a:fillRect/>
+          </a:stretch>
+        </p:blipFill>
+        <p:spPr>
+          <a:xfrm>
+            <a:off x="3816627" y="2888558"/>
+            <a:ext cx="247650" cy="219075"/>
+          </a:xfrm>
+          <a:prstGeom prst="rect">
+            <a:avLst/>
+          </a:prstGeom>
+        </p:spPr>
+      </p:pic>
+      <p:pic>
+        <p:nvPicPr>
+          <p:cNvPr id="8" name="圖片 7"/>
+          <p:cNvPicPr>
+            <a:picLocks noChangeAspect="1"/>
+          </p:cNvPicPr>
+          <p:nvPr/>
+        </p:nvPicPr>
+        <p:blipFill>
+          <a:blip r:embed="rId3">
+            <a:extLst>
+              <a:ext uri="{28A0092B-C50C-407E-A947-70E740481C1C}">
+                <a14:useLocalDpi xmlns:a14="http://schemas.microsoft.com/office/drawing/2010/main" val="0"/>
+              </a:ext>
+            </a:extLst>
+          </a:blip>
+          <a:stretch>
+            <a:fillRect/>
+          </a:stretch>
+        </p:blipFill>
+        <p:spPr>
+          <a:xfrm>
+            <a:off x="3582231" y="3713713"/>
+            <a:ext cx="247650" cy="219075"/>
+          </a:xfrm>
+          <a:prstGeom prst="rect">
+            <a:avLst/>
+          </a:prstGeom>
+        </p:spPr>
+      </p:pic>
+      <p:pic>
+        <p:nvPicPr>
+          <p:cNvPr id="9" name="圖片 8"/>
+          <p:cNvPicPr>
+            <a:picLocks noChangeAspect="1"/>
+          </p:cNvPicPr>
+          <p:nvPr/>
+        </p:nvPicPr>
+        <p:blipFill>
+          <a:blip r:embed="rId3">
+            <a:extLst>
+              <a:ext uri="{28A0092B-C50C-407E-A947-70E740481C1C}">
+                <a14:useLocalDpi xmlns:a14="http://schemas.microsoft.com/office/drawing/2010/main" val="0"/>
+              </a:ext>
+            </a:extLst>
+          </a:blip>
+          <a:stretch>
+            <a:fillRect/>
+          </a:stretch>
+        </p:blipFill>
+        <p:spPr>
+          <a:xfrm>
+            <a:off x="3588448" y="4528719"/>
+            <a:ext cx="247650" cy="219075"/>
+          </a:xfrm>
+          <a:prstGeom prst="rect">
+            <a:avLst/>
+          </a:prstGeom>
+        </p:spPr>
+      </p:pic>
+      <p:pic>
+        <p:nvPicPr>
+          <p:cNvPr id="10" name="圖片 9"/>
+          <p:cNvPicPr>
+            <a:picLocks noChangeAspect="1"/>
+          </p:cNvPicPr>
+          <p:nvPr/>
+        </p:nvPicPr>
+        <p:blipFill>
+          <a:blip r:embed="rId3">
+            <a:extLst>
+              <a:ext uri="{28A0092B-C50C-407E-A947-70E740481C1C}">
+                <a14:useLocalDpi xmlns:a14="http://schemas.microsoft.com/office/drawing/2010/main" val="0"/>
+              </a:ext>
+            </a:extLst>
+          </a:blip>
+          <a:stretch>
+            <a:fillRect/>
+          </a:stretch>
+        </p:blipFill>
+        <p:spPr>
+          <a:xfrm>
+            <a:off x="3822846" y="5371899"/>
+            <a:ext cx="247650" cy="219075"/>
+          </a:xfrm>
+          <a:prstGeom prst="rect">
+            <a:avLst/>
+          </a:prstGeom>
+        </p:spPr>
+      </p:pic>
+    </p:spTree>
+    <p:extLst>
+      <p:ext uri="{BB962C8B-B14F-4D97-AF65-F5344CB8AC3E}">
+        <p14:creationId xmlns:p14="http://schemas.microsoft.com/office/powerpoint/2010/main" val="3476614107"/>
+      </p:ext>
+    </p:extLst>
+  </p:cSld>
+  <p:clrMapOvr>
+    <a:masterClrMapping/>
+  </p:clrMapOvr>
+  <p:timing>
+    <p:tnLst>
+      <p:par>
+        <p:cTn id="1" dur="indefinite" restart="never" nodeType="tmRoot"/>
+      </p:par>
+    </p:tnLst>
+  </p:timing>
+</p:sld>
+</file>
+
 <file path=ppt/slides/slide16.xml><?xml version="1.0" encoding="utf-8"?>
 <p:sld xmlns:a="http://schemas.openxmlformats.org/drawingml/2006/main" xmlns:r="http://schemas.openxmlformats.org/officeDocument/2006/relationships" xmlns:p="http://schemas.openxmlformats.org/presentationml/2006/main">
   <p:cSld>
@@ -6889,7 +7399,7 @@
           <a:p>
             <a:r>
               <a:rPr lang="zh-TW" altLang="en-US" dirty="0" smtClean="0"/>
-              <a:t>系統架構</a:t>
+              <a:t>行為圖形</a:t>
             </a:r>
             <a:endParaRPr lang="en-US" dirty="0"/>
           </a:p>
@@ -6897,7 +7407,7 @@
       </p:sp>
       <p:pic>
         <p:nvPicPr>
-          <p:cNvPr id="4" name="圖片 3"/>
+          <p:cNvPr id="5" name="圖片 4"/>
           <p:cNvPicPr>
             <a:picLocks noChangeAspect="1"/>
           </p:cNvPicPr>
@@ -6911,8 +7421,8 @@
         </p:blipFill>
         <p:spPr>
           <a:xfrm>
-            <a:off x="2739652" y="152400"/>
-            <a:ext cx="6268517" cy="6512400"/>
+            <a:off x="2804967" y="287382"/>
+            <a:ext cx="6197933" cy="6465086"/>
           </a:xfrm>
           <a:prstGeom prst="rect">
             <a:avLst/>
@@ -6956,259 +7466,66 @@
           <a:chExt cx="0" cy="0"/>
         </a:xfrm>
       </p:grpSpPr>
-      <p:sp>
-        <p:nvSpPr>
-          <p:cNvPr id="3" name="Content Placeholder 2"/>
-          <p:cNvSpPr>
-            <a:spLocks noGrp="1"/>
-          </p:cNvSpPr>
+      <p:pic>
+        <p:nvPicPr>
+          <p:cNvPr id="4" name="內容版面配置區 3"/>
+          <p:cNvPicPr>
+            <a:picLocks noGrp="1" noChangeAspect="1"/>
+          </p:cNvPicPr>
           <p:nvPr>
             <p:ph idx="1"/>
           </p:nvPr>
-        </p:nvSpPr>
-        <p:spPr/>
+        </p:nvPicPr>
+        <p:blipFill>
+          <a:blip r:embed="rId2"/>
+          <a:stretch>
+            <a:fillRect/>
+          </a:stretch>
+        </p:blipFill>
+        <p:spPr>
+          <a:xfrm>
+            <a:off x="352697" y="836022"/>
+            <a:ext cx="8438606" cy="5830937"/>
+          </a:xfrm>
+          <a:prstGeom prst="rect">
+            <a:avLst/>
+          </a:prstGeom>
+        </p:spPr>
+      </p:pic>
+      <p:sp>
+        <p:nvSpPr>
+          <p:cNvPr id="3" name="標題 2"/>
+          <p:cNvSpPr>
+            <a:spLocks noGrp="1"/>
+          </p:cNvSpPr>
+          <p:nvPr>
+            <p:ph type="title"/>
+          </p:nvPr>
+        </p:nvSpPr>
+        <p:spPr>
+          <a:xfrm>
+            <a:off x="457200" y="117565"/>
+            <a:ext cx="8229600" cy="718457"/>
+          </a:xfrm>
+        </p:spPr>
         <p:txBody>
           <a:bodyPr>
-            <a:normAutofit fontScale="92500" lnSpcReduction="20000"/>
+            <a:normAutofit fontScale="90000"/>
           </a:bodyPr>
           <a:lstStyle/>
           <a:p>
             <a:r>
-              <a:rPr lang="zh-TW" altLang="en-US" sz="3200" dirty="0" smtClean="0"/>
-              <a:t>裝置與工具</a:t>
-            </a:r>
-            <a:endParaRPr lang="en-US" altLang="zh-TW" sz="3200" dirty="0" smtClean="0"/>
-          </a:p>
-          <a:p>
-            <a:pPr marL="0" indent="0">
-              <a:buNone/>
-            </a:pPr>
-            <a:r>
-              <a:rPr lang="zh-TW" altLang="en-US" dirty="0"/>
-              <a:t> </a:t>
-            </a:r>
-            <a:r>
               <a:rPr lang="zh-TW" altLang="en-US" dirty="0" smtClean="0"/>
-              <a:t>   裝置</a:t>
-            </a:r>
-            <a:r>
-              <a:rPr lang="en-US" altLang="zh-TW" dirty="0" smtClean="0"/>
-              <a:t>:</a:t>
-            </a:r>
-            <a:r>
-              <a:rPr lang="zh-TW" altLang="en-US" dirty="0" smtClean="0"/>
-              <a:t>伺服器、電腦</a:t>
-            </a:r>
-            <a:endParaRPr lang="en-US" altLang="zh-TW" dirty="0" smtClean="0"/>
-          </a:p>
-          <a:p>
-            <a:pPr marL="0" indent="0">
-              <a:buNone/>
-            </a:pPr>
-            <a:r>
-              <a:rPr lang="zh-TW" altLang="en-US" dirty="0" smtClean="0"/>
-              <a:t>    語言</a:t>
-            </a:r>
-            <a:r>
-              <a:rPr lang="en-US" altLang="zh-TW" dirty="0" smtClean="0"/>
-              <a:t>:CSS</a:t>
-            </a:r>
-            <a:r>
-              <a:rPr lang="zh-TW" altLang="en-US" dirty="0" smtClean="0"/>
-              <a:t>、</a:t>
-            </a:r>
-            <a:r>
-              <a:rPr lang="en-US" altLang="zh-TW" dirty="0" smtClean="0"/>
-              <a:t>HTML</a:t>
-            </a:r>
-            <a:r>
-              <a:rPr lang="zh-TW" altLang="en-US" dirty="0" smtClean="0"/>
-              <a:t>、</a:t>
-            </a:r>
-            <a:r>
-              <a:rPr lang="en-US" altLang="zh-TW" dirty="0" smtClean="0"/>
-              <a:t>Java </a:t>
-            </a:r>
-            <a:r>
-              <a:rPr lang="en-US" altLang="zh-TW" dirty="0" err="1" smtClean="0"/>
-              <a:t>Sript</a:t>
-            </a:r>
-            <a:r>
-              <a:rPr lang="zh-TW" altLang="en-US" dirty="0" smtClean="0"/>
-              <a:t>、</a:t>
-            </a:r>
-            <a:r>
-              <a:rPr lang="en-US" altLang="zh-TW" dirty="0" smtClean="0"/>
-              <a:t>SQL</a:t>
-            </a:r>
-            <a:r>
-              <a:rPr lang="zh-TW" altLang="en-US" dirty="0" smtClean="0"/>
-              <a:t>、</a:t>
-            </a:r>
-            <a:r>
-              <a:rPr lang="en-US" altLang="zh-TW" dirty="0" smtClean="0"/>
-              <a:t>PHP</a:t>
-            </a:r>
-          </a:p>
-          <a:p>
-            <a:pPr marL="0" indent="0">
-              <a:buNone/>
-            </a:pPr>
-            <a:r>
-              <a:rPr lang="zh-TW" altLang="en-US" dirty="0" smtClean="0"/>
-              <a:t>    </a:t>
-            </a:r>
-            <a:r>
-              <a:rPr lang="en-US" altLang="zh-TW" dirty="0" smtClean="0"/>
-              <a:t>IDE:VS code</a:t>
-            </a:r>
-          </a:p>
-          <a:p>
-            <a:pPr marL="0" indent="0">
-              <a:buNone/>
-            </a:pPr>
-            <a:r>
-              <a:rPr lang="en-US" altLang="zh-TW" dirty="0"/>
-              <a:t> </a:t>
-            </a:r>
-            <a:r>
-              <a:rPr lang="en-US" altLang="zh-TW" dirty="0" smtClean="0"/>
-              <a:t>   </a:t>
-            </a:r>
-            <a:r>
-              <a:rPr lang="zh-TW" altLang="en-US" dirty="0" smtClean="0"/>
-              <a:t>網頁伺服器軟體</a:t>
-            </a:r>
-            <a:r>
-              <a:rPr lang="en-US" altLang="zh-TW" dirty="0" smtClean="0"/>
-              <a:t>:</a:t>
-            </a:r>
-            <a:r>
-              <a:rPr lang="zh-TW" altLang="en-US" dirty="0" smtClean="0"/>
-              <a:t> </a:t>
-            </a:r>
-            <a:r>
-              <a:rPr lang="en-US" altLang="zh-TW" dirty="0" smtClean="0"/>
-              <a:t>Apache</a:t>
-            </a:r>
-            <a:endParaRPr lang="en-US" altLang="zh-TW" dirty="0" smtClean="0"/>
-          </a:p>
-          <a:p>
-            <a:pPr marL="0" indent="0">
-              <a:buNone/>
-            </a:pPr>
-            <a:r>
-              <a:rPr lang="zh-TW" altLang="en-US" dirty="0" smtClean="0"/>
-              <a:t>    資料庫</a:t>
-            </a:r>
-            <a:r>
-              <a:rPr lang="en-US" altLang="zh-TW" dirty="0" smtClean="0"/>
-              <a:t>:</a:t>
-            </a:r>
-            <a:r>
-              <a:rPr lang="zh-TW" altLang="en-US" dirty="0" smtClean="0"/>
-              <a:t> </a:t>
-            </a:r>
-            <a:r>
-              <a:rPr lang="en-US" altLang="zh-TW" dirty="0" smtClean="0"/>
-              <a:t>MySQL</a:t>
-            </a:r>
-            <a:endParaRPr lang="en-US" altLang="zh-TW" dirty="0" smtClean="0"/>
-          </a:p>
-          <a:p>
-            <a:endParaRPr lang="en-US" sz="2400" dirty="0" smtClean="0"/>
-          </a:p>
-          <a:p>
-            <a:r>
-              <a:rPr lang="zh-TW" altLang="en-US" sz="3200" dirty="0" smtClean="0"/>
-              <a:t>人員分配</a:t>
-            </a:r>
-            <a:endParaRPr lang="en-US" altLang="zh-TW" sz="3200" dirty="0" smtClean="0"/>
-          </a:p>
-          <a:p>
-            <a:pPr marL="0" indent="0">
-              <a:buNone/>
-            </a:pPr>
-            <a:r>
-              <a:rPr lang="zh-TW" altLang="en-US" dirty="0" smtClean="0"/>
-              <a:t>    黃泰源</a:t>
-            </a:r>
-            <a:r>
-              <a:rPr lang="en-US" altLang="zh-TW" dirty="0" smtClean="0"/>
-              <a:t>:</a:t>
-            </a:r>
-            <a:r>
-              <a:rPr lang="zh-TW" altLang="en-US" dirty="0" smtClean="0"/>
-              <a:t>文件撰寫、後端設計製作、資料庫設計與製作、</a:t>
-            </a:r>
-            <a:r>
-              <a:rPr lang="zh-TW" altLang="en-US" dirty="0" smtClean="0"/>
-              <a:t>系統分析與架構設計</a:t>
-            </a:r>
-            <a:r>
-              <a:rPr lang="zh-TW" altLang="en-US" dirty="0" smtClean="0"/>
-              <a:t>、系統</a:t>
-            </a:r>
-            <a:r>
-              <a:rPr lang="zh-TW" altLang="en-US" dirty="0" smtClean="0"/>
-              <a:t>整合    </a:t>
-            </a:r>
-            <a:endParaRPr lang="en-US" altLang="zh-TW" dirty="0" smtClean="0"/>
-          </a:p>
-          <a:p>
-            <a:pPr marL="0" indent="0">
-              <a:buNone/>
-            </a:pPr>
-            <a:r>
-              <a:rPr lang="zh-TW" altLang="en-US" dirty="0" smtClean="0"/>
-              <a:t>胥</a:t>
-            </a:r>
-            <a:r>
-              <a:rPr lang="zh-TW" altLang="en-US" dirty="0" smtClean="0"/>
-              <a:t>景然</a:t>
-            </a:r>
-            <a:r>
-              <a:rPr lang="en-US" altLang="zh-TW" dirty="0" smtClean="0"/>
-              <a:t>:</a:t>
-            </a:r>
-            <a:r>
-              <a:rPr lang="zh-TW" altLang="en-US" dirty="0" smtClean="0"/>
-              <a:t>簡報製作與報告、資料收集、需求分析、前端設計與製作、系統測試</a:t>
-            </a:r>
-            <a:endParaRPr lang="en-US" dirty="0"/>
-          </a:p>
-          <a:p>
-            <a:endParaRPr lang="en-US" sz="2800" dirty="0" smtClean="0"/>
-          </a:p>
-        </p:txBody>
-      </p:sp>
-      <p:sp>
-        <p:nvSpPr>
-          <p:cNvPr id="2" name="Title 1"/>
-          <p:cNvSpPr>
-            <a:spLocks noGrp="1"/>
-          </p:cNvSpPr>
-          <p:nvPr>
-            <p:ph type="title"/>
-          </p:nvPr>
-        </p:nvSpPr>
-        <p:spPr/>
-        <p:txBody>
-          <a:bodyPr/>
-          <a:lstStyle/>
-          <a:p>
-            <a:r>
-              <a:rPr lang="en-US" dirty="0" smtClean="0"/>
-              <a:t>Resource Required</a:t>
-            </a:r>
-            <a:endParaRPr lang="en-US" dirty="0"/>
+              <a:t>系統架構</a:t>
+            </a:r>
+            <a:endParaRPr lang="zh-TW" altLang="en-US" dirty="0"/>
           </a:p>
         </p:txBody>
       </p:sp>
     </p:spTree>
     <p:extLst>
       <p:ext uri="{BB962C8B-B14F-4D97-AF65-F5344CB8AC3E}">
-        <p14:creationId xmlns:p14="http://schemas.microsoft.com/office/powerpoint/2010/main" val="311315968"/>
+        <p14:creationId xmlns:p14="http://schemas.microsoft.com/office/powerpoint/2010/main" val="3633576582"/>
       </p:ext>
     </p:extLst>
   </p:cSld>
@@ -7244,7 +7561,29 @@
       </p:grpSpPr>
       <p:sp>
         <p:nvSpPr>
-          <p:cNvPr id="2" name="標題 1"/>
+          <p:cNvPr id="2" name="內容版面配置區 1"/>
+          <p:cNvSpPr>
+            <a:spLocks noGrp="1"/>
+          </p:cNvSpPr>
+          <p:nvPr>
+            <p:ph idx="1"/>
+          </p:nvPr>
+        </p:nvSpPr>
+        <p:spPr/>
+        <p:txBody>
+          <a:bodyPr/>
+          <a:lstStyle/>
+          <a:p>
+            <a:pPr marL="0" indent="0">
+              <a:buNone/>
+            </a:pPr>
+            <a:endParaRPr lang="zh-TW" altLang="en-US" dirty="0"/>
+          </a:p>
+        </p:txBody>
+      </p:sp>
+      <p:sp>
+        <p:nvSpPr>
+          <p:cNvPr id="3" name="標題 2"/>
           <p:cNvSpPr>
             <a:spLocks noGrp="1"/>
           </p:cNvSpPr>
@@ -7261,21 +7600,31 @@
           <a:p>
             <a:r>
               <a:rPr lang="en-US" altLang="zh-TW" dirty="0" smtClean="0"/>
-              <a:t>Schedule</a:t>
-            </a:r>
-            <a:endParaRPr lang="zh-TW" altLang="en-US" dirty="0"/>
+              <a:t>UML---</a:t>
+            </a:r>
+            <a:r>
+              <a:rPr lang="zh-TW" altLang="en-US" sz="4000" dirty="0" smtClean="0"/>
+              <a:t>使用者</a:t>
+            </a:r>
+            <a:r>
+              <a:rPr lang="zh-TW" altLang="en-US" sz="4000" dirty="0"/>
+              <a:t>與管理者</a:t>
+            </a:r>
+            <a:r>
+              <a:rPr lang="zh-TW" altLang="en-US" sz="4000" dirty="0" smtClean="0"/>
+              <a:t>類別</a:t>
+            </a:r>
+            <a:endParaRPr lang="zh-TW" altLang="en-US" sz="4000" dirty="0"/>
           </a:p>
         </p:txBody>
       </p:sp>
       <p:pic>
         <p:nvPicPr>
-          <p:cNvPr id="4" name="內容版面配置區 3"/>
+          <p:cNvPr id="6" name="圖片 5"/>
           <p:cNvPicPr>
-            <a:picLocks noGrp="1" noChangeAspect="1"/>
+            <a:picLocks noChangeAspect="1"/>
           </p:cNvPicPr>
-          <p:nvPr>
-            <p:ph idx="1"/>
-          </p:nvPr>
+          <p:nvPr/>
         </p:nvPicPr>
         <p:blipFill>
           <a:blip r:embed="rId2"/>
@@ -7285,8 +7634,8 @@
         </p:blipFill>
         <p:spPr>
           <a:xfrm>
-            <a:off x="325999" y="1896526"/>
-            <a:ext cx="8492002" cy="4164639"/>
+            <a:off x="2115749" y="1806871"/>
+            <a:ext cx="6571051" cy="4862693"/>
           </a:xfrm>
           <a:prstGeom prst="rect">
             <a:avLst/>
@@ -7296,7 +7645,112 @@
     </p:spTree>
     <p:extLst>
       <p:ext uri="{BB962C8B-B14F-4D97-AF65-F5344CB8AC3E}">
-        <p14:creationId xmlns:p14="http://schemas.microsoft.com/office/powerpoint/2010/main" val="1924423371"/>
+        <p14:creationId xmlns:p14="http://schemas.microsoft.com/office/powerpoint/2010/main" val="1998499037"/>
+      </p:ext>
+    </p:extLst>
+  </p:cSld>
+  <p:clrMapOvr>
+    <a:masterClrMapping/>
+  </p:clrMapOvr>
+  <p:timing>
+    <p:tnLst>
+      <p:par>
+        <p:cTn id="1" dur="indefinite" restart="never" nodeType="tmRoot"/>
+      </p:par>
+    </p:tnLst>
+  </p:timing>
+</p:sld>
+</file>
+
+<file path=ppt/slides/slide19.xml><?xml version="1.0" encoding="utf-8"?>
+<p:sld xmlns:a="http://schemas.openxmlformats.org/drawingml/2006/main" xmlns:r="http://schemas.openxmlformats.org/officeDocument/2006/relationships" xmlns:p="http://schemas.openxmlformats.org/presentationml/2006/main">
+  <p:cSld>
+    <p:spTree>
+      <p:nvGrpSpPr>
+        <p:cNvPr id="1" name=""/>
+        <p:cNvGrpSpPr/>
+        <p:nvPr/>
+      </p:nvGrpSpPr>
+      <p:grpSpPr>
+        <a:xfrm>
+          <a:off x="0" y="0"/>
+          <a:ext cx="0" cy="0"/>
+          <a:chOff x="0" y="0"/>
+          <a:chExt cx="0" cy="0"/>
+        </a:xfrm>
+      </p:grpSpPr>
+      <p:sp>
+        <p:nvSpPr>
+          <p:cNvPr id="3" name="標題 2"/>
+          <p:cNvSpPr>
+            <a:spLocks noGrp="1"/>
+          </p:cNvSpPr>
+          <p:nvPr>
+            <p:ph type="title"/>
+          </p:nvPr>
+        </p:nvSpPr>
+        <p:spPr>
+          <a:xfrm>
+            <a:off x="300445" y="65314"/>
+            <a:ext cx="8229600" cy="757646"/>
+          </a:xfrm>
+        </p:spPr>
+        <p:txBody>
+          <a:bodyPr>
+            <a:normAutofit/>
+          </a:bodyPr>
+          <a:lstStyle/>
+          <a:p>
+            <a:r>
+              <a:rPr lang="en-US" altLang="zh-TW" dirty="0" smtClean="0"/>
+              <a:t>UML---</a:t>
+            </a:r>
+            <a:r>
+              <a:rPr lang="zh-TW" altLang="en-US" dirty="0" smtClean="0"/>
+              <a:t>頁</a:t>
+            </a:r>
+            <a:r>
+              <a:rPr lang="zh-TW" altLang="en-US" dirty="0"/>
+              <a:t>面</a:t>
+            </a:r>
+            <a:r>
+              <a:rPr lang="zh-TW" altLang="en-US" dirty="0" smtClean="0"/>
+              <a:t>類別</a:t>
+            </a:r>
+            <a:endParaRPr lang="zh-TW" altLang="en-US" dirty="0"/>
+          </a:p>
+        </p:txBody>
+      </p:sp>
+      <p:pic>
+        <p:nvPicPr>
+          <p:cNvPr id="6" name="內容版面配置區 5"/>
+          <p:cNvPicPr>
+            <a:picLocks noGrp="1" noChangeAspect="1"/>
+          </p:cNvPicPr>
+          <p:nvPr>
+            <p:ph idx="1"/>
+          </p:nvPr>
+        </p:nvPicPr>
+        <p:blipFill>
+          <a:blip r:embed="rId2"/>
+          <a:stretch>
+            <a:fillRect/>
+          </a:stretch>
+        </p:blipFill>
+        <p:spPr>
+          <a:xfrm>
+            <a:off x="195941" y="1184365"/>
+            <a:ext cx="8754351" cy="5438504"/>
+          </a:xfrm>
+          <a:prstGeom prst="rect">
+            <a:avLst/>
+          </a:prstGeom>
+        </p:spPr>
+      </p:pic>
+    </p:spTree>
+    <p:extLst>
+      <p:ext uri="{BB962C8B-B14F-4D97-AF65-F5344CB8AC3E}">
+        <p14:creationId xmlns:p14="http://schemas.microsoft.com/office/powerpoint/2010/main" val="3378546810"/>
       </p:ext>
     </p:extLst>
   </p:cSld>
@@ -7361,7 +7815,7 @@
             </a:pPr>
             <a:r>
               <a:rPr lang="zh-TW" altLang="en-US" dirty="0" smtClean="0"/>
-              <a:t>    現代網路發達、交友容易，生活步調快速，壓力龐大，和以前的社會相比，外遇已經是司空見慣的事。</a:t>
+              <a:t>    現代網路發達、交友容易，生活步調快速，壓力龐大，個人主觀意識抬頭，和以前的社會相比，外遇已經是司空見慣的事。</a:t>
             </a:r>
             <a:endParaRPr lang="en-US" altLang="zh-TW" dirty="0"/>
           </a:p>
@@ -7394,6 +7848,303 @@
     <p:extLst>
       <p:ext uri="{BB962C8B-B14F-4D97-AF65-F5344CB8AC3E}">
         <p14:creationId xmlns:p14="http://schemas.microsoft.com/office/powerpoint/2010/main" val="1325437863"/>
+      </p:ext>
+    </p:extLst>
+  </p:cSld>
+  <p:clrMapOvr>
+    <a:masterClrMapping/>
+  </p:clrMapOvr>
+  <p:timing>
+    <p:tnLst>
+      <p:par>
+        <p:cTn id="1" dur="indefinite" restart="never" nodeType="tmRoot"/>
+      </p:par>
+    </p:tnLst>
+  </p:timing>
+</p:sld>
+</file>
+
+<file path=ppt/slides/slide20.xml><?xml version="1.0" encoding="utf-8"?>
+<p:sld xmlns:a="http://schemas.openxmlformats.org/drawingml/2006/main" xmlns:r="http://schemas.openxmlformats.org/officeDocument/2006/relationships" xmlns:p="http://schemas.openxmlformats.org/presentationml/2006/main">
+  <p:cSld>
+    <p:spTree>
+      <p:nvGrpSpPr>
+        <p:cNvPr id="1" name=""/>
+        <p:cNvGrpSpPr/>
+        <p:nvPr/>
+      </p:nvGrpSpPr>
+      <p:grpSpPr>
+        <a:xfrm>
+          <a:off x="0" y="0"/>
+          <a:ext cx="0" cy="0"/>
+          <a:chOff x="0" y="0"/>
+          <a:chExt cx="0" cy="0"/>
+        </a:xfrm>
+      </p:grpSpPr>
+      <p:sp>
+        <p:nvSpPr>
+          <p:cNvPr id="3" name="Content Placeholder 2"/>
+          <p:cNvSpPr>
+            <a:spLocks noGrp="1"/>
+          </p:cNvSpPr>
+          <p:nvPr>
+            <p:ph idx="1"/>
+          </p:nvPr>
+        </p:nvSpPr>
+        <p:spPr/>
+        <p:txBody>
+          <a:bodyPr>
+            <a:normAutofit/>
+          </a:bodyPr>
+          <a:lstStyle/>
+          <a:p>
+            <a:r>
+              <a:rPr lang="zh-TW" altLang="en-US" sz="3200" dirty="0" smtClean="0"/>
+              <a:t>裝置與工具</a:t>
+            </a:r>
+            <a:endParaRPr lang="en-US" altLang="zh-TW" sz="3200" dirty="0" smtClean="0"/>
+          </a:p>
+          <a:p>
+            <a:pPr marL="0" indent="0">
+              <a:buNone/>
+            </a:pPr>
+            <a:r>
+              <a:rPr lang="zh-TW" altLang="en-US" dirty="0"/>
+              <a:t> </a:t>
+            </a:r>
+            <a:r>
+              <a:rPr lang="zh-TW" altLang="en-US" dirty="0" smtClean="0"/>
+              <a:t>   裝置</a:t>
+            </a:r>
+            <a:r>
+              <a:rPr lang="en-US" altLang="zh-TW" dirty="0" smtClean="0"/>
+              <a:t>: </a:t>
+            </a:r>
+            <a:r>
+              <a:rPr lang="zh-TW" altLang="en-US" dirty="0" smtClean="0"/>
+              <a:t>電腦</a:t>
+            </a:r>
+            <a:endParaRPr lang="en-US" altLang="zh-TW" dirty="0" smtClean="0"/>
+          </a:p>
+          <a:p>
+            <a:pPr marL="0" indent="0">
+              <a:buNone/>
+            </a:pPr>
+            <a:r>
+              <a:rPr lang="en-US" altLang="zh-TW" dirty="0"/>
+              <a:t> </a:t>
+            </a:r>
+            <a:r>
+              <a:rPr lang="en-US" altLang="zh-TW" dirty="0" smtClean="0"/>
+              <a:t>   </a:t>
+            </a:r>
+            <a:r>
+              <a:rPr lang="zh-TW" altLang="en-US" dirty="0" smtClean="0"/>
+              <a:t>工具</a:t>
+            </a:r>
+            <a:r>
+              <a:rPr lang="en-US" altLang="zh-TW" dirty="0" smtClean="0"/>
+              <a:t>:</a:t>
+            </a:r>
+            <a:r>
+              <a:rPr lang="zh-TW" altLang="en-US" dirty="0" smtClean="0"/>
+              <a:t> </a:t>
+            </a:r>
+            <a:r>
+              <a:rPr lang="en-US" altLang="zh-TW" dirty="0" smtClean="0"/>
+              <a:t>PowerPoint</a:t>
+            </a:r>
+            <a:r>
+              <a:rPr lang="zh-TW" altLang="en-US" dirty="0" smtClean="0"/>
+              <a:t>、</a:t>
+            </a:r>
+            <a:r>
+              <a:rPr lang="en-US" altLang="zh-TW" dirty="0" smtClean="0"/>
+              <a:t>word</a:t>
+            </a:r>
+            <a:r>
+              <a:rPr lang="zh-TW" altLang="en-US" dirty="0" smtClean="0"/>
+              <a:t>、</a:t>
+            </a:r>
+            <a:r>
+              <a:rPr lang="en-US" altLang="zh-TW" dirty="0" err="1" smtClean="0"/>
+              <a:t>visio</a:t>
+            </a:r>
+            <a:endParaRPr lang="en-US" altLang="zh-TW" dirty="0" smtClean="0"/>
+          </a:p>
+          <a:p>
+            <a:pPr marL="0" indent="0">
+              <a:buNone/>
+            </a:pPr>
+            <a:r>
+              <a:rPr lang="zh-TW" altLang="en-US" dirty="0" smtClean="0"/>
+              <a:t>    </a:t>
+            </a:r>
+            <a:endParaRPr lang="en-US" sz="2400" dirty="0" smtClean="0"/>
+          </a:p>
+          <a:p>
+            <a:r>
+              <a:rPr lang="zh-TW" altLang="en-US" sz="3200" dirty="0" smtClean="0"/>
+              <a:t>人員分配</a:t>
+            </a:r>
+            <a:endParaRPr lang="en-US" altLang="zh-TW" sz="3200" dirty="0" smtClean="0"/>
+          </a:p>
+          <a:p>
+            <a:pPr marL="0" indent="0">
+              <a:buNone/>
+            </a:pPr>
+            <a:r>
+              <a:rPr lang="zh-TW" altLang="en-US" dirty="0" smtClean="0"/>
+              <a:t>    黃泰源</a:t>
+            </a:r>
+            <a:r>
+              <a:rPr lang="en-US" altLang="zh-TW" dirty="0" smtClean="0"/>
+              <a:t>:</a:t>
+            </a:r>
+            <a:r>
+              <a:rPr lang="zh-TW" altLang="en-US" dirty="0" smtClean="0"/>
+              <a:t>文件撰寫、系統分析與架構設計、圖表繪製</a:t>
+            </a:r>
+            <a:endParaRPr lang="en-US" altLang="zh-TW" dirty="0" smtClean="0"/>
+          </a:p>
+          <a:p>
+            <a:pPr marL="0" indent="0">
+              <a:buNone/>
+            </a:pPr>
+            <a:r>
+              <a:rPr lang="zh-TW" altLang="en-US" dirty="0" smtClean="0"/>
+              <a:t>    胥景然</a:t>
+            </a:r>
+            <a:r>
+              <a:rPr lang="en-US" altLang="zh-TW" dirty="0" smtClean="0"/>
+              <a:t>:</a:t>
+            </a:r>
+            <a:r>
+              <a:rPr lang="zh-TW" altLang="en-US" dirty="0" smtClean="0"/>
+              <a:t>簡報製作與報告、資料收集、需求分析</a:t>
+            </a:r>
+            <a:endParaRPr lang="en-US" dirty="0"/>
+          </a:p>
+          <a:p>
+            <a:endParaRPr lang="en-US" sz="2800" dirty="0" smtClean="0"/>
+          </a:p>
+        </p:txBody>
+      </p:sp>
+      <p:sp>
+        <p:nvSpPr>
+          <p:cNvPr id="2" name="Title 1"/>
+          <p:cNvSpPr>
+            <a:spLocks noGrp="1"/>
+          </p:cNvSpPr>
+          <p:nvPr>
+            <p:ph type="title"/>
+          </p:nvPr>
+        </p:nvSpPr>
+        <p:spPr/>
+        <p:txBody>
+          <a:bodyPr/>
+          <a:lstStyle/>
+          <a:p>
+            <a:r>
+              <a:rPr lang="en-US" dirty="0" smtClean="0"/>
+              <a:t>Resource Required</a:t>
+            </a:r>
+            <a:endParaRPr lang="en-US" dirty="0"/>
+          </a:p>
+        </p:txBody>
+      </p:sp>
+    </p:spTree>
+    <p:extLst>
+      <p:ext uri="{BB962C8B-B14F-4D97-AF65-F5344CB8AC3E}">
+        <p14:creationId xmlns:p14="http://schemas.microsoft.com/office/powerpoint/2010/main" val="311315968"/>
+      </p:ext>
+    </p:extLst>
+  </p:cSld>
+  <p:clrMapOvr>
+    <a:masterClrMapping/>
+  </p:clrMapOvr>
+  <p:timing>
+    <p:tnLst>
+      <p:par>
+        <p:cTn id="1" dur="indefinite" restart="never" nodeType="tmRoot"/>
+      </p:par>
+    </p:tnLst>
+  </p:timing>
+</p:sld>
+</file>
+
+<file path=ppt/slides/slide21.xml><?xml version="1.0" encoding="utf-8"?>
+<p:sld xmlns:a="http://schemas.openxmlformats.org/drawingml/2006/main" xmlns:r="http://schemas.openxmlformats.org/officeDocument/2006/relationships" xmlns:p="http://schemas.openxmlformats.org/presentationml/2006/main">
+  <p:cSld>
+    <p:spTree>
+      <p:nvGrpSpPr>
+        <p:cNvPr id="1" name=""/>
+        <p:cNvGrpSpPr/>
+        <p:nvPr/>
+      </p:nvGrpSpPr>
+      <p:grpSpPr>
+        <a:xfrm>
+          <a:off x="0" y="0"/>
+          <a:ext cx="0" cy="0"/>
+          <a:chOff x="0" y="0"/>
+          <a:chExt cx="0" cy="0"/>
+        </a:xfrm>
+      </p:grpSpPr>
+      <p:sp>
+        <p:nvSpPr>
+          <p:cNvPr id="2" name="標題 1"/>
+          <p:cNvSpPr>
+            <a:spLocks noGrp="1"/>
+          </p:cNvSpPr>
+          <p:nvPr>
+            <p:ph type="title"/>
+          </p:nvPr>
+        </p:nvSpPr>
+        <p:spPr/>
+        <p:txBody>
+          <a:bodyPr>
+            <a:normAutofit/>
+          </a:bodyPr>
+          <a:lstStyle/>
+          <a:p>
+            <a:r>
+              <a:rPr lang="en-US" altLang="zh-TW" dirty="0" smtClean="0"/>
+              <a:t>Schedule</a:t>
+            </a:r>
+            <a:endParaRPr lang="zh-TW" altLang="en-US" dirty="0"/>
+          </a:p>
+        </p:txBody>
+      </p:sp>
+      <p:pic>
+        <p:nvPicPr>
+          <p:cNvPr id="5" name="內容版面配置區 4"/>
+          <p:cNvPicPr>
+            <a:picLocks noGrp="1" noChangeAspect="1"/>
+          </p:cNvPicPr>
+          <p:nvPr>
+            <p:ph idx="1"/>
+          </p:nvPr>
+        </p:nvPicPr>
+        <p:blipFill>
+          <a:blip r:embed="rId2"/>
+          <a:stretch>
+            <a:fillRect/>
+          </a:stretch>
+        </p:blipFill>
+        <p:spPr>
+          <a:xfrm>
+            <a:off x="535216" y="2449430"/>
+            <a:ext cx="8073568" cy="2396889"/>
+          </a:xfrm>
+          <a:prstGeom prst="rect">
+            <a:avLst/>
+          </a:prstGeom>
+        </p:spPr>
+      </p:pic>
+    </p:spTree>
+    <p:extLst>
+      <p:ext uri="{BB962C8B-B14F-4D97-AF65-F5344CB8AC3E}">
+        <p14:creationId xmlns:p14="http://schemas.microsoft.com/office/powerpoint/2010/main" val="1924423371"/>
       </p:ext>
     </p:extLst>
   </p:cSld>
@@ -7564,7 +8315,47 @@
             </a:r>
             <a:r>
               <a:rPr lang="zh-TW" altLang="en-US" dirty="0"/>
-              <a:t>希望可以建立一個優良完善的徵信社網路平台，消除被害人的不安，以及解決各種問題，成為被害人最有力的</a:t>
+              <a:t>希望可以建立一個優良完善的徵信社網路平台，</a:t>
+            </a:r>
+            <a:r>
+              <a:rPr lang="zh-TW" altLang="en-US" dirty="0" smtClean="0"/>
+              <a:t>消除</a:t>
+            </a:r>
+            <a:r>
+              <a:rPr lang="zh-TW" altLang="en-US" dirty="0"/>
+              <a:t>用戶</a:t>
+            </a:r>
+            <a:r>
+              <a:rPr lang="zh-TW" altLang="en-US" dirty="0" smtClean="0"/>
+              <a:t>的不安，省去他</a:t>
+            </a:r>
+            <a:r>
+              <a:rPr lang="zh-TW" altLang="en-US" dirty="0"/>
+              <a:t>們的</a:t>
+            </a:r>
+            <a:r>
+              <a:rPr lang="zh-TW" altLang="en-US" dirty="0" smtClean="0"/>
+              <a:t>麻煩，以最有效率的方式解決</a:t>
+            </a:r>
+            <a:r>
+              <a:rPr lang="zh-TW" altLang="en-US" dirty="0"/>
+              <a:t>各種問題，</a:t>
+            </a:r>
+            <a:r>
+              <a:rPr lang="zh-TW" altLang="en-US" dirty="0" smtClean="0"/>
+              <a:t>成為</a:t>
+            </a:r>
+            <a:r>
+              <a:rPr lang="zh-TW" altLang="en-US" dirty="0"/>
+              <a:t>用戶</a:t>
+            </a:r>
+            <a:r>
+              <a:rPr lang="zh-TW" altLang="en-US" dirty="0" smtClean="0"/>
+              <a:t>最</a:t>
+            </a:r>
+            <a:r>
+              <a:rPr lang="zh-TW" altLang="en-US" dirty="0"/>
+              <a:t>有力的</a:t>
             </a:r>
             <a:r>
               <a:rPr lang="zh-TW" altLang="en-US" dirty="0" smtClean="0"/>
@@ -7678,7 +8469,7 @@
             </a:r>
             <a:r>
               <a:rPr lang="zh-TW" altLang="en-US" dirty="0" smtClean="0"/>
-              <a:t>問題討論及意見交流</a:t>
+              <a:t>想徵求他人意見和過去經驗</a:t>
             </a:r>
             <a:endParaRPr lang="en-US" altLang="zh-TW" dirty="0" smtClean="0"/>
           </a:p>
@@ -7699,12 +8490,8 @@
               <a:t>2.</a:t>
             </a:r>
             <a:r>
-              <a:rPr lang="zh-TW" altLang="en-US" dirty="0"/>
-              <a:t>線上</a:t>
-            </a:r>
-            <a:r>
               <a:rPr lang="zh-TW" altLang="en-US" dirty="0" smtClean="0"/>
-              <a:t>法律學習</a:t>
+              <a:t>想了解相關法律</a:t>
             </a:r>
             <a:endParaRPr lang="en-US" altLang="zh-TW" dirty="0" smtClean="0"/>
           </a:p>
@@ -7726,7 +8513,7 @@
             </a:r>
             <a:r>
               <a:rPr lang="zh-TW" altLang="en-US" dirty="0" smtClean="0"/>
-              <a:t>可自由選擇接案人員</a:t>
+              <a:t>想選擇自己信任的調查人員</a:t>
             </a:r>
             <a:endParaRPr lang="en-US" altLang="zh-TW" dirty="0" smtClean="0"/>
           </a:p>
@@ -7752,7 +8539,7 @@
             </a:r>
             <a:r>
               <a:rPr lang="zh-TW" altLang="en-US" dirty="0" smtClean="0"/>
-              <a:t>偵查進度及歷史紀錄查詢</a:t>
+              <a:t>想隨時關注偵查進度或查詢歷史紀錄</a:t>
             </a:r>
           </a:p>
         </p:txBody>
@@ -7843,6 +8630,10 @@
               <a:buNone/>
             </a:pPr>
             <a:r>
+              <a:rPr lang="zh-TW" altLang="en-US" dirty="0"/>
+              <a:t> </a:t>
+            </a:r>
+            <a:r>
               <a:rPr lang="zh-TW" altLang="en-US" dirty="0" smtClean="0"/>
               <a:t>   </a:t>
             </a:r>
@@ -7866,7 +8657,7 @@
             </a:r>
             <a:r>
               <a:rPr lang="zh-TW" altLang="en-US" dirty="0" smtClean="0"/>
-              <a:t>  </a:t>
+              <a:t>   </a:t>
             </a:r>
             <a:r>
               <a:rPr lang="en-US" altLang="zh-TW" dirty="0" smtClean="0"/>
@@ -7878,7 +8669,7 @@
             </a:r>
             <a:r>
               <a:rPr lang="zh-TW" altLang="en-US" dirty="0" smtClean="0"/>
-              <a:t>解釋，並將內容解釋的淺顯易懂，讓用戶更了解自己的權益</a:t>
+              <a:t>解釋，並將內容解釋得淺顯易懂，讓用戶更了解自己的權益</a:t>
             </a:r>
             <a:endParaRPr lang="en-US" altLang="zh-TW" dirty="0" smtClean="0"/>
           </a:p>
@@ -7892,11 +8683,33 @@
             </a:r>
             <a:r>
               <a:rPr lang="zh-TW" altLang="en-US" dirty="0" smtClean="0"/>
-              <a:t>  </a:t>
+              <a:t>   </a:t>
             </a:r>
             <a:r>
               <a:rPr lang="en-US" altLang="zh-TW" dirty="0" smtClean="0"/>
               <a:t>3.</a:t>
+            </a:r>
+            <a:r>
+              <a:rPr lang="zh-TW" altLang="en-US" dirty="0" smtClean="0"/>
+              <a:t>詳細的偵探個人簡介和評分系統，讓用戶依個人喜好選擇偵探</a:t>
+            </a:r>
+            <a:endParaRPr lang="en-US" altLang="zh-TW" dirty="0" smtClean="0"/>
+          </a:p>
+          <a:p>
+            <a:pPr marL="0" indent="0">
+              <a:buNone/>
+            </a:pPr>
+            <a:r>
+              <a:rPr lang="zh-TW" altLang="en-US" dirty="0"/>
+              <a:t> </a:t>
+            </a:r>
+            <a:r>
+              <a:rPr lang="zh-TW" altLang="en-US" dirty="0" smtClean="0"/>
+              <a:t>   </a:t>
+            </a:r>
+            <a:r>
+              <a:rPr lang="en-US" altLang="zh-TW" dirty="0" smtClean="0"/>
+              <a:t>4.</a:t>
             </a:r>
             <a:r>
               <a:rPr lang="zh-TW" altLang="en-US" dirty="0" smtClean="0"/>
@@ -7983,11 +8796,7 @@
           <a:p>
             <a:r>
               <a:rPr lang="zh-TW" altLang="en-US" dirty="0" smtClean="0"/>
-              <a:t>需求、功能</a:t>
-            </a:r>
-            <a:r>
-              <a:rPr lang="zh-TW" altLang="en-US" dirty="0" smtClean="0"/>
-              <a:t>說明</a:t>
+              <a:t>需求、功能說明</a:t>
             </a:r>
             <a:r>
               <a:rPr lang="en-US" altLang="zh-TW" dirty="0" smtClean="0"/>
@@ -8640,14 +9449,14 @@
             <p:ph idx="1"/>
             <p:extLst>
               <p:ext uri="{D42A27DB-BD31-4B8C-83A1-F6EECF244321}">
-                <p14:modId xmlns:p14="http://schemas.microsoft.com/office/powerpoint/2010/main" val="1442285767"/>
+                <p14:modId xmlns:p14="http://schemas.microsoft.com/office/powerpoint/2010/main" val="3370961575"/>
               </p:ext>
             </p:extLst>
           </p:nvPr>
         </p:nvGraphicFramePr>
         <p:xfrm>
           <a:off x="571637" y="1371600"/>
-          <a:ext cx="7970020" cy="5181600"/>
+          <a:ext cx="7970020" cy="5073055"/>
         </p:xfrm>
         <a:graphic>
           <a:graphicData uri="http://schemas.openxmlformats.org/drawingml/2006/table">
@@ -9145,16 +9954,10 @@
                         </a:spcAft>
                       </a:pPr>
                       <a:r>
-                        <a:rPr lang="zh-TW" sz="1700" kern="100" dirty="0" smtClean="0">
-                          <a:effectLst/>
-                        </a:rPr>
-                        <a:t>個人</a:t>
-                      </a:r>
-                      <a:r>
                         <a:rPr lang="zh-TW" altLang="en-US" sz="1700" kern="100" dirty="0" smtClean="0">
                           <a:effectLst/>
                         </a:rPr>
-                        <a:t>簡介</a:t>
+                        <a:t>評分系統</a:t>
                       </a:r>
                       <a:r>
                         <a:rPr lang="zh-TW" sz="1700" kern="100" dirty="0" smtClean="0">
@@ -9189,40 +9992,28 @@
                         </a:spcAft>
                       </a:pPr>
                       <a:r>
+                        <a:rPr lang="zh-TW" sz="1700" kern="100" dirty="0" smtClean="0">
+                          <a:effectLst/>
+                        </a:rPr>
+                        <a:t>【</a:t>
+                      </a:r>
+                      <a:r>
                         <a:rPr lang="zh-TW" sz="1700" kern="100" dirty="0">
                           <a:effectLst/>
                         </a:rPr>
-                        <a:t>偵探可在【個人簡介】調整【能力值雷達圖</a:t>
+                        <a:t>個人簡介</a:t>
                       </a:r>
                       <a:r>
                         <a:rPr lang="zh-TW" sz="1700" kern="100" dirty="0" smtClean="0">
                           <a:effectLst/>
                         </a:rPr>
-                        <a:t>】，能力值有</a:t>
-                      </a:r>
-                      <a:r>
-                        <a:rPr lang="en-US" sz="1700" kern="100" dirty="0" smtClean="0">
-                          <a:effectLst/>
-                        </a:rPr>
-                        <a:t>:</a:t>
-                      </a:r>
-                      <a:r>
-                        <a:rPr lang="zh-TW" sz="1700" kern="100" dirty="0" smtClean="0">
-                          <a:effectLst/>
-                        </a:rPr>
-                        <a:t>力量、智力、耐力、經驗</a:t>
+                        <a:t>】</a:t>
                       </a:r>
                       <a:r>
                         <a:rPr lang="zh-TW" altLang="en-US" sz="1700" kern="100" dirty="0" smtClean="0">
                           <a:effectLst/>
                         </a:rPr>
-                        <a:t>、敏捷</a:t>
-                      </a:r>
-                      <a:r>
-                        <a:rPr lang="zh-TW" sz="1700" kern="100" dirty="0" smtClean="0">
-                          <a:effectLst/>
-                        </a:rPr>
-                        <a:t>。</a:t>
+                        <a:t>上會顯示用戶給予偵探的評分。</a:t>
                       </a:r>
                       <a:endParaRPr lang="zh-TW" sz="1700" kern="100" dirty="0">
                         <a:effectLst/>
@@ -9853,6 +10644,24 @@
 </file>
 
 <file path=customXml/item1.xml><?xml version="1.0" encoding="utf-8"?>
+<?mso-contentType ?>
+<FormTemplates xmlns="http://schemas.microsoft.com/sharepoint/v3/contenttype/forms">
+  <Display>DocumentLibraryForm</Display>
+  <Edit>DocumentLibraryForm</Edit>
+  <New>DocumentLibraryForm</New>
+</FormTemplates>
+</file>
+
+<file path=customXml/item2.xml><?xml version="1.0" encoding="utf-8"?>
+<p:properties xmlns:p="http://schemas.microsoft.com/office/2006/metadata/properties" xmlns:xsi="http://www.w3.org/2001/XMLSchema-instance" xmlns:pc="http://schemas.microsoft.com/office/infopath/2007/PartnerControls">
+  <documentManagement>
+    <_Version xmlns="http://schemas.microsoft.com/sharepoint/v3/fields" xsi:nil="true"/>
+    <_Status xmlns="http://schemas.microsoft.com/sharepoint/v3/fields">Not Started</_Status>
+  </documentManagement>
+</p:properties>
+</file>
+
+<file path=customXml/item3.xml><?xml version="1.0" encoding="utf-8"?>
 <ct:contentTypeSchema xmlns:ct="http://schemas.microsoft.com/office/2006/metadata/contentType" xmlns:ma="http://schemas.microsoft.com/office/2006/metadata/properties/metaAttributes" ct:_="" ma:_="" ma:contentTypeName="Document" ma:contentTypeID="0x0101000DE64AEEDD9B7A4D93545ACBE97D4615" ma:contentTypeVersion="2" ma:contentTypeDescription="Create a new document." ma:contentTypeScope="" ma:versionID="f49002b78e3a4a71b814eef46a983816">
   <xsd:schema xmlns:xsd="http://www.w3.org/2001/XMLSchema" xmlns:xs="http://www.w3.org/2001/XMLSchema" xmlns:p="http://schemas.microsoft.com/office/2006/metadata/properties" xmlns:ns2="http://schemas.microsoft.com/sharepoint/v3/fields" targetNamespace="http://schemas.microsoft.com/office/2006/metadata/properties" ma:root="true" ma:fieldsID="38f6db2dd0d9a0cf6a8dc37be32b365b" ns2:_="">
     <xsd:import namespace="http://schemas.microsoft.com/sharepoint/v3/fields"/>
@@ -9996,38 +10805,10 @@
 </ct:contentTypeSchema>
 </file>
 
-<file path=customXml/item2.xml><?xml version="1.0" encoding="utf-8"?>
-<p:properties xmlns:p="http://schemas.microsoft.com/office/2006/metadata/properties" xmlns:xsi="http://www.w3.org/2001/XMLSchema-instance" xmlns:pc="http://schemas.microsoft.com/office/infopath/2007/PartnerControls">
-  <documentManagement>
-    <_Version xmlns="http://schemas.microsoft.com/sharepoint/v3/fields" xsi:nil="true"/>
-    <_Status xmlns="http://schemas.microsoft.com/sharepoint/v3/fields">Not Started</_Status>
-  </documentManagement>
-</p:properties>
-</file>
-
-<file path=customXml/item3.xml><?xml version="1.0" encoding="utf-8"?>
-<?mso-contentType ?>
-<FormTemplates xmlns="http://schemas.microsoft.com/sharepoint/v3/contenttype/forms">
-  <Display>DocumentLibraryForm</Display>
-  <Edit>DocumentLibraryForm</Edit>
-  <New>DocumentLibraryForm</New>
-</FormTemplates>
-</file>
-
 <file path=customXml/itemProps1.xml><?xml version="1.0" encoding="utf-8"?>
-<ds:datastoreItem xmlns:ds="http://schemas.openxmlformats.org/officeDocument/2006/customXml" ds:itemID="{E4214858-785C-42F7-BE66-6D0E79395FC8}">
+<ds:datastoreItem xmlns:ds="http://schemas.openxmlformats.org/officeDocument/2006/customXml" ds:itemID="{87D2A1B0-FF3E-4009-940D-AED0EB70AA20}">
   <ds:schemaRefs>
-    <ds:schemaRef ds:uri="http://schemas.microsoft.com/office/2006/metadata/contentType"/>
-    <ds:schemaRef ds:uri="http://schemas.microsoft.com/office/2006/metadata/properties/metaAttributes"/>
-    <ds:schemaRef ds:uri="http://www.w3.org/2001/XMLSchema"/>
-    <ds:schemaRef ds:uri="http://schemas.microsoft.com/office/2006/metadata/properties"/>
-    <ds:schemaRef ds:uri="http://schemas.microsoft.com/sharepoint/v3/fields"/>
-    <ds:schemaRef ds:uri="http://schemas.microsoft.com/office/2006/documentManagement/types"/>
-    <ds:schemaRef ds:uri="http://schemas.microsoft.com/office/infopath/2007/PartnerControls"/>
-    <ds:schemaRef ds:uri="http://schemas.openxmlformats.org/package/2006/metadata/core-properties"/>
-    <ds:schemaRef ds:uri="http://purl.org/dc/elements/1.1/"/>
-    <ds:schemaRef ds:uri="http://purl.org/dc/terms/"/>
-    <ds:schemaRef ds:uri="http://schemas.microsoft.com/internal/obd"/>
+    <ds:schemaRef ds:uri="http://schemas.microsoft.com/sharepoint/v3/contenttype/forms"/>
   </ds:schemaRefs>
 </ds:datastoreItem>
 </file>
@@ -10049,9 +10830,19 @@
 </file>
 
 <file path=customXml/itemProps3.xml><?xml version="1.0" encoding="utf-8"?>
-<ds:datastoreItem xmlns:ds="http://schemas.openxmlformats.org/officeDocument/2006/customXml" ds:itemID="{87D2A1B0-FF3E-4009-940D-AED0EB70AA20}">
+<ds:datastoreItem xmlns:ds="http://schemas.openxmlformats.org/officeDocument/2006/customXml" ds:itemID="{E4214858-785C-42F7-BE66-6D0E79395FC8}">
   <ds:schemaRefs>
-    <ds:schemaRef ds:uri="http://schemas.microsoft.com/sharepoint/v3/contenttype/forms"/>
+    <ds:schemaRef ds:uri="http://schemas.microsoft.com/office/2006/metadata/contentType"/>
+    <ds:schemaRef ds:uri="http://schemas.microsoft.com/office/2006/metadata/properties/metaAttributes"/>
+    <ds:schemaRef ds:uri="http://www.w3.org/2001/XMLSchema"/>
+    <ds:schemaRef ds:uri="http://schemas.microsoft.com/office/2006/metadata/properties"/>
+    <ds:schemaRef ds:uri="http://schemas.microsoft.com/sharepoint/v3/fields"/>
+    <ds:schemaRef ds:uri="http://schemas.microsoft.com/office/2006/documentManagement/types"/>
+    <ds:schemaRef ds:uri="http://schemas.microsoft.com/office/infopath/2007/PartnerControls"/>
+    <ds:schemaRef ds:uri="http://schemas.openxmlformats.org/package/2006/metadata/core-properties"/>
+    <ds:schemaRef ds:uri="http://purl.org/dc/elements/1.1/"/>
+    <ds:schemaRef ds:uri="http://purl.org/dc/terms/"/>
+    <ds:schemaRef ds:uri="http://schemas.microsoft.com/internal/obd"/>
   </ds:schemaRefs>
 </ds:datastoreItem>
 </file>
--- a/team11_proposal.pptx
+++ b/team11_proposal.pptx
@@ -228,7 +228,7 @@
           <a:p>
             <a:fld id="{77C96CCE-68B5-9B4D-B8A4-9D885A674F26}" type="datetimeFigureOut">
               <a:rPr lang="en-US" smtClean="0"/>
-              <a:t>11/14/2018</a:t>
+              <a:t>11/15/2018</a:t>
             </a:fld>
             <a:endParaRPr lang="en-US"/>
           </a:p>
@@ -1564,7 +1564,7 @@
           <a:p>
             <a:fld id="{68C2560D-EC28-3B41-86E8-18F1CE0113B4}" type="datetimeFigureOut">
               <a:rPr lang="en-US" smtClean="0"/>
-              <a:t>11/14/2018</a:t>
+              <a:t>11/15/2018</a:t>
             </a:fld>
             <a:endParaRPr lang="en-US"/>
           </a:p>
@@ -1729,7 +1729,7 @@
           <a:p>
             <a:fld id="{68C2560D-EC28-3B41-86E8-18F1CE0113B4}" type="datetimeFigureOut">
               <a:rPr lang="en-US" smtClean="0"/>
-              <a:t>11/14/2018</a:t>
+              <a:t>11/15/2018</a:t>
             </a:fld>
             <a:endParaRPr lang="en-US"/>
           </a:p>
@@ -1904,7 +1904,7 @@
           <a:p>
             <a:fld id="{68C2560D-EC28-3B41-86E8-18F1CE0113B4}" type="datetimeFigureOut">
               <a:rPr lang="en-US" smtClean="0"/>
-              <a:t>11/14/2018</a:t>
+              <a:t>11/15/2018</a:t>
             </a:fld>
             <a:endParaRPr lang="en-US"/>
           </a:p>
@@ -2051,7 +2051,7 @@
           <a:p>
             <a:fld id="{68C2560D-EC28-3B41-86E8-18F1CE0113B4}" type="datetimeFigureOut">
               <a:rPr lang="en-US" smtClean="0"/>
-              <a:t>11/14/2018</a:t>
+              <a:t>11/15/2018</a:t>
             </a:fld>
             <a:endParaRPr lang="en-US"/>
           </a:p>
@@ -2168,7 +2168,7 @@
           <a:p>
             <a:fld id="{68C2560D-EC28-3B41-86E8-18F1CE0113B4}" type="datetimeFigureOut">
               <a:rPr lang="en-US" smtClean="0"/>
-              <a:t>11/14/2018</a:t>
+              <a:t>11/15/2018</a:t>
             </a:fld>
             <a:endParaRPr lang="en-US"/>
           </a:p>
@@ -2438,7 +2438,7 @@
           <a:p>
             <a:fld id="{68C2560D-EC28-3B41-86E8-18F1CE0113B4}" type="datetimeFigureOut">
               <a:rPr lang="en-US" smtClean="0"/>
-              <a:t>11/14/2018</a:t>
+              <a:t>11/15/2018</a:t>
             </a:fld>
             <a:endParaRPr lang="en-US"/>
           </a:p>
@@ -2707,7 +2707,7 @@
           <a:p>
             <a:fld id="{68C2560D-EC28-3B41-86E8-18F1CE0113B4}" type="datetimeFigureOut">
               <a:rPr lang="en-US" smtClean="0"/>
-              <a:t>11/14/2018</a:t>
+              <a:t>11/15/2018</a:t>
             </a:fld>
             <a:endParaRPr lang="en-US"/>
           </a:p>
@@ -3154,7 +3154,7 @@
           <a:p>
             <a:fld id="{68C2560D-EC28-3B41-86E8-18F1CE0113B4}" type="datetimeFigureOut">
               <a:rPr lang="en-US" smtClean="0"/>
-              <a:t>11/14/2018</a:t>
+              <a:t>11/15/2018</a:t>
             </a:fld>
             <a:endParaRPr lang="en-US"/>
           </a:p>
@@ -3267,7 +3267,7 @@
           <a:p>
             <a:fld id="{68C2560D-EC28-3B41-86E8-18F1CE0113B4}" type="datetimeFigureOut">
               <a:rPr lang="en-US" smtClean="0"/>
-              <a:t>11/14/2018</a:t>
+              <a:t>11/15/2018</a:t>
             </a:fld>
             <a:endParaRPr lang="en-US"/>
           </a:p>
@@ -3517,7 +3517,7 @@
           <a:p>
             <a:fld id="{68C2560D-EC28-3B41-86E8-18F1CE0113B4}" type="datetimeFigureOut">
               <a:rPr lang="en-US" smtClean="0"/>
-              <a:t>11/14/2018</a:t>
+              <a:t>11/15/2018</a:t>
             </a:fld>
             <a:endParaRPr lang="en-US"/>
           </a:p>
@@ -3757,7 +3757,7 @@
           <a:p>
             <a:fld id="{68C2560D-EC28-3B41-86E8-18F1CE0113B4}" type="datetimeFigureOut">
               <a:rPr lang="en-US" smtClean="0"/>
-              <a:t>11/14/2018</a:t>
+              <a:t>11/15/2018</a:t>
             </a:fld>
             <a:endParaRPr lang="en-US"/>
           </a:p>
@@ -3930,7 +3930,7 @@
           <a:p>
             <a:fld id="{68C2560D-EC28-3B41-86E8-18F1CE0113B4}" type="datetimeFigureOut">
               <a:rPr lang="en-US" smtClean="0"/>
-              <a:t>11/14/2018</a:t>
+              <a:t>11/15/2018</a:t>
             </a:fld>
             <a:endParaRPr lang="en-US"/>
           </a:p>
@@ -10644,21 +10644,21 @@
 </file>
 
 <file path=customXml/item1.xml><?xml version="1.0" encoding="utf-8"?>
+<p:properties xmlns:p="http://schemas.microsoft.com/office/2006/metadata/properties" xmlns:xsi="http://www.w3.org/2001/XMLSchema-instance" xmlns:pc="http://schemas.microsoft.com/office/infopath/2007/PartnerControls">
+  <documentManagement>
+    <_Version xmlns="http://schemas.microsoft.com/sharepoint/v3/fields" xsi:nil="true"/>
+    <_Status xmlns="http://schemas.microsoft.com/sharepoint/v3/fields">Not Started</_Status>
+  </documentManagement>
+</p:properties>
+</file>
+
+<file path=customXml/item2.xml><?xml version="1.0" encoding="utf-8"?>
 <?mso-contentType ?>
 <FormTemplates xmlns="http://schemas.microsoft.com/sharepoint/v3/contenttype/forms">
   <Display>DocumentLibraryForm</Display>
   <Edit>DocumentLibraryForm</Edit>
   <New>DocumentLibraryForm</New>
 </FormTemplates>
-</file>
-
-<file path=customXml/item2.xml><?xml version="1.0" encoding="utf-8"?>
-<p:properties xmlns:p="http://schemas.microsoft.com/office/2006/metadata/properties" xmlns:xsi="http://www.w3.org/2001/XMLSchema-instance" xmlns:pc="http://schemas.microsoft.com/office/infopath/2007/PartnerControls">
-  <documentManagement>
-    <_Version xmlns="http://schemas.microsoft.com/sharepoint/v3/fields" xsi:nil="true"/>
-    <_Status xmlns="http://schemas.microsoft.com/sharepoint/v3/fields">Not Started</_Status>
-  </documentManagement>
-</p:properties>
 </file>
 
 <file path=customXml/item3.xml><?xml version="1.0" encoding="utf-8"?>
@@ -10806,14 +10806,6 @@
 </file>
 
 <file path=customXml/itemProps1.xml><?xml version="1.0" encoding="utf-8"?>
-<ds:datastoreItem xmlns:ds="http://schemas.openxmlformats.org/officeDocument/2006/customXml" ds:itemID="{87D2A1B0-FF3E-4009-940D-AED0EB70AA20}">
-  <ds:schemaRefs>
-    <ds:schemaRef ds:uri="http://schemas.microsoft.com/sharepoint/v3/contenttype/forms"/>
-  </ds:schemaRefs>
-</ds:datastoreItem>
-</file>
-
-<file path=customXml/itemProps2.xml><?xml version="1.0" encoding="utf-8"?>
 <ds:datastoreItem xmlns:ds="http://schemas.openxmlformats.org/officeDocument/2006/customXml" ds:itemID="{7B6F2769-7194-4217-93D3-3AF3A4742282}">
   <ds:schemaRefs>
     <ds:schemaRef ds:uri="http://schemas.microsoft.com/office/2006/documentManagement/types"/>
@@ -10825,6 +10817,14 @@
     <ds:schemaRef ds:uri="http://schemas.microsoft.com/office/2006/metadata/properties"/>
     <ds:schemaRef ds:uri="http://schemas.microsoft.com/office/infopath/2007/PartnerControls"/>
     <ds:schemaRef ds:uri="http://purl.org/dc/dcmitype/"/>
+  </ds:schemaRefs>
+</ds:datastoreItem>
+</file>
+
+<file path=customXml/itemProps2.xml><?xml version="1.0" encoding="utf-8"?>
+<ds:datastoreItem xmlns:ds="http://schemas.openxmlformats.org/officeDocument/2006/customXml" ds:itemID="{87D2A1B0-FF3E-4009-940D-AED0EB70AA20}">
+  <ds:schemaRefs>
+    <ds:schemaRef ds:uri="http://schemas.microsoft.com/sharepoint/v3/contenttype/forms"/>
   </ds:schemaRefs>
 </ds:datastoreItem>
 </file>

--- a/team11_proposal.pptx
+++ b/team11_proposal.pptx
@@ -5,7 +5,7 @@
     <p:sldMasterId id="2147494631" r:id="rId4"/>
   </p:sldMasterIdLst>
   <p:notesMasterIdLst>
-    <p:notesMasterId r:id="rId26"/>
+    <p:notesMasterId r:id="rId23"/>
   </p:notesMasterIdLst>
   <p:sldIdLst>
     <p:sldId id="256" r:id="rId5"/>
@@ -24,11 +24,8 @@
     <p:sldId id="271" r:id="rId18"/>
     <p:sldId id="272" r:id="rId19"/>
     <p:sldId id="259" r:id="rId20"/>
-    <p:sldId id="278" r:id="rId21"/>
-    <p:sldId id="276" r:id="rId22"/>
-    <p:sldId id="277" r:id="rId23"/>
-    <p:sldId id="261" r:id="rId24"/>
-    <p:sldId id="262" r:id="rId25"/>
+    <p:sldId id="261" r:id="rId21"/>
+    <p:sldId id="262" r:id="rId22"/>
   </p:sldIdLst>
   <p:sldSz cx="9144000" cy="6858000" type="screen4x3"/>
   <p:notesSz cx="6858000" cy="9144000"/>
@@ -129,7 +126,7 @@
   </p:defaultTextStyle>
   <p:extLst>
     <p:ext uri="{EFAFB233-063F-42B5-8137-9DF3F51BA10A}">
-      <p15:sldGuideLst xmlns:p15="http://schemas.microsoft.com/office/powerpoint/2012/main">
+      <p15:sldGuideLst xmlns="" xmlns:p15="http://schemas.microsoft.com/office/powerpoint/2012/main">
         <p15:guide id="1" orient="horz" pos="2160">
           <p15:clr>
             <a:srgbClr val="A4A3A4"/>
@@ -228,7 +225,7 @@
           <a:p>
             <a:fld id="{77C96CCE-68B5-9B4D-B8A4-9D885A674F26}" type="datetimeFigureOut">
               <a:rPr lang="en-US" smtClean="0"/>
-              <a:t>11/15/2018</a:t>
+              <a:t>11/29/2018</a:t>
             </a:fld>
             <a:endParaRPr lang="en-US"/>
           </a:p>
@@ -1255,7 +1252,7 @@
           <a:p>
             <a:fld id="{8662E17B-74C6-844B-874E-AD2BA74226A5}" type="slidenum">
               <a:rPr lang="en-US" smtClean="0"/>
-              <a:t>20</a:t>
+              <a:t>17</a:t>
             </a:fld>
             <a:endParaRPr lang="en-US"/>
           </a:p>
@@ -1564,7 +1561,7 @@
           <a:p>
             <a:fld id="{68C2560D-EC28-3B41-86E8-18F1CE0113B4}" type="datetimeFigureOut">
               <a:rPr lang="en-US" smtClean="0"/>
-              <a:t>11/15/2018</a:t>
+              <a:t>11/29/2018</a:t>
             </a:fld>
             <a:endParaRPr lang="en-US"/>
           </a:p>
@@ -1729,7 +1726,7 @@
           <a:p>
             <a:fld id="{68C2560D-EC28-3B41-86E8-18F1CE0113B4}" type="datetimeFigureOut">
               <a:rPr lang="en-US" smtClean="0"/>
-              <a:t>11/15/2018</a:t>
+              <a:t>11/29/2018</a:t>
             </a:fld>
             <a:endParaRPr lang="en-US"/>
           </a:p>
@@ -1904,7 +1901,7 @@
           <a:p>
             <a:fld id="{68C2560D-EC28-3B41-86E8-18F1CE0113B4}" type="datetimeFigureOut">
               <a:rPr lang="en-US" smtClean="0"/>
-              <a:t>11/15/2018</a:t>
+              <a:t>11/29/2018</a:t>
             </a:fld>
             <a:endParaRPr lang="en-US"/>
           </a:p>
@@ -2051,7 +2048,7 @@
           <a:p>
             <a:fld id="{68C2560D-EC28-3B41-86E8-18F1CE0113B4}" type="datetimeFigureOut">
               <a:rPr lang="en-US" smtClean="0"/>
-              <a:t>11/15/2018</a:t>
+              <a:t>11/29/2018</a:t>
             </a:fld>
             <a:endParaRPr lang="en-US"/>
           </a:p>
@@ -2168,7 +2165,7 @@
           <a:p>
             <a:fld id="{68C2560D-EC28-3B41-86E8-18F1CE0113B4}" type="datetimeFigureOut">
               <a:rPr lang="en-US" smtClean="0"/>
-              <a:t>11/15/2018</a:t>
+              <a:t>11/29/2018</a:t>
             </a:fld>
             <a:endParaRPr lang="en-US"/>
           </a:p>
@@ -2438,7 +2435,7 @@
           <a:p>
             <a:fld id="{68C2560D-EC28-3B41-86E8-18F1CE0113B4}" type="datetimeFigureOut">
               <a:rPr lang="en-US" smtClean="0"/>
-              <a:t>11/15/2018</a:t>
+              <a:t>11/29/2018</a:t>
             </a:fld>
             <a:endParaRPr lang="en-US"/>
           </a:p>
@@ -2707,7 +2704,7 @@
           <a:p>
             <a:fld id="{68C2560D-EC28-3B41-86E8-18F1CE0113B4}" type="datetimeFigureOut">
               <a:rPr lang="en-US" smtClean="0"/>
-              <a:t>11/15/2018</a:t>
+              <a:t>11/29/2018</a:t>
             </a:fld>
             <a:endParaRPr lang="en-US"/>
           </a:p>
@@ -3154,7 +3151,7 @@
           <a:p>
             <a:fld id="{68C2560D-EC28-3B41-86E8-18F1CE0113B4}" type="datetimeFigureOut">
               <a:rPr lang="en-US" smtClean="0"/>
-              <a:t>11/15/2018</a:t>
+              <a:t>11/29/2018</a:t>
             </a:fld>
             <a:endParaRPr lang="en-US"/>
           </a:p>
@@ -3267,7 +3264,7 @@
           <a:p>
             <a:fld id="{68C2560D-EC28-3B41-86E8-18F1CE0113B4}" type="datetimeFigureOut">
               <a:rPr lang="en-US" smtClean="0"/>
-              <a:t>11/15/2018</a:t>
+              <a:t>11/29/2018</a:t>
             </a:fld>
             <a:endParaRPr lang="en-US"/>
           </a:p>
@@ -3517,7 +3514,7 @@
           <a:p>
             <a:fld id="{68C2560D-EC28-3B41-86E8-18F1CE0113B4}" type="datetimeFigureOut">
               <a:rPr lang="en-US" smtClean="0"/>
-              <a:t>11/15/2018</a:t>
+              <a:t>11/29/2018</a:t>
             </a:fld>
             <a:endParaRPr lang="en-US"/>
           </a:p>
@@ -3757,7 +3754,7 @@
           <a:p>
             <a:fld id="{68C2560D-EC28-3B41-86E8-18F1CE0113B4}" type="datetimeFigureOut">
               <a:rPr lang="en-US" smtClean="0"/>
-              <a:t>11/15/2018</a:t>
+              <a:t>11/29/2018</a:t>
             </a:fld>
             <a:endParaRPr lang="en-US"/>
           </a:p>
@@ -3930,7 +3927,7 @@
           <a:p>
             <a:fld id="{68C2560D-EC28-3B41-86E8-18F1CE0113B4}" type="datetimeFigureOut">
               <a:rPr lang="en-US" smtClean="0"/>
-              <a:t>11/15/2018</a:t>
+              <a:t>11/29/2018</a:t>
             </a:fld>
             <a:endParaRPr lang="en-US"/>
           </a:p>
@@ -4604,7 +4601,7 @@
             <p:ph idx="1"/>
             <p:extLst>
               <p:ext uri="{D42A27DB-BD31-4B8C-83A1-F6EECF244321}">
-                <p14:modId xmlns:p14="http://schemas.microsoft.com/office/powerpoint/2010/main" val="3784142284"/>
+                <p14:modId xmlns:p14="http://schemas.microsoft.com/office/powerpoint/2010/main" val="2572968851"/>
               </p:ext>
             </p:extLst>
           </p:nvPr>
@@ -4623,14 +4620,14 @@
                 <a:gridCol w="1076960">
                   <a:extLst>
                     <a:ext uri="{9D8B030D-6E8A-4147-A177-3AD203B41FA5}">
-                      <a16:colId xmlns:a16="http://schemas.microsoft.com/office/drawing/2014/main" val="20000"/>
+                      <a16:colId xmlns="" xmlns:a16="http://schemas.microsoft.com/office/drawing/2014/main" val="20000"/>
                     </a:ext>
                   </a:extLst>
                 </a:gridCol>
                 <a:gridCol w="7159897">
                   <a:extLst>
                     <a:ext uri="{9D8B030D-6E8A-4147-A177-3AD203B41FA5}">
-                      <a16:colId xmlns:a16="http://schemas.microsoft.com/office/drawing/2014/main" val="20001"/>
+                      <a16:colId xmlns="" xmlns:a16="http://schemas.microsoft.com/office/drawing/2014/main" val="20001"/>
                     </a:ext>
                   </a:extLst>
                 </a:gridCol>
@@ -4690,7 +4687,7 @@
                 </a:tc>
                 <a:extLst>
                   <a:ext uri="{0D108BD9-81ED-4DB2-BD59-A6C34878D82A}">
-                    <a16:rowId xmlns:a16="http://schemas.microsoft.com/office/drawing/2014/main" val="10000"/>
+                    <a16:rowId xmlns="" xmlns:a16="http://schemas.microsoft.com/office/drawing/2014/main" val="10000"/>
                   </a:ext>
                 </a:extLst>
               </a:tr>
@@ -4735,7 +4732,49 @@
                         <a:rPr lang="zh-TW" sz="1800" kern="100" dirty="0">
                           <a:effectLst/>
                         </a:rPr>
-                        <a:t>使用者可在首頁按下【會員註冊】按鈕進入【會員註冊】頁面，填妥帳號密碼與個人簡介後便完成註冊。</a:t>
+                        <a:t>使用者可在首頁按下【會員註冊】按鈕</a:t>
+                      </a:r>
+                      <a:r>
+                        <a:rPr lang="zh-TW" sz="1800" kern="100" dirty="0" smtClean="0">
+                          <a:effectLst/>
+                        </a:rPr>
+                        <a:t>進入</a:t>
+                      </a:r>
+                      <a:r>
+                        <a:rPr lang="en-US" altLang="zh-TW" sz="1800" kern="100" dirty="0" smtClean="0">
+                          <a:effectLst/>
+                        </a:rPr>
+                        <a:t>&lt;</a:t>
+                      </a:r>
+                      <a:r>
+                        <a:rPr lang="zh-TW" sz="1800" kern="100" dirty="0" smtClean="0">
+                          <a:effectLst/>
+                        </a:rPr>
+                        <a:t>會員註冊</a:t>
+                      </a:r>
+                      <a:r>
+                        <a:rPr lang="en-US" altLang="zh-TW" sz="1800" kern="100" dirty="0" smtClean="0">
+                          <a:effectLst/>
+                        </a:rPr>
+                        <a:t>&gt;</a:t>
+                      </a:r>
+                      <a:r>
+                        <a:rPr lang="zh-TW" sz="1800" kern="100" dirty="0" smtClean="0">
+                          <a:effectLst/>
+                        </a:rPr>
+                        <a:t>頁</a:t>
+                      </a:r>
+                      <a:r>
+                        <a:rPr lang="zh-TW" sz="1800" kern="100" dirty="0">
+                          <a:effectLst/>
+                        </a:rPr>
+                        <a:t>面，填妥帳號密碼與個人簡介後便完成註冊</a:t>
+                      </a:r>
+                      <a:r>
+                        <a:rPr lang="zh-TW" sz="1800" kern="100" dirty="0" smtClean="0">
+                          <a:effectLst/>
+                        </a:rPr>
+                        <a:t>。</a:t>
                       </a:r>
                       <a:endParaRPr lang="zh-TW" sz="1800" kern="100" dirty="0">
                         <a:effectLst/>
@@ -4749,7 +4788,7 @@
                 </a:tc>
                 <a:extLst>
                   <a:ext uri="{0D108BD9-81ED-4DB2-BD59-A6C34878D82A}">
-                    <a16:rowId xmlns:a16="http://schemas.microsoft.com/office/drawing/2014/main" val="10001"/>
+                    <a16:rowId xmlns="" xmlns:a16="http://schemas.microsoft.com/office/drawing/2014/main" val="10001"/>
                   </a:ext>
                 </a:extLst>
               </a:tr>
@@ -4794,7 +4833,91 @@
                         <a:rPr lang="zh-TW" sz="1800" kern="100" dirty="0">
                           <a:effectLst/>
                         </a:rPr>
-                        <a:t>使用者可以在首頁按下【偵探推薦】，藉由不同的業務分類，找到自己適合的偵探並按下【委託】按鈕進入【委託事件】頁面填妥委託事件的詳細內容。</a:t>
+                        <a:t>使用者可以在</a:t>
+                      </a:r>
+                      <a:r>
+                        <a:rPr lang="zh-TW" sz="1800" kern="100" dirty="0" smtClean="0">
+                          <a:effectLst/>
+                        </a:rPr>
+                        <a:t>首頁</a:t>
+                      </a:r>
+                      <a:r>
+                        <a:rPr lang="zh-TW" altLang="en-US" sz="1800" kern="100" dirty="0" smtClean="0">
+                          <a:effectLst/>
+                        </a:rPr>
+                        <a:t>透過</a:t>
+                      </a:r>
+                      <a:r>
+                        <a:rPr lang="en-US" altLang="zh-TW" sz="1800" kern="100" dirty="0" smtClean="0">
+                          <a:effectLst/>
+                        </a:rPr>
+                        <a:t>&lt;</a:t>
+                      </a:r>
+                      <a:r>
+                        <a:rPr lang="zh-TW" sz="1800" kern="100" dirty="0" smtClean="0">
+                          <a:effectLst/>
+                        </a:rPr>
+                        <a:t>偵探推薦</a:t>
+                      </a:r>
+                      <a:r>
+                        <a:rPr lang="en-US" altLang="zh-TW" sz="1800" kern="100" dirty="0" smtClean="0">
+                          <a:effectLst/>
+                        </a:rPr>
+                        <a:t>&gt;</a:t>
+                      </a:r>
+                      <a:r>
+                        <a:rPr lang="zh-TW" sz="1800" kern="100" dirty="0" smtClean="0">
+                          <a:effectLst/>
+                        </a:rPr>
+                        <a:t>，</a:t>
+                      </a:r>
+                      <a:r>
+                        <a:rPr lang="zh-TW" sz="1800" kern="100" dirty="0">
+                          <a:effectLst/>
+                        </a:rPr>
+                        <a:t>藉由不同的業務分類，找到自己適合的偵探並按下【委託】按鈕</a:t>
+                      </a:r>
+                      <a:r>
+                        <a:rPr lang="zh-TW" sz="1800" kern="100" dirty="0" smtClean="0">
+                          <a:effectLst/>
+                        </a:rPr>
+                        <a:t>進入</a:t>
+                      </a:r>
+                      <a:r>
+                        <a:rPr lang="en-US" altLang="zh-TW" sz="1800" kern="100" dirty="0" smtClean="0">
+                          <a:effectLst/>
+                        </a:rPr>
+                        <a:t>&lt;</a:t>
+                      </a:r>
+                      <a:r>
+                        <a:rPr lang="zh-TW" sz="1800" kern="100" dirty="0" smtClean="0">
+                          <a:effectLst/>
+                        </a:rPr>
+                        <a:t>委託事件</a:t>
+                      </a:r>
+                      <a:r>
+                        <a:rPr lang="en-US" altLang="zh-TW" sz="1800" kern="100" dirty="0" smtClean="0">
+                          <a:effectLst/>
+                        </a:rPr>
+                        <a:t>&gt;</a:t>
+                      </a:r>
+                      <a:r>
+                        <a:rPr lang="zh-TW" sz="1800" kern="100" dirty="0" smtClean="0">
+                          <a:effectLst/>
+                        </a:rPr>
+                        <a:t>頁</a:t>
+                      </a:r>
+                      <a:r>
+                        <a:rPr lang="zh-TW" sz="1800" kern="100" dirty="0">
+                          <a:effectLst/>
+                        </a:rPr>
+                        <a:t>面填妥委託事件的詳細內容</a:t>
+                      </a:r>
+                      <a:r>
+                        <a:rPr lang="zh-TW" sz="1800" kern="100" dirty="0" smtClean="0">
+                          <a:effectLst/>
+                        </a:rPr>
+                        <a:t>。</a:t>
                       </a:r>
                       <a:endParaRPr lang="zh-TW" sz="1800" kern="100" dirty="0">
                         <a:effectLst/>
@@ -4808,7 +4931,7 @@
                 </a:tc>
                 <a:extLst>
                   <a:ext uri="{0D108BD9-81ED-4DB2-BD59-A6C34878D82A}">
-                    <a16:rowId xmlns:a16="http://schemas.microsoft.com/office/drawing/2014/main" val="10002"/>
+                    <a16:rowId xmlns="" xmlns:a16="http://schemas.microsoft.com/office/drawing/2014/main" val="10002"/>
                   </a:ext>
                 </a:extLst>
               </a:tr>
@@ -4850,12 +4973,72 @@
                         </a:spcAft>
                       </a:pPr>
                       <a:r>
-                        <a:rPr lang="zh-TW" sz="1800" kern="100">
-                          <a:effectLst/>
-                        </a:rPr>
-                        <a:t>使用者可以在首頁按下【任務布告欄】進入任務布告欄頁面，根據不同的業務分類發布委託任務。</a:t>
-                      </a:r>
-                      <a:endParaRPr lang="zh-TW" sz="1800" kern="100">
+                        <a:rPr lang="zh-TW" altLang="en-US" sz="1800" kern="100" dirty="0" smtClean="0">
+                          <a:effectLst/>
+                        </a:rPr>
+                        <a:t>會員</a:t>
+                      </a:r>
+                      <a:r>
+                        <a:rPr lang="zh-TW" sz="1800" kern="100" dirty="0" smtClean="0">
+                          <a:effectLst/>
+                        </a:rPr>
+                        <a:t>可以</a:t>
+                      </a:r>
+                      <a:r>
+                        <a:rPr lang="zh-TW" altLang="en-US" sz="1800" kern="100" dirty="0" smtClean="0">
+                          <a:effectLst/>
+                        </a:rPr>
+                        <a:t>透過用戶介面</a:t>
+                      </a:r>
+                      <a:r>
+                        <a:rPr lang="zh-TW" sz="1800" kern="100" dirty="0" smtClean="0">
+                          <a:effectLst/>
+                        </a:rPr>
+                        <a:t>進入</a:t>
+                      </a:r>
+                      <a:r>
+                        <a:rPr lang="en-US" altLang="zh-TW" sz="1800" kern="100" dirty="0" smtClean="0">
+                          <a:effectLst/>
+                        </a:rPr>
+                        <a:t>&lt;</a:t>
+                      </a:r>
+                      <a:r>
+                        <a:rPr lang="zh-TW" sz="1800" kern="100" dirty="0" smtClean="0">
+                          <a:effectLst/>
+                        </a:rPr>
+                        <a:t>任務布告欄</a:t>
+                      </a:r>
+                      <a:r>
+                        <a:rPr lang="en-US" altLang="zh-TW" sz="1800" kern="100" dirty="0" smtClean="0">
+                          <a:effectLst/>
+                        </a:rPr>
+                        <a:t>&gt;</a:t>
+                      </a:r>
+                      <a:r>
+                        <a:rPr lang="zh-TW" sz="1800" kern="100" dirty="0" smtClean="0">
+                          <a:effectLst/>
+                        </a:rPr>
+                        <a:t>頁</a:t>
+                      </a:r>
+                      <a:r>
+                        <a:rPr lang="zh-TW" sz="1800" kern="100" dirty="0">
+                          <a:effectLst/>
+                        </a:rPr>
+                        <a:t>面，根據不同的業務</a:t>
+                      </a:r>
+                      <a:r>
+                        <a:rPr lang="zh-TW" sz="1800" kern="100" dirty="0" smtClean="0">
+                          <a:effectLst/>
+                        </a:rPr>
+                        <a:t>分類發布</a:t>
+                      </a:r>
+                      <a:r>
+                        <a:rPr lang="zh-TW" sz="1800" kern="100" dirty="0">
+                          <a:effectLst/>
+                        </a:rPr>
+                        <a:t>委託任務。</a:t>
+                      </a:r>
+                      <a:endParaRPr lang="zh-TW" sz="1800" kern="100" dirty="0">
                         <a:effectLst/>
                         <a:latin typeface="Calibri"/>
                         <a:ea typeface="新細明體"/>
@@ -4867,7 +5050,7 @@
                 </a:tc>
                 <a:extLst>
                   <a:ext uri="{0D108BD9-81ED-4DB2-BD59-A6C34878D82A}">
-                    <a16:rowId xmlns:a16="http://schemas.microsoft.com/office/drawing/2014/main" val="10003"/>
+                    <a16:rowId xmlns="" xmlns:a16="http://schemas.microsoft.com/office/drawing/2014/main" val="10003"/>
                   </a:ext>
                 </a:extLst>
               </a:tr>
@@ -4912,7 +5095,55 @@
                         <a:rPr lang="zh-TW" sz="1800" kern="100" dirty="0">
                           <a:effectLst/>
                         </a:rPr>
-                        <a:t>會員可在右上方之使用者狀態欄按下【事件進度查詢】按鈕進入入事件處理儀表板查看【目前事件狀態】，可以了解目前所委託之任務的詳細資料與歷史進程。</a:t>
+                        <a:t>會員可在右上方之使用者狀態欄按下【事件進度查詢】按鈕進入入事件處理儀表板</a:t>
+                      </a:r>
+                      <a:r>
+                        <a:rPr lang="zh-TW" sz="1800" kern="100" dirty="0" smtClean="0">
+                          <a:effectLst/>
+                        </a:rPr>
+                        <a:t>查看</a:t>
+                      </a:r>
+                      <a:r>
+                        <a:rPr lang="en-US" altLang="zh-TW" sz="1800" kern="100" dirty="0" smtClean="0">
+                          <a:effectLst/>
+                        </a:rPr>
+                        <a:t>&lt;</a:t>
+                      </a:r>
+                      <a:r>
+                        <a:rPr lang="zh-TW" sz="1800" kern="100" dirty="0" smtClean="0">
+                          <a:effectLst/>
+                        </a:rPr>
+                        <a:t>目前</a:t>
+                      </a:r>
+                      <a:r>
+                        <a:rPr lang="zh-TW" sz="1800" kern="100" dirty="0">
+                          <a:effectLst/>
+                        </a:rPr>
+                        <a:t>事件</a:t>
+                      </a:r>
+                      <a:r>
+                        <a:rPr lang="zh-TW" sz="1800" kern="100" dirty="0" smtClean="0">
+                          <a:effectLst/>
+                        </a:rPr>
+                        <a:t>狀態</a:t>
+                      </a:r>
+                      <a:r>
+                        <a:rPr lang="en-US" altLang="zh-TW" sz="1800" kern="100" dirty="0" smtClean="0">
+                          <a:effectLst/>
+                        </a:rPr>
+                        <a:t>&gt;</a:t>
+                      </a:r>
+                      <a:r>
+                        <a:rPr lang="zh-TW" sz="1800" kern="100" dirty="0" smtClean="0">
+                          <a:effectLst/>
+                        </a:rPr>
+                        <a:t>，</a:t>
+                      </a:r>
+                      <a:r>
+                        <a:rPr lang="zh-TW" sz="1800" kern="100" dirty="0">
+                          <a:effectLst/>
+                        </a:rPr>
+                        <a:t>可以了解目前所委託之任務的詳細資料與歷史進程。</a:t>
                       </a:r>
                       <a:endParaRPr lang="zh-TW" sz="1800" kern="100" dirty="0">
                         <a:effectLst/>
@@ -4926,7 +5157,7 @@
                 </a:tc>
                 <a:extLst>
                   <a:ext uri="{0D108BD9-81ED-4DB2-BD59-A6C34878D82A}">
-                    <a16:rowId xmlns:a16="http://schemas.microsoft.com/office/drawing/2014/main" val="10004"/>
+                    <a16:rowId xmlns="" xmlns:a16="http://schemas.microsoft.com/office/drawing/2014/main" val="10004"/>
                   </a:ext>
                 </a:extLst>
               </a:tr>
@@ -4974,19 +5205,55 @@
                         <a:rPr lang="zh-TW" altLang="en-US" sz="1800" kern="100" dirty="0" smtClean="0">
                           <a:effectLst/>
                         </a:rPr>
-                        <a:t>任務結束時，可在</a:t>
+                        <a:t>任務結束時，可</a:t>
+                      </a:r>
+                      <a:r>
+                        <a:rPr lang="zh-TW" altLang="en-US" sz="1800" kern="100" dirty="0" smtClean="0">
+                          <a:effectLst/>
+                        </a:rPr>
+                        <a:t>在</a:t>
+                      </a:r>
+                      <a:r>
+                        <a:rPr lang="en-US" altLang="zh-TW" sz="1800" kern="100" dirty="0" smtClean="0">
+                          <a:effectLst/>
+                        </a:rPr>
+                        <a:t>&lt;</a:t>
                       </a:r>
                       <a:r>
                         <a:rPr lang="zh-TW" altLang="zh-TW" sz="1800" kern="100" dirty="0" smtClean="0">
                           <a:effectLst/>
                         </a:rPr>
-                        <a:t>【事件處理儀表板】</a:t>
+                        <a:t>事件</a:t>
+                      </a:r>
+                      <a:r>
+                        <a:rPr lang="zh-TW" altLang="zh-TW" sz="1800" kern="100" dirty="0" smtClean="0">
+                          <a:effectLst/>
+                        </a:rPr>
+                        <a:t>處理儀表</a:t>
+                      </a:r>
+                      <a:r>
+                        <a:rPr lang="zh-TW" altLang="zh-TW" sz="1800" kern="100" dirty="0" smtClean="0">
+                          <a:effectLst/>
+                        </a:rPr>
+                        <a:t>板</a:t>
+                      </a:r>
+                      <a:r>
+                        <a:rPr lang="en-US" altLang="zh-TW" sz="1800" kern="100" dirty="0" smtClean="0">
+                          <a:effectLst/>
+                        </a:rPr>
+                        <a:t>&gt;</a:t>
                       </a:r>
                       <a:r>
                         <a:rPr lang="zh-TW" altLang="en-US" sz="1800" kern="100" dirty="0" smtClean="0">
                           <a:effectLst/>
                         </a:rPr>
-                        <a:t>對偵探進行評分</a:t>
+                        <a:t>對</a:t>
+                      </a:r>
+                      <a:r>
+                        <a:rPr lang="zh-TW" altLang="en-US" sz="1800" kern="100" dirty="0" smtClean="0">
+                          <a:effectLst/>
+                        </a:rPr>
+                        <a:t>偵探進行評分</a:t>
                       </a:r>
                       <a:endParaRPr lang="zh-TW" sz="1800" kern="100" dirty="0">
                         <a:effectLst/>
@@ -4998,11 +5265,6 @@
                   </a:txBody>
                   <a:tcPr marL="68580" marR="68580" marT="0" marB="0"/>
                 </a:tc>
-                <a:extLst>
-                  <a:ext uri="{0D108BD9-81ED-4DB2-BD59-A6C34878D82A}">
-                    <a16:rowId xmlns:a16="http://schemas.microsoft.com/office/drawing/2014/main" val="10005"/>
-                  </a:ext>
-                </a:extLst>
               </a:tr>
             </a:tbl>
           </a:graphicData>
@@ -5090,7 +5352,7 @@
             <p:ph idx="1"/>
             <p:extLst>
               <p:ext uri="{D42A27DB-BD31-4B8C-83A1-F6EECF244321}">
-                <p14:modId xmlns:p14="http://schemas.microsoft.com/office/powerpoint/2010/main" val="1549418482"/>
+                <p14:modId xmlns:p14="http://schemas.microsoft.com/office/powerpoint/2010/main" val="1788189217"/>
               </p:ext>
             </p:extLst>
           </p:nvPr>
@@ -5109,14 +5371,14 @@
                 <a:gridCol w="1270658">
                   <a:extLst>
                     <a:ext uri="{9D8B030D-6E8A-4147-A177-3AD203B41FA5}">
-                      <a16:colId xmlns:a16="http://schemas.microsoft.com/office/drawing/2014/main" val="20000"/>
+                      <a16:colId xmlns="" xmlns:a16="http://schemas.microsoft.com/office/drawing/2014/main" val="20000"/>
                     </a:ext>
                   </a:extLst>
                 </a:gridCol>
                 <a:gridCol w="7089570">
                   <a:extLst>
                     <a:ext uri="{9D8B030D-6E8A-4147-A177-3AD203B41FA5}">
-                      <a16:colId xmlns:a16="http://schemas.microsoft.com/office/drawing/2014/main" val="20001"/>
+                      <a16:colId xmlns="" xmlns:a16="http://schemas.microsoft.com/office/drawing/2014/main" val="20001"/>
                     </a:ext>
                   </a:extLst>
                 </a:gridCol>
@@ -5176,7 +5438,7 @@
                 </a:tc>
                 <a:extLst>
                   <a:ext uri="{0D108BD9-81ED-4DB2-BD59-A6C34878D82A}">
-                    <a16:rowId xmlns:a16="http://schemas.microsoft.com/office/drawing/2014/main" val="10000"/>
+                    <a16:rowId xmlns="" xmlns:a16="http://schemas.microsoft.com/office/drawing/2014/main" val="10000"/>
                   </a:ext>
                 </a:extLst>
               </a:tr>
@@ -5221,7 +5483,43 @@
                         <a:rPr lang="zh-TW" sz="1500" kern="100" dirty="0">
                           <a:effectLst/>
                         </a:rPr>
-                        <a:t>管理者按下後台的【會員管理】按鈕之後，右邊頁面顯示【會員管理】頁面，管理者可利用會員姓名或會員識別碼或會員身份證字號對會員資料庫進行搜尋；搜尋到結果之後可以刪除會員或強制修改會員密碼。</a:t>
+                        <a:t>管理者按下後台的【會員管理】按鈕之後，右邊頁面</a:t>
+                      </a:r>
+                      <a:r>
+                        <a:rPr lang="zh-TW" sz="1500" kern="100" dirty="0" smtClean="0">
+                          <a:effectLst/>
+                        </a:rPr>
+                        <a:t>顯示</a:t>
+                      </a:r>
+                      <a:r>
+                        <a:rPr lang="en-US" altLang="zh-TW" sz="1500" kern="100" dirty="0" smtClean="0">
+                          <a:effectLst/>
+                        </a:rPr>
+                        <a:t>&lt;</a:t>
+                      </a:r>
+                      <a:r>
+                        <a:rPr lang="zh-TW" sz="1500" kern="100" dirty="0" smtClean="0">
+                          <a:effectLst/>
+                        </a:rPr>
+                        <a:t>會員管理</a:t>
+                      </a:r>
+                      <a:r>
+                        <a:rPr lang="en-US" altLang="zh-TW" sz="1500" kern="100" dirty="0" smtClean="0">
+                          <a:effectLst/>
+                        </a:rPr>
+                        <a:t>&gt;</a:t>
+                      </a:r>
+                      <a:r>
+                        <a:rPr lang="zh-TW" sz="1500" kern="100" dirty="0" smtClean="0">
+                          <a:effectLst/>
+                        </a:rPr>
+                        <a:t>頁</a:t>
+                      </a:r>
+                      <a:r>
+                        <a:rPr lang="zh-TW" sz="1500" kern="100" dirty="0">
+                          <a:effectLst/>
+                        </a:rPr>
+                        <a:t>面，管理者可利用會員姓名或會員識別碼或會員身份證字號對會員資料庫進行搜尋；搜尋到結果之後可以刪除會員或強制修改會員密碼。</a:t>
                       </a:r>
                       <a:endParaRPr lang="zh-TW" sz="1500" kern="100" dirty="0">
                         <a:effectLst/>
@@ -5235,7 +5533,7 @@
                 </a:tc>
                 <a:extLst>
                   <a:ext uri="{0D108BD9-81ED-4DB2-BD59-A6C34878D82A}">
-                    <a16:rowId xmlns:a16="http://schemas.microsoft.com/office/drawing/2014/main" val="10001"/>
+                    <a16:rowId xmlns="" xmlns:a16="http://schemas.microsoft.com/office/drawing/2014/main" val="10001"/>
                   </a:ext>
                 </a:extLst>
               </a:tr>
@@ -5280,7 +5578,43 @@
                         <a:rPr lang="zh-TW" sz="1500" kern="100" dirty="0">
                           <a:effectLst/>
                         </a:rPr>
-                        <a:t>管理者按下後台的【偵探管理】按鈕之後，右邊頁面顯示【偵探管理】頁面，管理者可利用偵探姓名或偵探識別碼或偵探身份證字號對偵探資料庫進行搜尋；搜尋到結果之後可以刪除會員或強制修改會員密碼。</a:t>
+                        <a:t>管理者按下後台的【偵探管理】按鈕之後，右邊頁面</a:t>
+                      </a:r>
+                      <a:r>
+                        <a:rPr lang="zh-TW" sz="1500" kern="100" dirty="0" smtClean="0">
+                          <a:effectLst/>
+                        </a:rPr>
+                        <a:t>顯示</a:t>
+                      </a:r>
+                      <a:r>
+                        <a:rPr lang="en-US" altLang="zh-TW" sz="1500" kern="100" dirty="0" smtClean="0">
+                          <a:effectLst/>
+                        </a:rPr>
+                        <a:t>&lt;</a:t>
+                      </a:r>
+                      <a:r>
+                        <a:rPr lang="zh-TW" sz="1500" kern="100" dirty="0" smtClean="0">
+                          <a:effectLst/>
+                        </a:rPr>
+                        <a:t>偵探管理</a:t>
+                      </a:r>
+                      <a:r>
+                        <a:rPr lang="en-US" altLang="zh-TW" sz="1500" kern="100" dirty="0" smtClean="0">
+                          <a:effectLst/>
+                        </a:rPr>
+                        <a:t>&gt;</a:t>
+                      </a:r>
+                      <a:r>
+                        <a:rPr lang="zh-TW" sz="1500" kern="100" dirty="0" smtClean="0">
+                          <a:effectLst/>
+                        </a:rPr>
+                        <a:t>頁</a:t>
+                      </a:r>
+                      <a:r>
+                        <a:rPr lang="zh-TW" sz="1500" kern="100" dirty="0">
+                          <a:effectLst/>
+                        </a:rPr>
+                        <a:t>面，管理者可利用偵探姓名或偵探識別碼或偵探身份證字號對偵探資料庫進行搜尋；搜尋到結果之後可以刪除會員或強制修改會員密碼。</a:t>
                       </a:r>
                       <a:endParaRPr lang="zh-TW" sz="1500" kern="100" dirty="0">
                         <a:effectLst/>
@@ -5294,7 +5628,7 @@
                 </a:tc>
                 <a:extLst>
                   <a:ext uri="{0D108BD9-81ED-4DB2-BD59-A6C34878D82A}">
-                    <a16:rowId xmlns:a16="http://schemas.microsoft.com/office/drawing/2014/main" val="10002"/>
+                    <a16:rowId xmlns="" xmlns:a16="http://schemas.microsoft.com/office/drawing/2014/main" val="10002"/>
                   </a:ext>
                 </a:extLst>
               </a:tr>
@@ -5339,7 +5673,103 @@
                         <a:rPr lang="zh-TW" sz="1500" kern="100" dirty="0">
                           <a:effectLst/>
                         </a:rPr>
-                        <a:t>管理者按下後台的【偵探註冊審核】按鈕之後，右邊頁面顯示【偵探註冊審核】頁面，【偵探註冊審核】頁面會條列所有需要審核的申請者，可以按下條列的其中一筆資料便可觀看申請者的詳細資料，管理者可以按下【審核通過】按鈕使該位申請者成為真的偵探並寄信到申請人的信箱通知申請拖過的信息；或按下【拒絕申請】來駁回申請人的申請並寄信到申請人的信箱通知申請駁回的信息。</a:t>
+                        <a:t>管理者按下後台的【偵探註冊審核】按鈕之後，右邊頁面</a:t>
+                      </a:r>
+                      <a:r>
+                        <a:rPr lang="zh-TW" sz="1500" kern="100" dirty="0" smtClean="0">
+                          <a:effectLst/>
+                        </a:rPr>
+                        <a:t>顯示</a:t>
+                      </a:r>
+                      <a:r>
+                        <a:rPr lang="en-US" altLang="zh-TW" sz="1500" kern="100" dirty="0" smtClean="0">
+                          <a:effectLst/>
+                        </a:rPr>
+                        <a:t>&lt;</a:t>
+                      </a:r>
+                      <a:r>
+                        <a:rPr lang="zh-TW" sz="1500" kern="100" dirty="0" smtClean="0">
+                          <a:effectLst/>
+                        </a:rPr>
+                        <a:t>偵探</a:t>
+                      </a:r>
+                      <a:r>
+                        <a:rPr lang="zh-TW" sz="1500" kern="100" dirty="0">
+                          <a:effectLst/>
+                        </a:rPr>
+                        <a:t>註冊</a:t>
+                      </a:r>
+                      <a:r>
+                        <a:rPr lang="zh-TW" sz="1500" kern="100" dirty="0" smtClean="0">
+                          <a:effectLst/>
+                        </a:rPr>
+                        <a:t>審核</a:t>
+                      </a:r>
+                      <a:r>
+                        <a:rPr lang="en-US" altLang="zh-TW" sz="1500" kern="100" dirty="0" smtClean="0">
+                          <a:effectLst/>
+                        </a:rPr>
+                        <a:t>&gt;</a:t>
+                      </a:r>
+                      <a:r>
+                        <a:rPr lang="zh-TW" sz="1500" kern="100" dirty="0" smtClean="0">
+                          <a:effectLst/>
+                        </a:rPr>
+                        <a:t>頁</a:t>
+                      </a:r>
+                      <a:r>
+                        <a:rPr lang="zh-TW" sz="1500" kern="100" dirty="0">
+                          <a:effectLst/>
+                        </a:rPr>
+                        <a:t>面</a:t>
+                      </a:r>
+                      <a:r>
+                        <a:rPr lang="zh-TW" sz="1500" kern="100" dirty="0" smtClean="0">
+                          <a:effectLst/>
+                        </a:rPr>
+                        <a:t>，</a:t>
+                      </a:r>
+                      <a:r>
+                        <a:rPr lang="en-US" altLang="zh-TW" sz="1500" kern="100" dirty="0" smtClean="0">
+                          <a:effectLst/>
+                        </a:rPr>
+                        <a:t>&lt;</a:t>
+                      </a:r>
+                      <a:r>
+                        <a:rPr lang="zh-TW" sz="1500" kern="100" dirty="0" smtClean="0">
+                          <a:effectLst/>
+                        </a:rPr>
+                        <a:t>偵探</a:t>
+                      </a:r>
+                      <a:r>
+                        <a:rPr lang="zh-TW" sz="1500" kern="100" dirty="0">
+                          <a:effectLst/>
+                        </a:rPr>
+                        <a:t>註冊</a:t>
+                      </a:r>
+                      <a:r>
+                        <a:rPr lang="zh-TW" sz="1500" kern="100" dirty="0" smtClean="0">
+                          <a:effectLst/>
+                        </a:rPr>
+                        <a:t>審核</a:t>
+                      </a:r>
+                      <a:r>
+                        <a:rPr lang="en-US" altLang="zh-TW" sz="1500" kern="100" dirty="0" smtClean="0">
+                          <a:effectLst/>
+                        </a:rPr>
+                        <a:t>&gt;</a:t>
+                      </a:r>
+                      <a:r>
+                        <a:rPr lang="zh-TW" sz="1500" kern="100" dirty="0" smtClean="0">
+                          <a:effectLst/>
+                        </a:rPr>
+                        <a:t>頁</a:t>
+                      </a:r>
+                      <a:r>
+                        <a:rPr lang="zh-TW" sz="1500" kern="100" dirty="0">
+                          <a:effectLst/>
+                        </a:rPr>
+                        <a:t>面會條列所有需要審核的申請者，可以按下條列的其中一筆資料便可觀看申請者的詳細資料，管理者可以按下【審核通過】按鈕使該位申請者成為真的偵探並寄信到申請人的信箱通知申請拖過的信息；或按下【拒絕申請】來駁回申請人的申請並寄信到申請人的信箱通知申請駁回的信息。</a:t>
                       </a:r>
                       <a:endParaRPr lang="zh-TW" sz="1500" kern="100" dirty="0">
                         <a:effectLst/>
@@ -5353,7 +5783,7 @@
                 </a:tc>
                 <a:extLst>
                   <a:ext uri="{0D108BD9-81ED-4DB2-BD59-A6C34878D82A}">
-                    <a16:rowId xmlns:a16="http://schemas.microsoft.com/office/drawing/2014/main" val="10003"/>
+                    <a16:rowId xmlns="" xmlns:a16="http://schemas.microsoft.com/office/drawing/2014/main" val="10003"/>
                   </a:ext>
                 </a:extLst>
               </a:tr>
@@ -5395,12 +5825,48 @@
                         </a:spcAft>
                       </a:pPr>
                       <a:r>
-                        <a:rPr lang="zh-TW" sz="1500" kern="100">
-                          <a:effectLst/>
-                        </a:rPr>
-                        <a:t>管理者按下後台的【討論區管理】按鈕之後，右邊頁面顯示【討論區管理】頁面，管理者可以挑選討論區的樣板格式，並且可以強制刪除討論區文章。</a:t>
-                      </a:r>
-                      <a:endParaRPr lang="zh-TW" sz="1500" kern="100">
+                        <a:rPr lang="zh-TW" sz="1500" kern="100" dirty="0">
+                          <a:effectLst/>
+                        </a:rPr>
+                        <a:t>管理者按下後台的【討論區管理】按鈕之後，右邊頁面</a:t>
+                      </a:r>
+                      <a:r>
+                        <a:rPr lang="zh-TW" sz="1500" kern="100" dirty="0" smtClean="0">
+                          <a:effectLst/>
+                        </a:rPr>
+                        <a:t>顯示</a:t>
+                      </a:r>
+                      <a:r>
+                        <a:rPr lang="en-US" altLang="zh-TW" sz="1500" kern="100" dirty="0" smtClean="0">
+                          <a:effectLst/>
+                        </a:rPr>
+                        <a:t>&lt;</a:t>
+                      </a:r>
+                      <a:r>
+                        <a:rPr lang="zh-TW" sz="1500" kern="100" dirty="0" smtClean="0">
+                          <a:effectLst/>
+                        </a:rPr>
+                        <a:t>討論區管理</a:t>
+                      </a:r>
+                      <a:r>
+                        <a:rPr lang="en-US" altLang="zh-TW" sz="1500" kern="100" dirty="0" smtClean="0">
+                          <a:effectLst/>
+                        </a:rPr>
+                        <a:t>&gt;</a:t>
+                      </a:r>
+                      <a:r>
+                        <a:rPr lang="zh-TW" sz="1500" kern="100" dirty="0" smtClean="0">
+                          <a:effectLst/>
+                        </a:rPr>
+                        <a:t>頁</a:t>
+                      </a:r>
+                      <a:r>
+                        <a:rPr lang="zh-TW" sz="1500" kern="100" dirty="0">
+                          <a:effectLst/>
+                        </a:rPr>
+                        <a:t>面，管理者可以挑選討論區的樣板格式，並且可以強制刪除討論區文章。</a:t>
+                      </a:r>
+                      <a:endParaRPr lang="zh-TW" sz="1500" kern="100" dirty="0">
                         <a:effectLst/>
                         <a:latin typeface="Calibri"/>
                         <a:ea typeface="新細明體"/>
@@ -5412,7 +5878,7 @@
                 </a:tc>
                 <a:extLst>
                   <a:ext uri="{0D108BD9-81ED-4DB2-BD59-A6C34878D82A}">
-                    <a16:rowId xmlns:a16="http://schemas.microsoft.com/office/drawing/2014/main" val="10004"/>
+                    <a16:rowId xmlns="" xmlns:a16="http://schemas.microsoft.com/office/drawing/2014/main" val="10004"/>
                   </a:ext>
                 </a:extLst>
               </a:tr>
@@ -5454,12 +5920,60 @@
                         </a:spcAft>
                       </a:pPr>
                       <a:r>
-                        <a:rPr lang="zh-TW" sz="1500" kern="100">
-                          <a:effectLst/>
-                        </a:rPr>
-                        <a:t>管理者按下後台的【任務布告欄管理】按鈕之後，右邊頁面顯示【任務布告欄管理】頁面，管理者可以挑選任務布告欄的樣板格式，並且可以強制刪除任務布告欄公告之任務。</a:t>
-                      </a:r>
-                      <a:endParaRPr lang="zh-TW" sz="1500" kern="100">
+                        <a:rPr lang="zh-TW" sz="1500" kern="100" dirty="0">
+                          <a:effectLst/>
+                        </a:rPr>
+                        <a:t>管理者按下後台的【任務布告欄管理】按鈕之後，右邊頁面</a:t>
+                      </a:r>
+                      <a:r>
+                        <a:rPr lang="zh-TW" sz="1500" kern="100" dirty="0" smtClean="0">
+                          <a:effectLst/>
+                        </a:rPr>
+                        <a:t>顯示</a:t>
+                      </a:r>
+                      <a:r>
+                        <a:rPr lang="en-US" altLang="zh-TW" sz="1500" kern="100" dirty="0" smtClean="0">
+                          <a:effectLst/>
+                        </a:rPr>
+                        <a:t>&lt;</a:t>
+                      </a:r>
+                      <a:r>
+                        <a:rPr lang="zh-TW" sz="1500" kern="100" dirty="0" smtClean="0">
+                          <a:effectLst/>
+                        </a:rPr>
+                        <a:t>任務</a:t>
+                      </a:r>
+                      <a:r>
+                        <a:rPr lang="zh-TW" sz="1500" kern="100" dirty="0">
+                          <a:effectLst/>
+                        </a:rPr>
+                        <a:t>布告欄</a:t>
+                      </a:r>
+                      <a:r>
+                        <a:rPr lang="zh-TW" sz="1500" kern="100" dirty="0" smtClean="0">
+                          <a:effectLst/>
+                        </a:rPr>
+                        <a:t>管理</a:t>
+                      </a:r>
+                      <a:r>
+                        <a:rPr lang="en-US" altLang="zh-TW" sz="1500" kern="100" dirty="0" smtClean="0">
+                          <a:effectLst/>
+                        </a:rPr>
+                        <a:t>&gt;</a:t>
+                      </a:r>
+                      <a:r>
+                        <a:rPr lang="zh-TW" sz="1500" kern="100" dirty="0" smtClean="0">
+                          <a:effectLst/>
+                        </a:rPr>
+                        <a:t>頁</a:t>
+                      </a:r>
+                      <a:r>
+                        <a:rPr lang="zh-TW" sz="1500" kern="100" dirty="0">
+                          <a:effectLst/>
+                        </a:rPr>
+                        <a:t>面，管理者可以挑選任務布告欄的樣板格式，並且可以強制刪除任務布告欄公告之任務。</a:t>
+                      </a:r>
+                      <a:endParaRPr lang="zh-TW" sz="1500" kern="100" dirty="0">
                         <a:effectLst/>
                         <a:latin typeface="Calibri"/>
                         <a:ea typeface="新細明體"/>
@@ -5471,7 +5985,7 @@
                 </a:tc>
                 <a:extLst>
                   <a:ext uri="{0D108BD9-81ED-4DB2-BD59-A6C34878D82A}">
-                    <a16:rowId xmlns:a16="http://schemas.microsoft.com/office/drawing/2014/main" val="10005"/>
+                    <a16:rowId xmlns="" xmlns:a16="http://schemas.microsoft.com/office/drawing/2014/main" val="10005"/>
                   </a:ext>
                 </a:extLst>
               </a:tr>
@@ -5487,12 +6001,12 @@
                         </a:spcAft>
                       </a:pPr>
                       <a:r>
-                        <a:rPr lang="zh-TW" sz="1500" kern="100">
+                        <a:rPr lang="zh-TW" sz="1500" kern="100" dirty="0">
                           <a:effectLst/>
                         </a:rPr>
                         <a:t>事件資料庫管理</a:t>
                       </a:r>
-                      <a:endParaRPr lang="zh-TW" sz="1500" kern="100">
+                      <a:endParaRPr lang="zh-TW" sz="1500" kern="100" dirty="0">
                         <a:effectLst/>
                         <a:latin typeface="Calibri"/>
                         <a:ea typeface="新細明體"/>
@@ -5516,7 +6030,55 @@
                         <a:rPr lang="zh-TW" sz="1500" kern="100" dirty="0">
                           <a:effectLst/>
                         </a:rPr>
-                        <a:t>管理者按下後台的【事件資料庫管理】按鈕之後，右邊頁面顯示【事件資料庫管理】頁面，管理者可利用事件名稱或事件識別碼或事件建立日期或事件結案日期對事件資料庫進行搜尋；搜尋到結果可以觀看事件詳細資料，管理者可以強制刪除事件。</a:t>
+                        <a:t>管理者按下後台的【事件資料庫管理】按鈕之後，右邊頁面</a:t>
+                      </a:r>
+                      <a:r>
+                        <a:rPr lang="zh-TW" sz="1500" kern="100" dirty="0" smtClean="0">
+                          <a:effectLst/>
+                        </a:rPr>
+                        <a:t>顯示</a:t>
+                      </a:r>
+                      <a:r>
+                        <a:rPr lang="en-US" altLang="zh-TW" sz="1500" kern="100" smtClean="0">
+                          <a:effectLst/>
+                        </a:rPr>
+                        <a:t>&lt;</a:t>
+                      </a:r>
+                      <a:r>
+                        <a:rPr lang="zh-TW" sz="1500" kern="100" smtClean="0">
+                          <a:effectLst/>
+                        </a:rPr>
+                        <a:t>事件</a:t>
+                      </a:r>
+                      <a:r>
+                        <a:rPr lang="zh-TW" sz="1500" kern="100" dirty="0">
+                          <a:effectLst/>
+                        </a:rPr>
+                        <a:t>資料庫</a:t>
+                      </a:r>
+                      <a:r>
+                        <a:rPr lang="zh-TW" sz="1500" kern="100" dirty="0" smtClean="0">
+                          <a:effectLst/>
+                        </a:rPr>
+                        <a:t>管理</a:t>
+                      </a:r>
+                      <a:r>
+                        <a:rPr lang="en-US" altLang="zh-TW" sz="1500" kern="100" dirty="0" smtClean="0">
+                          <a:effectLst/>
+                        </a:rPr>
+                        <a:t>&gt;</a:t>
+                      </a:r>
+                      <a:r>
+                        <a:rPr lang="zh-TW" sz="1500" kern="100" dirty="0" smtClean="0">
+                          <a:effectLst/>
+                        </a:rPr>
+                        <a:t>頁</a:t>
+                      </a:r>
+                      <a:r>
+                        <a:rPr lang="zh-TW" sz="1500" kern="100" dirty="0">
+                          <a:effectLst/>
+                        </a:rPr>
+                        <a:t>面，管理者可利用事件名稱或事件識別碼或事件建立日期或事件結案日期對事件資料庫進行搜尋；搜尋到結果可以觀看事件詳細資料，管理者可以強制刪除事件。</a:t>
                       </a:r>
                       <a:endParaRPr lang="zh-TW" sz="1500" kern="100" dirty="0">
                         <a:effectLst/>
@@ -5530,7 +6092,7 @@
                 </a:tc>
                 <a:extLst>
                   <a:ext uri="{0D108BD9-81ED-4DB2-BD59-A6C34878D82A}">
-                    <a16:rowId xmlns:a16="http://schemas.microsoft.com/office/drawing/2014/main" val="10006"/>
+                    <a16:rowId xmlns="" xmlns:a16="http://schemas.microsoft.com/office/drawing/2014/main" val="10006"/>
                   </a:ext>
                 </a:extLst>
               </a:tr>
@@ -7399,7 +7961,7 @@
           <a:p>
             <a:r>
               <a:rPr lang="zh-TW" altLang="en-US" dirty="0" smtClean="0"/>
-              <a:t>行為圖形</a:t>
+              <a:t>系統架構</a:t>
             </a:r>
             <a:endParaRPr lang="en-US" dirty="0"/>
           </a:p>
@@ -7407,7 +7969,7 @@
       </p:sp>
       <p:pic>
         <p:nvPicPr>
-          <p:cNvPr id="5" name="圖片 4"/>
+          <p:cNvPr id="4" name="圖片 3"/>
           <p:cNvPicPr>
             <a:picLocks noChangeAspect="1"/>
           </p:cNvPicPr>
@@ -7421,8 +7983,8 @@
         </p:blipFill>
         <p:spPr>
           <a:xfrm>
-            <a:off x="2804967" y="287382"/>
-            <a:ext cx="6197933" cy="6465086"/>
+            <a:off x="2739652" y="152400"/>
+            <a:ext cx="6268517" cy="6512400"/>
           </a:xfrm>
           <a:prstGeom prst="rect">
             <a:avLst/>
@@ -7466,66 +8028,241 @@
           <a:chExt cx="0" cy="0"/>
         </a:xfrm>
       </p:grpSpPr>
-      <p:pic>
-        <p:nvPicPr>
-          <p:cNvPr id="4" name="內容版面配置區 3"/>
-          <p:cNvPicPr>
-            <a:picLocks noGrp="1" noChangeAspect="1"/>
-          </p:cNvPicPr>
-          <p:nvPr>
-            <p:ph idx="1"/>
-          </p:nvPr>
-        </p:nvPicPr>
-        <p:blipFill>
-          <a:blip r:embed="rId2"/>
-          <a:stretch>
-            <a:fillRect/>
-          </a:stretch>
-        </p:blipFill>
-        <p:spPr>
-          <a:xfrm>
-            <a:off x="352697" y="836022"/>
-            <a:ext cx="8438606" cy="5830937"/>
-          </a:xfrm>
-          <a:prstGeom prst="rect">
-            <a:avLst/>
-          </a:prstGeom>
-        </p:spPr>
-      </p:pic>
-      <p:sp>
-        <p:nvSpPr>
-          <p:cNvPr id="3" name="標題 2"/>
+      <p:sp>
+        <p:nvSpPr>
+          <p:cNvPr id="3" name="Content Placeholder 2"/>
           <p:cNvSpPr>
             <a:spLocks noGrp="1"/>
           </p:cNvSpPr>
           <p:nvPr>
-            <p:ph type="title"/>
-          </p:nvPr>
-        </p:nvSpPr>
-        <p:spPr>
-          <a:xfrm>
-            <a:off x="457200" y="117565"/>
-            <a:ext cx="8229600" cy="718457"/>
-          </a:xfrm>
-        </p:spPr>
+            <p:ph idx="1"/>
+          </p:nvPr>
+        </p:nvSpPr>
+        <p:spPr/>
         <p:txBody>
           <a:bodyPr>
-            <a:normAutofit fontScale="90000"/>
+            <a:normAutofit fontScale="92500" lnSpcReduction="20000"/>
           </a:bodyPr>
           <a:lstStyle/>
           <a:p>
             <a:r>
+              <a:rPr lang="zh-TW" altLang="en-US" sz="3200" dirty="0" smtClean="0"/>
+              <a:t>裝置與工具</a:t>
+            </a:r>
+            <a:endParaRPr lang="en-US" altLang="zh-TW" sz="3200" dirty="0" smtClean="0"/>
+          </a:p>
+          <a:p>
+            <a:pPr marL="0" indent="0">
+              <a:buNone/>
+            </a:pPr>
+            <a:r>
+              <a:rPr lang="zh-TW" altLang="en-US" dirty="0"/>
+              <a:t> </a:t>
+            </a:r>
+            <a:r>
               <a:rPr lang="zh-TW" altLang="en-US" dirty="0" smtClean="0"/>
-              <a:t>系統架構</a:t>
-            </a:r>
-            <a:endParaRPr lang="zh-TW" altLang="en-US" dirty="0"/>
+              <a:t>   裝置</a:t>
+            </a:r>
+            <a:r>
+              <a:rPr lang="en-US" altLang="zh-TW" dirty="0" smtClean="0"/>
+              <a:t>:</a:t>
+            </a:r>
+            <a:r>
+              <a:rPr lang="zh-TW" altLang="en-US" dirty="0" smtClean="0"/>
+              <a:t>伺服器、電腦</a:t>
+            </a:r>
+            <a:endParaRPr lang="en-US" altLang="zh-TW" dirty="0" smtClean="0"/>
+          </a:p>
+          <a:p>
+            <a:pPr marL="0" indent="0">
+              <a:buNone/>
+            </a:pPr>
+            <a:r>
+              <a:rPr lang="zh-TW" altLang="en-US" dirty="0" smtClean="0"/>
+              <a:t>    語言</a:t>
+            </a:r>
+            <a:r>
+              <a:rPr lang="en-US" altLang="zh-TW" dirty="0" smtClean="0"/>
+              <a:t>:CSS</a:t>
+            </a:r>
+            <a:r>
+              <a:rPr lang="zh-TW" altLang="en-US" dirty="0" smtClean="0"/>
+              <a:t>、</a:t>
+            </a:r>
+            <a:r>
+              <a:rPr lang="en-US" altLang="zh-TW" dirty="0" smtClean="0"/>
+              <a:t>HTML</a:t>
+            </a:r>
+            <a:r>
+              <a:rPr lang="zh-TW" altLang="en-US" dirty="0" smtClean="0"/>
+              <a:t>、</a:t>
+            </a:r>
+            <a:r>
+              <a:rPr lang="en-US" altLang="zh-TW" dirty="0" smtClean="0"/>
+              <a:t>Java </a:t>
+            </a:r>
+            <a:r>
+              <a:rPr lang="en-US" altLang="zh-TW" dirty="0" err="1" smtClean="0"/>
+              <a:t>Sript</a:t>
+            </a:r>
+            <a:r>
+              <a:rPr lang="zh-TW" altLang="en-US" dirty="0" smtClean="0"/>
+              <a:t>、</a:t>
+            </a:r>
+            <a:r>
+              <a:rPr lang="en-US" altLang="zh-TW" dirty="0" smtClean="0"/>
+              <a:t>SQL</a:t>
+            </a:r>
+            <a:r>
+              <a:rPr lang="zh-TW" altLang="en-US" dirty="0" smtClean="0"/>
+              <a:t>、</a:t>
+            </a:r>
+            <a:r>
+              <a:rPr lang="en-US" altLang="zh-TW" dirty="0" smtClean="0"/>
+              <a:t>PHP</a:t>
+            </a:r>
+          </a:p>
+          <a:p>
+            <a:pPr marL="0" indent="0">
+              <a:buNone/>
+            </a:pPr>
+            <a:r>
+              <a:rPr lang="zh-TW" altLang="en-US" dirty="0" smtClean="0"/>
+              <a:t>    </a:t>
+            </a:r>
+            <a:r>
+              <a:rPr lang="en-US" altLang="zh-TW" dirty="0" smtClean="0"/>
+              <a:t>IDE:VS code</a:t>
+            </a:r>
+          </a:p>
+          <a:p>
+            <a:pPr marL="0" indent="0">
+              <a:buNone/>
+            </a:pPr>
+            <a:r>
+              <a:rPr lang="en-US" altLang="zh-TW" dirty="0"/>
+              <a:t> </a:t>
+            </a:r>
+            <a:r>
+              <a:rPr lang="en-US" altLang="zh-TW" dirty="0" smtClean="0"/>
+              <a:t>   </a:t>
+            </a:r>
+            <a:r>
+              <a:rPr lang="zh-TW" altLang="en-US" dirty="0" smtClean="0"/>
+              <a:t>網頁伺服器軟體</a:t>
+            </a:r>
+            <a:r>
+              <a:rPr lang="en-US" altLang="zh-TW" dirty="0" smtClean="0"/>
+              <a:t>:</a:t>
+            </a:r>
+            <a:r>
+              <a:rPr lang="zh-TW" altLang="en-US" dirty="0" smtClean="0"/>
+              <a:t> </a:t>
+            </a:r>
+            <a:r>
+              <a:rPr lang="en-US" altLang="zh-TW" dirty="0" smtClean="0"/>
+              <a:t>Apache</a:t>
+            </a:r>
+          </a:p>
+          <a:p>
+            <a:pPr marL="0" indent="0">
+              <a:buNone/>
+            </a:pPr>
+            <a:r>
+              <a:rPr lang="zh-TW" altLang="en-US" dirty="0" smtClean="0"/>
+              <a:t>    資料庫</a:t>
+            </a:r>
+            <a:r>
+              <a:rPr lang="en-US" altLang="zh-TW" dirty="0" smtClean="0"/>
+              <a:t>:</a:t>
+            </a:r>
+            <a:r>
+              <a:rPr lang="zh-TW" altLang="en-US" dirty="0" smtClean="0"/>
+              <a:t> </a:t>
+            </a:r>
+            <a:r>
+              <a:rPr lang="en-US" altLang="zh-TW" dirty="0" smtClean="0"/>
+              <a:t>MySQL</a:t>
+            </a:r>
+          </a:p>
+          <a:p>
+            <a:endParaRPr lang="en-US" sz="2400" dirty="0" smtClean="0"/>
+          </a:p>
+          <a:p>
+            <a:r>
+              <a:rPr lang="zh-TW" altLang="en-US" sz="3200" dirty="0" smtClean="0"/>
+              <a:t>人員分配</a:t>
+            </a:r>
+            <a:endParaRPr lang="en-US" altLang="zh-TW" sz="3200" dirty="0" smtClean="0"/>
+          </a:p>
+          <a:p>
+            <a:pPr marL="0" indent="0">
+              <a:buNone/>
+            </a:pPr>
+            <a:r>
+              <a:rPr lang="zh-TW" altLang="en-US" dirty="0" smtClean="0"/>
+              <a:t>    黃泰源</a:t>
+            </a:r>
+            <a:r>
+              <a:rPr lang="en-US" altLang="zh-TW" dirty="0" smtClean="0"/>
+              <a:t>:</a:t>
+            </a:r>
+            <a:r>
+              <a:rPr lang="zh-TW" altLang="en-US" dirty="0" smtClean="0"/>
+              <a:t>文件撰寫、後端設計製作、資料庫設計與製作、系統分析與架構設計、系統整合    </a:t>
+            </a:r>
+            <a:endParaRPr lang="en-US" altLang="zh-TW" dirty="0" smtClean="0"/>
+          </a:p>
+          <a:p>
+            <a:pPr marL="0" indent="0">
+              <a:buNone/>
+            </a:pPr>
+            <a:r>
+              <a:rPr lang="zh-TW" altLang="en-US" dirty="0" smtClean="0"/>
+              <a:t>胥景然</a:t>
+            </a:r>
+            <a:r>
+              <a:rPr lang="en-US" altLang="zh-TW" dirty="0" smtClean="0"/>
+              <a:t>:</a:t>
+            </a:r>
+            <a:r>
+              <a:rPr lang="zh-TW" altLang="en-US" dirty="0" smtClean="0"/>
+              <a:t>簡報製作與報告、資料收集、需求分析、前端設計與製作、系統測試</a:t>
+            </a:r>
+            <a:endParaRPr lang="en-US" dirty="0"/>
+          </a:p>
+          <a:p>
+            <a:endParaRPr lang="en-US" sz="2800" dirty="0" smtClean="0"/>
+          </a:p>
+        </p:txBody>
+      </p:sp>
+      <p:sp>
+        <p:nvSpPr>
+          <p:cNvPr id="2" name="Title 1"/>
+          <p:cNvSpPr>
+            <a:spLocks noGrp="1"/>
+          </p:cNvSpPr>
+          <p:nvPr>
+            <p:ph type="title"/>
+          </p:nvPr>
+        </p:nvSpPr>
+        <p:spPr/>
+        <p:txBody>
+          <a:bodyPr/>
+          <a:lstStyle/>
+          <a:p>
+            <a:r>
+              <a:rPr lang="en-US" dirty="0" smtClean="0"/>
+              <a:t>Resource Required</a:t>
+            </a:r>
+            <a:endParaRPr lang="en-US" dirty="0"/>
           </a:p>
         </p:txBody>
       </p:sp>
     </p:spTree>
     <p:extLst>
       <p:ext uri="{BB962C8B-B14F-4D97-AF65-F5344CB8AC3E}">
-        <p14:creationId xmlns:p14="http://schemas.microsoft.com/office/powerpoint/2010/main" val="3633576582"/>
+        <p14:creationId xmlns:p14="http://schemas.microsoft.com/office/powerpoint/2010/main" val="311315968"/>
       </p:ext>
     </p:extLst>
   </p:cSld>
@@ -7561,29 +8298,7 @@
       </p:grpSpPr>
       <p:sp>
         <p:nvSpPr>
-          <p:cNvPr id="2" name="內容版面配置區 1"/>
-          <p:cNvSpPr>
-            <a:spLocks noGrp="1"/>
-          </p:cNvSpPr>
-          <p:nvPr>
-            <p:ph idx="1"/>
-          </p:nvPr>
-        </p:nvSpPr>
-        <p:spPr/>
-        <p:txBody>
-          <a:bodyPr/>
-          <a:lstStyle/>
-          <a:p>
-            <a:pPr marL="0" indent="0">
-              <a:buNone/>
-            </a:pPr>
-            <a:endParaRPr lang="zh-TW" altLang="en-US" dirty="0"/>
-          </a:p>
-        </p:txBody>
-      </p:sp>
-      <p:sp>
-        <p:nvSpPr>
-          <p:cNvPr id="3" name="標題 2"/>
+          <p:cNvPr id="2" name="標題 1"/>
           <p:cNvSpPr>
             <a:spLocks noGrp="1"/>
           </p:cNvSpPr>
@@ -7600,31 +8315,21 @@
           <a:p>
             <a:r>
               <a:rPr lang="en-US" altLang="zh-TW" dirty="0" smtClean="0"/>
-              <a:t>UML---</a:t>
-            </a:r>
-            <a:r>
-              <a:rPr lang="zh-TW" altLang="en-US" sz="4000" dirty="0" smtClean="0"/>
-              <a:t>使用者</a:t>
-            </a:r>
-            <a:r>
-              <a:rPr lang="zh-TW" altLang="en-US" sz="4000" dirty="0"/>
-              <a:t>與管理者</a:t>
-            </a:r>
-            <a:r>
-              <a:rPr lang="zh-TW" altLang="en-US" sz="4000" dirty="0" smtClean="0"/>
-              <a:t>類別</a:t>
-            </a:r>
-            <a:endParaRPr lang="zh-TW" altLang="en-US" sz="4000" dirty="0"/>
+              <a:t>Schedule</a:t>
+            </a:r>
+            <a:endParaRPr lang="zh-TW" altLang="en-US" dirty="0"/>
           </a:p>
         </p:txBody>
       </p:sp>
       <p:pic>
         <p:nvPicPr>
-          <p:cNvPr id="6" name="圖片 5"/>
+          <p:cNvPr id="4" name="內容版面配置區 3"/>
           <p:cNvPicPr>
-            <a:picLocks noChangeAspect="1"/>
+            <a:picLocks noGrp="1" noChangeAspect="1"/>
           </p:cNvPicPr>
-          <p:nvPr/>
+          <p:nvPr>
+            <p:ph idx="1"/>
+          </p:nvPr>
         </p:nvPicPr>
         <p:blipFill>
           <a:blip r:embed="rId2"/>
@@ -7634,8 +8339,8 @@
         </p:blipFill>
         <p:spPr>
           <a:xfrm>
-            <a:off x="2115749" y="1806871"/>
-            <a:ext cx="6571051" cy="4862693"/>
+            <a:off x="325999" y="1896526"/>
+            <a:ext cx="8492002" cy="4164639"/>
           </a:xfrm>
           <a:prstGeom prst="rect">
             <a:avLst/>
@@ -7645,112 +8350,7 @@
     </p:spTree>
     <p:extLst>
       <p:ext uri="{BB962C8B-B14F-4D97-AF65-F5344CB8AC3E}">
-        <p14:creationId xmlns:p14="http://schemas.microsoft.com/office/powerpoint/2010/main" val="1998499037"/>
-      </p:ext>
-    </p:extLst>
-  </p:cSld>
-  <p:clrMapOvr>
-    <a:masterClrMapping/>
-  </p:clrMapOvr>
-  <p:timing>
-    <p:tnLst>
-      <p:par>
-        <p:cTn id="1" dur="indefinite" restart="never" nodeType="tmRoot"/>
-      </p:par>
-    </p:tnLst>
-  </p:timing>
-</p:sld>
-</file>
-
-<file path=ppt/slides/slide19.xml><?xml version="1.0" encoding="utf-8"?>
-<p:sld xmlns:a="http://schemas.openxmlformats.org/drawingml/2006/main" xmlns:r="http://schemas.openxmlformats.org/officeDocument/2006/relationships" xmlns:p="http://schemas.openxmlformats.org/presentationml/2006/main">
-  <p:cSld>
-    <p:spTree>
-      <p:nvGrpSpPr>
-        <p:cNvPr id="1" name=""/>
-        <p:cNvGrpSpPr/>
-        <p:nvPr/>
-      </p:nvGrpSpPr>
-      <p:grpSpPr>
-        <a:xfrm>
-          <a:off x="0" y="0"/>
-          <a:ext cx="0" cy="0"/>
-          <a:chOff x="0" y="0"/>
-          <a:chExt cx="0" cy="0"/>
-        </a:xfrm>
-      </p:grpSpPr>
-      <p:sp>
-        <p:nvSpPr>
-          <p:cNvPr id="3" name="標題 2"/>
-          <p:cNvSpPr>
-            <a:spLocks noGrp="1"/>
-          </p:cNvSpPr>
-          <p:nvPr>
-            <p:ph type="title"/>
-          </p:nvPr>
-        </p:nvSpPr>
-        <p:spPr>
-          <a:xfrm>
-            <a:off x="300445" y="65314"/>
-            <a:ext cx="8229600" cy="757646"/>
-          </a:xfrm>
-        </p:spPr>
-        <p:txBody>
-          <a:bodyPr>
-            <a:normAutofit/>
-          </a:bodyPr>
-          <a:lstStyle/>
-          <a:p>
-            <a:r>
-              <a:rPr lang="en-US" altLang="zh-TW" dirty="0" smtClean="0"/>
-              <a:t>UML---</a:t>
-            </a:r>
-            <a:r>
-              <a:rPr lang="zh-TW" altLang="en-US" dirty="0" smtClean="0"/>
-              <a:t>頁</a:t>
-            </a:r>
-            <a:r>
-              <a:rPr lang="zh-TW" altLang="en-US" dirty="0"/>
-              <a:t>面</a:t>
-            </a:r>
-            <a:r>
-              <a:rPr lang="zh-TW" altLang="en-US" dirty="0" smtClean="0"/>
-              <a:t>類別</a:t>
-            </a:r>
-            <a:endParaRPr lang="zh-TW" altLang="en-US" dirty="0"/>
-          </a:p>
-        </p:txBody>
-      </p:sp>
-      <p:pic>
-        <p:nvPicPr>
-          <p:cNvPr id="6" name="內容版面配置區 5"/>
-          <p:cNvPicPr>
-            <a:picLocks noGrp="1" noChangeAspect="1"/>
-          </p:cNvPicPr>
-          <p:nvPr>
-            <p:ph idx="1"/>
-          </p:nvPr>
-        </p:nvPicPr>
-        <p:blipFill>
-          <a:blip r:embed="rId2"/>
-          <a:stretch>
-            <a:fillRect/>
-          </a:stretch>
-        </p:blipFill>
-        <p:spPr>
-          <a:xfrm>
-            <a:off x="195941" y="1184365"/>
-            <a:ext cx="8754351" cy="5438504"/>
-          </a:xfrm>
-          <a:prstGeom prst="rect">
-            <a:avLst/>
-          </a:prstGeom>
-        </p:spPr>
-      </p:pic>
-    </p:spTree>
-    <p:extLst>
-      <p:ext uri="{BB962C8B-B14F-4D97-AF65-F5344CB8AC3E}">
-        <p14:creationId xmlns:p14="http://schemas.microsoft.com/office/powerpoint/2010/main" val="3378546810"/>
+        <p14:creationId xmlns:p14="http://schemas.microsoft.com/office/powerpoint/2010/main" val="1924423371"/>
       </p:ext>
     </p:extLst>
   </p:cSld>
@@ -7848,303 +8448,6 @@
     <p:extLst>
       <p:ext uri="{BB962C8B-B14F-4D97-AF65-F5344CB8AC3E}">
         <p14:creationId xmlns:p14="http://schemas.microsoft.com/office/powerpoint/2010/main" val="1325437863"/>
-      </p:ext>
-    </p:extLst>
-  </p:cSld>
-  <p:clrMapOvr>
-    <a:masterClrMapping/>
-  </p:clrMapOvr>
-  <p:timing>
-    <p:tnLst>
-      <p:par>
-        <p:cTn id="1" dur="indefinite" restart="never" nodeType="tmRoot"/>
-      </p:par>
-    </p:tnLst>
-  </p:timing>
-</p:sld>
-</file>
-
-<file path=ppt/slides/slide20.xml><?xml version="1.0" encoding="utf-8"?>
-<p:sld xmlns:a="http://schemas.openxmlformats.org/drawingml/2006/main" xmlns:r="http://schemas.openxmlformats.org/officeDocument/2006/relationships" xmlns:p="http://schemas.openxmlformats.org/presentationml/2006/main">
-  <p:cSld>
-    <p:spTree>
-      <p:nvGrpSpPr>
-        <p:cNvPr id="1" name=""/>
-        <p:cNvGrpSpPr/>
-        <p:nvPr/>
-      </p:nvGrpSpPr>
-      <p:grpSpPr>
-        <a:xfrm>
-          <a:off x="0" y="0"/>
-          <a:ext cx="0" cy="0"/>
-          <a:chOff x="0" y="0"/>
-          <a:chExt cx="0" cy="0"/>
-        </a:xfrm>
-      </p:grpSpPr>
-      <p:sp>
-        <p:nvSpPr>
-          <p:cNvPr id="3" name="Content Placeholder 2"/>
-          <p:cNvSpPr>
-            <a:spLocks noGrp="1"/>
-          </p:cNvSpPr>
-          <p:nvPr>
-            <p:ph idx="1"/>
-          </p:nvPr>
-        </p:nvSpPr>
-        <p:spPr/>
-        <p:txBody>
-          <a:bodyPr>
-            <a:normAutofit/>
-          </a:bodyPr>
-          <a:lstStyle/>
-          <a:p>
-            <a:r>
-              <a:rPr lang="zh-TW" altLang="en-US" sz="3200" dirty="0" smtClean="0"/>
-              <a:t>裝置與工具</a:t>
-            </a:r>
-            <a:endParaRPr lang="en-US" altLang="zh-TW" sz="3200" dirty="0" smtClean="0"/>
-          </a:p>
-          <a:p>
-            <a:pPr marL="0" indent="0">
-              <a:buNone/>
-            </a:pPr>
-            <a:r>
-              <a:rPr lang="zh-TW" altLang="en-US" dirty="0"/>
-              <a:t> </a:t>
-            </a:r>
-            <a:r>
-              <a:rPr lang="zh-TW" altLang="en-US" dirty="0" smtClean="0"/>
-              <a:t>   裝置</a:t>
-            </a:r>
-            <a:r>
-              <a:rPr lang="en-US" altLang="zh-TW" dirty="0" smtClean="0"/>
-              <a:t>: </a:t>
-            </a:r>
-            <a:r>
-              <a:rPr lang="zh-TW" altLang="en-US" dirty="0" smtClean="0"/>
-              <a:t>電腦</a:t>
-            </a:r>
-            <a:endParaRPr lang="en-US" altLang="zh-TW" dirty="0" smtClean="0"/>
-          </a:p>
-          <a:p>
-            <a:pPr marL="0" indent="0">
-              <a:buNone/>
-            </a:pPr>
-            <a:r>
-              <a:rPr lang="en-US" altLang="zh-TW" dirty="0"/>
-              <a:t> </a:t>
-            </a:r>
-            <a:r>
-              <a:rPr lang="en-US" altLang="zh-TW" dirty="0" smtClean="0"/>
-              <a:t>   </a:t>
-            </a:r>
-            <a:r>
-              <a:rPr lang="zh-TW" altLang="en-US" dirty="0" smtClean="0"/>
-              <a:t>工具</a:t>
-            </a:r>
-            <a:r>
-              <a:rPr lang="en-US" altLang="zh-TW" dirty="0" smtClean="0"/>
-              <a:t>:</a:t>
-            </a:r>
-            <a:r>
-              <a:rPr lang="zh-TW" altLang="en-US" dirty="0" smtClean="0"/>
-              <a:t> </a:t>
-            </a:r>
-            <a:r>
-              <a:rPr lang="en-US" altLang="zh-TW" dirty="0" smtClean="0"/>
-              <a:t>PowerPoint</a:t>
-            </a:r>
-            <a:r>
-              <a:rPr lang="zh-TW" altLang="en-US" dirty="0" smtClean="0"/>
-              <a:t>、</a:t>
-            </a:r>
-            <a:r>
-              <a:rPr lang="en-US" altLang="zh-TW" dirty="0" smtClean="0"/>
-              <a:t>word</a:t>
-            </a:r>
-            <a:r>
-              <a:rPr lang="zh-TW" altLang="en-US" dirty="0" smtClean="0"/>
-              <a:t>、</a:t>
-            </a:r>
-            <a:r>
-              <a:rPr lang="en-US" altLang="zh-TW" dirty="0" err="1" smtClean="0"/>
-              <a:t>visio</a:t>
-            </a:r>
-            <a:endParaRPr lang="en-US" altLang="zh-TW" dirty="0" smtClean="0"/>
-          </a:p>
-          <a:p>
-            <a:pPr marL="0" indent="0">
-              <a:buNone/>
-            </a:pPr>
-            <a:r>
-              <a:rPr lang="zh-TW" altLang="en-US" dirty="0" smtClean="0"/>
-              <a:t>    </a:t>
-            </a:r>
-            <a:endParaRPr lang="en-US" sz="2400" dirty="0" smtClean="0"/>
-          </a:p>
-          <a:p>
-            <a:r>
-              <a:rPr lang="zh-TW" altLang="en-US" sz="3200" dirty="0" smtClean="0"/>
-              <a:t>人員分配</a:t>
-            </a:r>
-            <a:endParaRPr lang="en-US" altLang="zh-TW" sz="3200" dirty="0" smtClean="0"/>
-          </a:p>
-          <a:p>
-            <a:pPr marL="0" indent="0">
-              <a:buNone/>
-            </a:pPr>
-            <a:r>
-              <a:rPr lang="zh-TW" altLang="en-US" dirty="0" smtClean="0"/>
-              <a:t>    黃泰源</a:t>
-            </a:r>
-            <a:r>
-              <a:rPr lang="en-US" altLang="zh-TW" dirty="0" smtClean="0"/>
-              <a:t>:</a:t>
-            </a:r>
-            <a:r>
-              <a:rPr lang="zh-TW" altLang="en-US" dirty="0" smtClean="0"/>
-              <a:t>文件撰寫、系統分析與架構設計、圖表繪製</a:t>
-            </a:r>
-            <a:endParaRPr lang="en-US" altLang="zh-TW" dirty="0" smtClean="0"/>
-          </a:p>
-          <a:p>
-            <a:pPr marL="0" indent="0">
-              <a:buNone/>
-            </a:pPr>
-            <a:r>
-              <a:rPr lang="zh-TW" altLang="en-US" dirty="0" smtClean="0"/>
-              <a:t>    胥景然</a:t>
-            </a:r>
-            <a:r>
-              <a:rPr lang="en-US" altLang="zh-TW" dirty="0" smtClean="0"/>
-              <a:t>:</a:t>
-            </a:r>
-            <a:r>
-              <a:rPr lang="zh-TW" altLang="en-US" dirty="0" smtClean="0"/>
-              <a:t>簡報製作與報告、資料收集、需求分析</a:t>
-            </a:r>
-            <a:endParaRPr lang="en-US" dirty="0"/>
-          </a:p>
-          <a:p>
-            <a:endParaRPr lang="en-US" sz="2800" dirty="0" smtClean="0"/>
-          </a:p>
-        </p:txBody>
-      </p:sp>
-      <p:sp>
-        <p:nvSpPr>
-          <p:cNvPr id="2" name="Title 1"/>
-          <p:cNvSpPr>
-            <a:spLocks noGrp="1"/>
-          </p:cNvSpPr>
-          <p:nvPr>
-            <p:ph type="title"/>
-          </p:nvPr>
-        </p:nvSpPr>
-        <p:spPr/>
-        <p:txBody>
-          <a:bodyPr/>
-          <a:lstStyle/>
-          <a:p>
-            <a:r>
-              <a:rPr lang="en-US" dirty="0" smtClean="0"/>
-              <a:t>Resource Required</a:t>
-            </a:r>
-            <a:endParaRPr lang="en-US" dirty="0"/>
-          </a:p>
-        </p:txBody>
-      </p:sp>
-    </p:spTree>
-    <p:extLst>
-      <p:ext uri="{BB962C8B-B14F-4D97-AF65-F5344CB8AC3E}">
-        <p14:creationId xmlns:p14="http://schemas.microsoft.com/office/powerpoint/2010/main" val="311315968"/>
-      </p:ext>
-    </p:extLst>
-  </p:cSld>
-  <p:clrMapOvr>
-    <a:masterClrMapping/>
-  </p:clrMapOvr>
-  <p:timing>
-    <p:tnLst>
-      <p:par>
-        <p:cTn id="1" dur="indefinite" restart="never" nodeType="tmRoot"/>
-      </p:par>
-    </p:tnLst>
-  </p:timing>
-</p:sld>
-</file>
-
-<file path=ppt/slides/slide21.xml><?xml version="1.0" encoding="utf-8"?>
-<p:sld xmlns:a="http://schemas.openxmlformats.org/drawingml/2006/main" xmlns:r="http://schemas.openxmlformats.org/officeDocument/2006/relationships" xmlns:p="http://schemas.openxmlformats.org/presentationml/2006/main">
-  <p:cSld>
-    <p:spTree>
-      <p:nvGrpSpPr>
-        <p:cNvPr id="1" name=""/>
-        <p:cNvGrpSpPr/>
-        <p:nvPr/>
-      </p:nvGrpSpPr>
-      <p:grpSpPr>
-        <a:xfrm>
-          <a:off x="0" y="0"/>
-          <a:ext cx="0" cy="0"/>
-          <a:chOff x="0" y="0"/>
-          <a:chExt cx="0" cy="0"/>
-        </a:xfrm>
-      </p:grpSpPr>
-      <p:sp>
-        <p:nvSpPr>
-          <p:cNvPr id="2" name="標題 1"/>
-          <p:cNvSpPr>
-            <a:spLocks noGrp="1"/>
-          </p:cNvSpPr>
-          <p:nvPr>
-            <p:ph type="title"/>
-          </p:nvPr>
-        </p:nvSpPr>
-        <p:spPr/>
-        <p:txBody>
-          <a:bodyPr>
-            <a:normAutofit/>
-          </a:bodyPr>
-          <a:lstStyle/>
-          <a:p>
-            <a:r>
-              <a:rPr lang="en-US" altLang="zh-TW" dirty="0" smtClean="0"/>
-              <a:t>Schedule</a:t>
-            </a:r>
-            <a:endParaRPr lang="zh-TW" altLang="en-US" dirty="0"/>
-          </a:p>
-        </p:txBody>
-      </p:sp>
-      <p:pic>
-        <p:nvPicPr>
-          <p:cNvPr id="5" name="內容版面配置區 4"/>
-          <p:cNvPicPr>
-            <a:picLocks noGrp="1" noChangeAspect="1"/>
-          </p:cNvPicPr>
-          <p:nvPr>
-            <p:ph idx="1"/>
-          </p:nvPr>
-        </p:nvPicPr>
-        <p:blipFill>
-          <a:blip r:embed="rId2"/>
-          <a:stretch>
-            <a:fillRect/>
-          </a:stretch>
-        </p:blipFill>
-        <p:spPr>
-          <a:xfrm>
-            <a:off x="535216" y="2449430"/>
-            <a:ext cx="8073568" cy="2396889"/>
-          </a:xfrm>
-          <a:prstGeom prst="rect">
-            <a:avLst/>
-          </a:prstGeom>
-        </p:spPr>
-      </p:pic>
-    </p:spTree>
-    <p:extLst>
-      <p:ext uri="{BB962C8B-B14F-4D97-AF65-F5344CB8AC3E}">
-        <p14:creationId xmlns:p14="http://schemas.microsoft.com/office/powerpoint/2010/main" val="1924423371"/>
       </p:ext>
     </p:extLst>
   </p:cSld>
@@ -8883,7 +9186,7 @@
             <p:ph idx="1"/>
             <p:extLst>
               <p:ext uri="{D42A27DB-BD31-4B8C-83A1-F6EECF244321}">
-                <p14:modId xmlns:p14="http://schemas.microsoft.com/office/powerpoint/2010/main" val="3889503351"/>
+                <p14:modId xmlns:p14="http://schemas.microsoft.com/office/powerpoint/2010/main" val="861067731"/>
               </p:ext>
             </p:extLst>
           </p:nvPr>
@@ -8902,14 +9205,14 @@
                 <a:gridCol w="1467226">
                   <a:extLst>
                     <a:ext uri="{9D8B030D-6E8A-4147-A177-3AD203B41FA5}">
-                      <a16:colId xmlns:a16="http://schemas.microsoft.com/office/drawing/2014/main" val="20000"/>
+                      <a16:colId xmlns="" xmlns:a16="http://schemas.microsoft.com/office/drawing/2014/main" val="20000"/>
                     </a:ext>
                   </a:extLst>
                 </a:gridCol>
                 <a:gridCol w="6275783">
                   <a:extLst>
                     <a:ext uri="{9D8B030D-6E8A-4147-A177-3AD203B41FA5}">
-                      <a16:colId xmlns:a16="http://schemas.microsoft.com/office/drawing/2014/main" val="20001"/>
+                      <a16:colId xmlns="" xmlns:a16="http://schemas.microsoft.com/office/drawing/2014/main" val="20001"/>
                     </a:ext>
                   </a:extLst>
                 </a:gridCol>
@@ -8969,7 +9272,7 @@
                 </a:tc>
                 <a:extLst>
                   <a:ext uri="{0D108BD9-81ED-4DB2-BD59-A6C34878D82A}">
-                    <a16:rowId xmlns:a16="http://schemas.microsoft.com/office/drawing/2014/main" val="10000"/>
+                    <a16:rowId xmlns="" xmlns:a16="http://schemas.microsoft.com/office/drawing/2014/main" val="10000"/>
                   </a:ext>
                 </a:extLst>
               </a:tr>
@@ -9014,12 +9317,84 @@
                         <a:rPr lang="zh-TW" sz="1800" kern="100" dirty="0">
                           <a:effectLst/>
                         </a:rPr>
-                        <a:t>使用者可以在首頁按下【討論區】按鈕進入討論區頁面，在討論區頁面可以【新增文章】、【回復文章】、【</a:t>
+                        <a:t>使用者可以在首頁按下【討論區</a:t>
                       </a:r>
                       <a:r>
                         <a:rPr lang="zh-TW" sz="1800" kern="100" dirty="0" smtClean="0">
                           <a:effectLst/>
                         </a:rPr>
+                        <a:t>】</a:t>
+                      </a:r>
+                      <a:r>
+                        <a:rPr lang="zh-TW" altLang="en-US" sz="1800" kern="100" dirty="0" smtClean="0">
+                          <a:effectLst/>
+                        </a:rPr>
+                        <a:t>按鈕</a:t>
+                      </a:r>
+                      <a:r>
+                        <a:rPr lang="zh-TW" sz="1800" kern="100" dirty="0" smtClean="0">
+                          <a:effectLst/>
+                        </a:rPr>
+                        <a:t>進入</a:t>
+                      </a:r>
+                      <a:r>
+                        <a:rPr lang="en-US" altLang="zh-TW" sz="1800" kern="100" dirty="0" smtClean="0">
+                          <a:effectLst/>
+                        </a:rPr>
+                        <a:t>&lt;</a:t>
+                      </a:r>
+                      <a:r>
+                        <a:rPr lang="zh-TW" sz="1800" kern="100" dirty="0" smtClean="0">
+                          <a:effectLst/>
+                        </a:rPr>
+                        <a:t>討論區</a:t>
+                      </a:r>
+                      <a:r>
+                        <a:rPr lang="en-US" altLang="zh-TW" sz="1800" kern="100" dirty="0" smtClean="0">
+                          <a:effectLst/>
+                        </a:rPr>
+                        <a:t>&gt;</a:t>
+                      </a:r>
+                      <a:r>
+                        <a:rPr lang="zh-TW" sz="1800" kern="100" dirty="0" smtClean="0">
+                          <a:effectLst/>
+                        </a:rPr>
+                        <a:t>頁</a:t>
+                      </a:r>
+                      <a:r>
+                        <a:rPr lang="zh-TW" sz="1800" kern="100" dirty="0">
+                          <a:effectLst/>
+                        </a:rPr>
+                        <a:t>面，在討論區頁</a:t>
+                      </a:r>
+                      <a:r>
+                        <a:rPr lang="zh-TW" sz="1800" kern="100" dirty="0" smtClean="0">
+                          <a:effectLst/>
+                        </a:rPr>
+                        <a:t>面</a:t>
+                      </a:r>
+                      <a:r>
+                        <a:rPr lang="zh-TW" altLang="en-US" sz="1800" kern="100" dirty="0" smtClean="0">
+                          <a:effectLst/>
+                        </a:rPr>
+                        <a:t>有</a:t>
+                      </a:r>
+                      <a:r>
+                        <a:rPr lang="zh-TW" sz="1800" kern="100" dirty="0" smtClean="0">
+                          <a:effectLst/>
+                        </a:rPr>
+                        <a:t>【</a:t>
+                      </a:r>
+                      <a:r>
+                        <a:rPr lang="zh-TW" sz="1800" kern="100" dirty="0">
+                          <a:effectLst/>
+                        </a:rPr>
+                        <a:t>新增文章】、【回復文章】、【</a:t>
+                      </a:r>
+                      <a:r>
+                        <a:rPr lang="zh-TW" sz="1800" kern="100" dirty="0" smtClean="0">
+                          <a:effectLst/>
+                        </a:rPr>
                         <a:t>管理</a:t>
                       </a:r>
                       <a:r>
@@ -9035,10 +9410,28 @@
                         <a:t>章</a:t>
                       </a:r>
                       <a:r>
+                        <a:rPr lang="zh-TW" sz="1800" kern="100" dirty="0" smtClean="0">
+                          <a:effectLst/>
+                        </a:rPr>
+                        <a:t>】</a:t>
+                      </a:r>
+                      <a:r>
+                        <a:rPr lang="zh-TW" altLang="en-US" sz="1800" kern="100" dirty="0" smtClean="0">
+                          <a:effectLst/>
+                        </a:rPr>
+                        <a:t>等按鈕</a:t>
+                      </a:r>
+                      <a:r>
+                        <a:rPr lang="zh-TW" sz="1800" kern="100" dirty="0" smtClean="0">
+                          <a:effectLst/>
+                        </a:rPr>
+                        <a:t>，</a:t>
+                      </a:r>
+                      <a:r>
                         <a:rPr lang="zh-TW" sz="1800" kern="100" dirty="0">
                           <a:effectLst/>
                         </a:rPr>
-                        <a:t>】，文章有不同的</a:t>
+                        <a:t>文章有不同的</a:t>
                       </a:r>
                       <a:r>
                         <a:rPr lang="zh-TW" sz="1800" kern="100" dirty="0" smtClean="0">
@@ -9094,7 +9487,7 @@
                 </a:tc>
                 <a:extLst>
                   <a:ext uri="{0D108BD9-81ED-4DB2-BD59-A6C34878D82A}">
-                    <a16:rowId xmlns:a16="http://schemas.microsoft.com/office/drawing/2014/main" val="10001"/>
+                    <a16:rowId xmlns="" xmlns:a16="http://schemas.microsoft.com/office/drawing/2014/main" val="10001"/>
                   </a:ext>
                 </a:extLst>
               </a:tr>
@@ -9139,7 +9532,79 @@
                         <a:rPr lang="zh-TW" sz="1800" kern="100" dirty="0">
                           <a:effectLst/>
                         </a:rPr>
-                        <a:t>使用者可在右上方之使用者狀態欄按下【個人簡介】按鈕進入個人簡介頁面，可按下【修改簡介】按鈕進行個人資料修改。可修改的資料有</a:t>
+                        <a:t>使用者可在右上方之使用者狀態欄按下【個人簡介</a:t>
+                      </a:r>
+                      <a:r>
+                        <a:rPr lang="zh-TW" sz="1800" kern="100" dirty="0" smtClean="0">
+                          <a:effectLst/>
+                        </a:rPr>
+                        <a:t>】</a:t>
+                      </a:r>
+                      <a:r>
+                        <a:rPr lang="zh-TW" altLang="en-US" sz="1800" kern="100" dirty="0" smtClean="0">
+                          <a:effectLst/>
+                        </a:rPr>
+                        <a:t>按鈕</a:t>
+                      </a:r>
+                      <a:r>
+                        <a:rPr lang="zh-TW" sz="1800" kern="100" dirty="0" smtClean="0">
+                          <a:effectLst/>
+                        </a:rPr>
+                        <a:t>進入</a:t>
+                      </a:r>
+                      <a:r>
+                        <a:rPr lang="en-US" altLang="zh-TW" sz="1800" kern="100" dirty="0" smtClean="0">
+                          <a:effectLst/>
+                        </a:rPr>
+                        <a:t>&lt;</a:t>
+                      </a:r>
+                      <a:r>
+                        <a:rPr lang="zh-TW" sz="1800" kern="100" dirty="0" smtClean="0">
+                          <a:effectLst/>
+                        </a:rPr>
+                        <a:t>個人簡介</a:t>
+                      </a:r>
+                      <a:r>
+                        <a:rPr lang="en-US" altLang="zh-TW" sz="1800" kern="100" dirty="0" smtClean="0">
+                          <a:effectLst/>
+                        </a:rPr>
+                        <a:t>&gt;</a:t>
+                      </a:r>
+                      <a:r>
+                        <a:rPr lang="zh-TW" sz="1800" kern="100" dirty="0" smtClean="0">
+                          <a:effectLst/>
+                        </a:rPr>
+                        <a:t>頁</a:t>
+                      </a:r>
+                      <a:r>
+                        <a:rPr lang="zh-TW" sz="1800" kern="100" dirty="0">
+                          <a:effectLst/>
+                        </a:rPr>
+                        <a:t>面，可按下【修改簡介</a:t>
+                      </a:r>
+                      <a:r>
+                        <a:rPr lang="zh-TW" sz="1800" kern="100" dirty="0" smtClean="0">
+                          <a:effectLst/>
+                        </a:rPr>
+                        <a:t>】</a:t>
+                      </a:r>
+                      <a:r>
+                        <a:rPr lang="zh-TW" altLang="en-US" sz="1800" kern="100" dirty="0" smtClean="0">
+                          <a:effectLst/>
+                        </a:rPr>
+                        <a:t>按鈕</a:t>
+                      </a:r>
+                      <a:r>
+                        <a:rPr lang="zh-TW" sz="1800" kern="100" dirty="0" smtClean="0">
+                          <a:effectLst/>
+                        </a:rPr>
+                        <a:t>進行</a:t>
+                      </a:r>
+                      <a:r>
+                        <a:rPr lang="zh-TW" sz="1800" kern="100" dirty="0">
+                          <a:effectLst/>
+                        </a:rPr>
+                        <a:t>個人資料修改。可修改的資料有</a:t>
                       </a:r>
                       <a:r>
                         <a:rPr lang="en-US" sz="1800" kern="100" dirty="0">
@@ -9189,7 +9654,7 @@
                 </a:tc>
                 <a:extLst>
                   <a:ext uri="{0D108BD9-81ED-4DB2-BD59-A6C34878D82A}">
-                    <a16:rowId xmlns:a16="http://schemas.microsoft.com/office/drawing/2014/main" val="10002"/>
+                    <a16:rowId xmlns="" xmlns:a16="http://schemas.microsoft.com/office/drawing/2014/main" val="10002"/>
                   </a:ext>
                 </a:extLst>
               </a:tr>
@@ -9248,7 +9713,7 @@
                 </a:tc>
                 <a:extLst>
                   <a:ext uri="{0D108BD9-81ED-4DB2-BD59-A6C34878D82A}">
-                    <a16:rowId xmlns:a16="http://schemas.microsoft.com/office/drawing/2014/main" val="10003"/>
+                    <a16:rowId xmlns="" xmlns:a16="http://schemas.microsoft.com/office/drawing/2014/main" val="10003"/>
                   </a:ext>
                 </a:extLst>
               </a:tr>
@@ -9293,7 +9758,67 @@
                         <a:rPr lang="zh-TW" sz="1800" kern="100" dirty="0">
                           <a:effectLst/>
                         </a:rPr>
-                        <a:t>使用者可以在首頁按下【線上學習】按鈕進入線上學習頁面，以不同徵信業務分類，提供學習案例與影片，與相關法律學習。</a:t>
+                        <a:t>使用者可以在首頁按下【線上學習</a:t>
+                      </a:r>
+                      <a:r>
+                        <a:rPr lang="zh-TW" sz="1800" kern="100" dirty="0" smtClean="0">
+                          <a:effectLst/>
+                        </a:rPr>
+                        <a:t>】</a:t>
+                      </a:r>
+                      <a:r>
+                        <a:rPr lang="zh-TW" altLang="en-US" sz="1800" kern="100" dirty="0" smtClean="0">
+                          <a:effectLst/>
+                        </a:rPr>
+                        <a:t>按鈕</a:t>
+                      </a:r>
+                      <a:r>
+                        <a:rPr lang="zh-TW" sz="1800" kern="100" dirty="0" smtClean="0">
+                          <a:effectLst/>
+                        </a:rPr>
+                        <a:t>進入</a:t>
+                      </a:r>
+                      <a:r>
+                        <a:rPr lang="en-US" altLang="zh-TW" sz="1800" kern="100" dirty="0" smtClean="0">
+                          <a:effectLst/>
+                        </a:rPr>
+                        <a:t>&lt;</a:t>
+                      </a:r>
+                      <a:r>
+                        <a:rPr lang="zh-TW" sz="1800" kern="100" dirty="0" smtClean="0">
+                          <a:effectLst/>
+                        </a:rPr>
+                        <a:t>線</a:t>
+                      </a:r>
+                      <a:r>
+                        <a:rPr lang="zh-TW" sz="1800" kern="100" dirty="0">
+                          <a:effectLst/>
+                        </a:rPr>
+                        <a:t>上</a:t>
+                      </a:r>
+                      <a:r>
+                        <a:rPr lang="zh-TW" sz="1800" kern="100" dirty="0" smtClean="0">
+                          <a:effectLst/>
+                        </a:rPr>
+                        <a:t>學習</a:t>
+                      </a:r>
+                      <a:r>
+                        <a:rPr lang="en-US" altLang="zh-TW" sz="1800" kern="100" dirty="0" smtClean="0">
+                          <a:effectLst/>
+                        </a:rPr>
+                        <a:t>&gt;</a:t>
+                      </a:r>
+                      <a:r>
+                        <a:rPr lang="zh-TW" sz="1800" kern="100" dirty="0" smtClean="0">
+                          <a:effectLst/>
+                        </a:rPr>
+                        <a:t>頁</a:t>
+                      </a:r>
+                      <a:r>
+                        <a:rPr lang="zh-TW" sz="1800" kern="100" dirty="0">
+                          <a:effectLst/>
+                        </a:rPr>
+                        <a:t>面，以不同徵信業務分類，提供學習案例與影片，與相關法律學習。</a:t>
                       </a:r>
                     </a:p>
                     <a:p>
@@ -9332,7 +9857,7 @@
                 </a:tc>
                 <a:extLst>
                   <a:ext uri="{0D108BD9-81ED-4DB2-BD59-A6C34878D82A}">
-                    <a16:rowId xmlns:a16="http://schemas.microsoft.com/office/drawing/2014/main" val="10004"/>
+                    <a16:rowId xmlns="" xmlns:a16="http://schemas.microsoft.com/office/drawing/2014/main" val="10004"/>
                   </a:ext>
                 </a:extLst>
               </a:tr>
@@ -9449,7 +9974,7 @@
             <p:ph idx="1"/>
             <p:extLst>
               <p:ext uri="{D42A27DB-BD31-4B8C-83A1-F6EECF244321}">
-                <p14:modId xmlns:p14="http://schemas.microsoft.com/office/powerpoint/2010/main" val="3370961575"/>
+                <p14:modId xmlns:p14="http://schemas.microsoft.com/office/powerpoint/2010/main" val="2309647188"/>
               </p:ext>
             </p:extLst>
           </p:nvPr>
@@ -9468,14 +9993,14 @@
                 <a:gridCol w="1056130">
                   <a:extLst>
                     <a:ext uri="{9D8B030D-6E8A-4147-A177-3AD203B41FA5}">
-                      <a16:colId xmlns:a16="http://schemas.microsoft.com/office/drawing/2014/main" val="20000"/>
+                      <a16:colId xmlns="" xmlns:a16="http://schemas.microsoft.com/office/drawing/2014/main" val="20000"/>
                     </a:ext>
                   </a:extLst>
                 </a:gridCol>
                 <a:gridCol w="6913890">
                   <a:extLst>
                     <a:ext uri="{9D8B030D-6E8A-4147-A177-3AD203B41FA5}">
-                      <a16:colId xmlns:a16="http://schemas.microsoft.com/office/drawing/2014/main" val="20001"/>
+                      <a16:colId xmlns="" xmlns:a16="http://schemas.microsoft.com/office/drawing/2014/main" val="20001"/>
                     </a:ext>
                   </a:extLst>
                 </a:gridCol>
@@ -9535,7 +10060,7 @@
                 </a:tc>
                 <a:extLst>
                   <a:ext uri="{0D108BD9-81ED-4DB2-BD59-A6C34878D82A}">
-                    <a16:rowId xmlns:a16="http://schemas.microsoft.com/office/drawing/2014/main" val="10000"/>
+                    <a16:rowId xmlns="" xmlns:a16="http://schemas.microsoft.com/office/drawing/2014/main" val="10000"/>
                   </a:ext>
                 </a:extLst>
               </a:tr>
@@ -9690,7 +10215,7 @@
                 </a:tc>
                 <a:extLst>
                   <a:ext uri="{0D108BD9-81ED-4DB2-BD59-A6C34878D82A}">
-                    <a16:rowId xmlns:a16="http://schemas.microsoft.com/office/drawing/2014/main" val="10001"/>
+                    <a16:rowId xmlns="" xmlns:a16="http://schemas.microsoft.com/office/drawing/2014/main" val="10001"/>
                   </a:ext>
                 </a:extLst>
               </a:tr>
@@ -9735,7 +10260,43 @@
                         <a:rPr lang="zh-TW" sz="1700" kern="100" dirty="0">
                           <a:effectLst/>
                         </a:rPr>
-                        <a:t>偵探可以在【任務公告欄】上接受委託人之公佈之任務。委託人主動委託之任務可以選擇接受或拒絕。</a:t>
+                        <a:t>偵探可以</a:t>
+                      </a:r>
+                      <a:r>
+                        <a:rPr lang="zh-TW" sz="1700" kern="100" dirty="0" smtClean="0">
+                          <a:effectLst/>
+                        </a:rPr>
+                        <a:t>在</a:t>
+                      </a:r>
+                      <a:r>
+                        <a:rPr lang="en-US" altLang="zh-TW" sz="1700" kern="100" dirty="0" smtClean="0">
+                          <a:effectLst/>
+                        </a:rPr>
+                        <a:t>&lt;</a:t>
+                      </a:r>
+                      <a:r>
+                        <a:rPr lang="zh-TW" sz="1700" kern="100" dirty="0" smtClean="0">
+                          <a:effectLst/>
+                        </a:rPr>
+                        <a:t>任務公告欄</a:t>
+                      </a:r>
+                      <a:r>
+                        <a:rPr lang="en-US" altLang="zh-TW" sz="1700" kern="100" dirty="0" smtClean="0">
+                          <a:effectLst/>
+                        </a:rPr>
+                        <a:t>&gt;</a:t>
+                      </a:r>
+                      <a:r>
+                        <a:rPr lang="zh-TW" sz="1700" kern="100" dirty="0" smtClean="0">
+                          <a:effectLst/>
+                        </a:rPr>
+                        <a:t>上</a:t>
+                      </a:r>
+                      <a:r>
+                        <a:rPr lang="zh-TW" sz="1700" kern="100" dirty="0">
+                          <a:effectLst/>
+                        </a:rPr>
+                        <a:t>接受委託人之公佈之任務。委託人主動委託之任務可以選擇接受或拒絕。</a:t>
                       </a:r>
                       <a:endParaRPr lang="zh-TW" sz="1700" kern="100" dirty="0">
                         <a:effectLst/>
@@ -9749,7 +10310,7 @@
                 </a:tc>
                 <a:extLst>
                   <a:ext uri="{0D108BD9-81ED-4DB2-BD59-A6C34878D82A}">
-                    <a16:rowId xmlns:a16="http://schemas.microsoft.com/office/drawing/2014/main" val="10002"/>
+                    <a16:rowId xmlns="" xmlns:a16="http://schemas.microsoft.com/office/drawing/2014/main" val="10002"/>
                   </a:ext>
                 </a:extLst>
               </a:tr>
@@ -9794,7 +10355,55 @@
                         <a:rPr lang="zh-TW" sz="1700" kern="100" dirty="0">
                           <a:effectLst/>
                         </a:rPr>
-                        <a:t>在偵探接受委託人之任務時，系統會自動生成事件紀錄檔，偵探可在右上方之使用者狀態欄按下【事件處理】按鈕進入入事件處理儀表板查看【目前事件列表】。點擊事件名稱便可顯示事件的詳細資料，並且可以修改事件紀錄，每次修改都形成一個歷史紀錄，可以返回察看。</a:t>
+                        <a:t>在偵探接受委託人之任務時，系統會自動生成事件紀錄檔，偵探可在右上方之使用者狀態欄按下【事件處理】按鈕進入入事件處理儀表板</a:t>
+                      </a:r>
+                      <a:r>
+                        <a:rPr lang="zh-TW" sz="1700" kern="100" dirty="0" smtClean="0">
+                          <a:effectLst/>
+                        </a:rPr>
+                        <a:t>查看</a:t>
+                      </a:r>
+                      <a:r>
+                        <a:rPr lang="en-US" altLang="zh-TW" sz="1700" kern="100" dirty="0" smtClean="0">
+                          <a:effectLst/>
+                        </a:rPr>
+                        <a:t>&lt;</a:t>
+                      </a:r>
+                      <a:r>
+                        <a:rPr lang="zh-TW" sz="1700" kern="100" dirty="0" smtClean="0">
+                          <a:effectLst/>
+                        </a:rPr>
+                        <a:t>目前</a:t>
+                      </a:r>
+                      <a:r>
+                        <a:rPr lang="zh-TW" sz="1700" kern="100" dirty="0">
+                          <a:effectLst/>
+                        </a:rPr>
+                        <a:t>事件</a:t>
+                      </a:r>
+                      <a:r>
+                        <a:rPr lang="zh-TW" sz="1700" kern="100" dirty="0" smtClean="0">
+                          <a:effectLst/>
+                        </a:rPr>
+                        <a:t>列表</a:t>
+                      </a:r>
+                      <a:r>
+                        <a:rPr lang="en-US" altLang="zh-TW" sz="1700" kern="100" dirty="0" smtClean="0">
+                          <a:effectLst/>
+                        </a:rPr>
+                        <a:t>&gt;</a:t>
+                      </a:r>
+                      <a:r>
+                        <a:rPr lang="zh-TW" sz="1700" kern="100" dirty="0" smtClean="0">
+                          <a:effectLst/>
+                        </a:rPr>
+                        <a:t>。</a:t>
+                      </a:r>
+                      <a:r>
+                        <a:rPr lang="zh-TW" sz="1700" kern="100" dirty="0">
+                          <a:effectLst/>
+                        </a:rPr>
+                        <a:t>點擊事件名稱便可顯示事件的詳細資料，並且可以修改事件紀錄，每次修改都形成一個歷史紀錄，可以返回察看。</a:t>
                       </a:r>
                       <a:endParaRPr lang="zh-TW" sz="1700" kern="100" dirty="0">
                         <a:effectLst/>
@@ -9808,7 +10417,7 @@
                 </a:tc>
                 <a:extLst>
                   <a:ext uri="{0D108BD9-81ED-4DB2-BD59-A6C34878D82A}">
-                    <a16:rowId xmlns:a16="http://schemas.microsoft.com/office/drawing/2014/main" val="10003"/>
+                    <a16:rowId xmlns="" xmlns:a16="http://schemas.microsoft.com/office/drawing/2014/main" val="10003"/>
                   </a:ext>
                 </a:extLst>
               </a:tr>
@@ -9853,7 +10462,55 @@
                         <a:rPr lang="zh-TW" sz="1700" kern="100" dirty="0">
                           <a:effectLst/>
                         </a:rPr>
-                        <a:t>偵探可在右上方之使用者狀態欄按下【事件處理】按鈕進入入事件處理儀表板查看【過往事件列表】，可以了解之前所偵辦之任務的詳細資料與歷史進程。</a:t>
+                        <a:t>偵探可在右上方之使用者狀態欄按下【事件處理】按鈕進入入事件處理儀表板</a:t>
+                      </a:r>
+                      <a:r>
+                        <a:rPr lang="zh-TW" sz="1700" kern="100" dirty="0" smtClean="0">
+                          <a:effectLst/>
+                        </a:rPr>
+                        <a:t>查看</a:t>
+                      </a:r>
+                      <a:r>
+                        <a:rPr lang="en-US" altLang="zh-TW" sz="1700" kern="100" dirty="0" smtClean="0">
+                          <a:effectLst/>
+                        </a:rPr>
+                        <a:t>&lt;</a:t>
+                      </a:r>
+                      <a:r>
+                        <a:rPr lang="zh-TW" sz="1700" kern="100" dirty="0" smtClean="0">
+                          <a:effectLst/>
+                        </a:rPr>
+                        <a:t>過往</a:t>
+                      </a:r>
+                      <a:r>
+                        <a:rPr lang="zh-TW" sz="1700" kern="100" dirty="0">
+                          <a:effectLst/>
+                        </a:rPr>
+                        <a:t>事件</a:t>
+                      </a:r>
+                      <a:r>
+                        <a:rPr lang="zh-TW" sz="1700" kern="100" dirty="0" smtClean="0">
+                          <a:effectLst/>
+                        </a:rPr>
+                        <a:t>列表</a:t>
+                      </a:r>
+                      <a:r>
+                        <a:rPr lang="en-US" altLang="zh-TW" sz="1700" kern="100" dirty="0" smtClean="0">
+                          <a:effectLst/>
+                        </a:rPr>
+                        <a:t>&gt;</a:t>
+                      </a:r>
+                      <a:r>
+                        <a:rPr lang="zh-TW" sz="1700" kern="100" dirty="0" smtClean="0">
+                          <a:effectLst/>
+                        </a:rPr>
+                        <a:t>，</a:t>
+                      </a:r>
+                      <a:r>
+                        <a:rPr lang="zh-TW" sz="1700" kern="100" dirty="0">
+                          <a:effectLst/>
+                        </a:rPr>
+                        <a:t>可以了解之前所偵辦之任務的詳細資料與歷史進程。</a:t>
                       </a:r>
                       <a:endParaRPr lang="zh-TW" sz="1700" kern="100" dirty="0">
                         <a:effectLst/>
@@ -9867,7 +10524,7 @@
                 </a:tc>
                 <a:extLst>
                   <a:ext uri="{0D108BD9-81ED-4DB2-BD59-A6C34878D82A}">
-                    <a16:rowId xmlns:a16="http://schemas.microsoft.com/office/drawing/2014/main" val="10004"/>
+                    <a16:rowId xmlns="" xmlns:a16="http://schemas.microsoft.com/office/drawing/2014/main" val="10004"/>
                   </a:ext>
                 </a:extLst>
               </a:tr>
@@ -9912,7 +10569,55 @@
                         <a:rPr lang="zh-TW" sz="1700" kern="100" dirty="0">
                           <a:effectLst/>
                         </a:rPr>
-                        <a:t>偵探可在【事件處理儀表板】按下【數據查詢】按鈕，可以查的數據有</a:t>
+                        <a:t>偵探可</a:t>
+                      </a:r>
+                      <a:r>
+                        <a:rPr lang="zh-TW" sz="1700" kern="100" dirty="0" smtClean="0">
+                          <a:effectLst/>
+                        </a:rPr>
+                        <a:t>在</a:t>
+                      </a:r>
+                      <a:r>
+                        <a:rPr lang="en-US" altLang="zh-TW" sz="1700" kern="100" dirty="0" smtClean="0">
+                          <a:effectLst/>
+                        </a:rPr>
+                        <a:t>&lt;</a:t>
+                      </a:r>
+                      <a:r>
+                        <a:rPr lang="zh-TW" sz="1700" kern="100" dirty="0" smtClean="0">
+                          <a:effectLst/>
+                        </a:rPr>
+                        <a:t>事件</a:t>
+                      </a:r>
+                      <a:r>
+                        <a:rPr lang="zh-TW" sz="1700" kern="100" dirty="0">
+                          <a:effectLst/>
+                        </a:rPr>
+                        <a:t>處理儀表</a:t>
+                      </a:r>
+                      <a:r>
+                        <a:rPr lang="zh-TW" sz="1700" kern="100" dirty="0" smtClean="0">
+                          <a:effectLst/>
+                        </a:rPr>
+                        <a:t>板</a:t>
+                      </a:r>
+                      <a:r>
+                        <a:rPr lang="en-US" altLang="zh-TW" sz="1700" kern="100" dirty="0" smtClean="0">
+                          <a:effectLst/>
+                        </a:rPr>
+                        <a:t>&gt;</a:t>
+                      </a:r>
+                      <a:r>
+                        <a:rPr lang="zh-TW" sz="1700" kern="100" dirty="0" smtClean="0">
+                          <a:effectLst/>
+                        </a:rPr>
+                        <a:t>按下</a:t>
+                      </a:r>
+                      <a:r>
+                        <a:rPr lang="zh-TW" sz="1700" kern="100" dirty="0">
+                          <a:effectLst/>
+                        </a:rPr>
+                        <a:t>【數據查詢】按鈕，可以查的數據有</a:t>
                       </a:r>
                       <a:r>
                         <a:rPr lang="en-US" sz="1700" kern="100" dirty="0">
@@ -9938,7 +10643,7 @@
                 </a:tc>
                 <a:extLst>
                   <a:ext uri="{0D108BD9-81ED-4DB2-BD59-A6C34878D82A}">
-                    <a16:rowId xmlns:a16="http://schemas.microsoft.com/office/drawing/2014/main" val="10005"/>
+                    <a16:rowId xmlns="" xmlns:a16="http://schemas.microsoft.com/office/drawing/2014/main" val="10005"/>
                   </a:ext>
                 </a:extLst>
               </a:tr>
@@ -9954,10 +10659,16 @@
                         </a:spcAft>
                       </a:pPr>
                       <a:r>
+                        <a:rPr lang="zh-TW" sz="1700" kern="100" dirty="0" smtClean="0">
+                          <a:effectLst/>
+                        </a:rPr>
+                        <a:t>個人</a:t>
+                      </a:r>
+                      <a:r>
                         <a:rPr lang="zh-TW" altLang="en-US" sz="1700" kern="100" dirty="0" smtClean="0">
                           <a:effectLst/>
                         </a:rPr>
-                        <a:t>評分系統</a:t>
+                        <a:t>簡介</a:t>
                       </a:r>
                       <a:r>
                         <a:rPr lang="zh-TW" sz="1700" kern="100" dirty="0" smtClean="0">
@@ -9992,28 +10703,34 @@
                         </a:spcAft>
                       </a:pPr>
                       <a:r>
+                        <a:rPr lang="en-US" altLang="zh-TW" sz="1700" kern="100" dirty="0" smtClean="0">
+                          <a:effectLst/>
+                        </a:rPr>
+                        <a:t>&lt;</a:t>
+                      </a:r>
+                      <a:r>
                         <a:rPr lang="zh-TW" sz="1700" kern="100" dirty="0" smtClean="0">
                           <a:effectLst/>
                         </a:rPr>
-                        <a:t>【</a:t>
-                      </a:r>
-                      <a:r>
-                        <a:rPr lang="zh-TW" sz="1700" kern="100" dirty="0">
-                          <a:effectLst/>
-                        </a:rPr>
                         <a:t>個人簡介</a:t>
                       </a:r>
                       <a:r>
-                        <a:rPr lang="zh-TW" sz="1700" kern="100" dirty="0" smtClean="0">
-                          <a:effectLst/>
-                        </a:rPr>
-                        <a:t>】</a:t>
+                        <a:rPr lang="en-US" altLang="zh-TW" sz="1700" kern="100" dirty="0" smtClean="0">
+                          <a:effectLst/>
+                        </a:rPr>
+                        <a:t>&gt;</a:t>
                       </a:r>
                       <a:r>
                         <a:rPr lang="zh-TW" altLang="en-US" sz="1700" kern="100" dirty="0" smtClean="0">
                           <a:effectLst/>
                         </a:rPr>
-                        <a:t>上會顯示用戶給予偵探的評分。</a:t>
+                        <a:t>上</a:t>
+                      </a:r>
+                      <a:r>
+                        <a:rPr lang="zh-TW" altLang="en-US" sz="1700" kern="100" dirty="0" smtClean="0">
+                          <a:effectLst/>
+                        </a:rPr>
+                        <a:t>會顯示用戶給予偵探的評分。</a:t>
                       </a:r>
                       <a:endParaRPr lang="zh-TW" sz="1700" kern="100" dirty="0">
                         <a:effectLst/>
@@ -10029,7 +10746,55 @@
                         <a:rPr lang="zh-TW" sz="1700" kern="100" dirty="0">
                           <a:effectLst/>
                         </a:rPr>
-                        <a:t>偵探可在【個人簡介】上傳影片做為精彩回播的影片，以顯示自己的輝煌戰績，此影片會連同偵探個人簡介顯示在【偵探推薦】頁面上。</a:t>
+                        <a:t>偵探可</a:t>
+                      </a:r>
+                      <a:r>
+                        <a:rPr lang="zh-TW" sz="1700" kern="100" dirty="0" smtClean="0">
+                          <a:effectLst/>
+                        </a:rPr>
+                        <a:t>在個人簡介上</a:t>
+                      </a:r>
+                      <a:r>
+                        <a:rPr lang="zh-TW" sz="1700" kern="100" dirty="0">
+                          <a:effectLst/>
+                        </a:rPr>
+                        <a:t>傳影片做為精彩回播的影片，以顯示自己的輝煌戰績，此影片會連同偵探個人簡介顯示</a:t>
+                      </a:r>
+                      <a:r>
+                        <a:rPr lang="zh-TW" sz="1700" kern="100" dirty="0" smtClean="0">
+                          <a:effectLst/>
+                        </a:rPr>
+                        <a:t>在</a:t>
+                      </a:r>
+                      <a:r>
+                        <a:rPr lang="en-US" altLang="zh-TW" sz="1700" kern="100" dirty="0" smtClean="0">
+                          <a:effectLst/>
+                        </a:rPr>
+                        <a:t>&lt;</a:t>
+                      </a:r>
+                      <a:r>
+                        <a:rPr lang="zh-TW" sz="1700" kern="100" dirty="0" smtClean="0">
+                          <a:effectLst/>
+                        </a:rPr>
+                        <a:t>偵探推薦</a:t>
+                      </a:r>
+                      <a:r>
+                        <a:rPr lang="en-US" altLang="zh-TW" sz="1700" kern="100" dirty="0" smtClean="0">
+                          <a:effectLst/>
+                        </a:rPr>
+                        <a:t>&gt;</a:t>
+                      </a:r>
+                      <a:r>
+                        <a:rPr lang="zh-TW" sz="1700" kern="100" dirty="0" smtClean="0">
+                          <a:effectLst/>
+                        </a:rPr>
+                        <a:t>頁</a:t>
+                      </a:r>
+                      <a:r>
+                        <a:rPr lang="zh-TW" sz="1700" kern="100" dirty="0">
+                          <a:effectLst/>
+                        </a:rPr>
+                        <a:t>面上。</a:t>
                       </a:r>
                       <a:endParaRPr lang="zh-TW" sz="1700" kern="100" dirty="0">
                         <a:effectLst/>
@@ -10043,7 +10808,7 @@
                 </a:tc>
                 <a:extLst>
                   <a:ext uri="{0D108BD9-81ED-4DB2-BD59-A6C34878D82A}">
-                    <a16:rowId xmlns:a16="http://schemas.microsoft.com/office/drawing/2014/main" val="10006"/>
+                    <a16:rowId xmlns="" xmlns:a16="http://schemas.microsoft.com/office/drawing/2014/main" val="10006"/>
                   </a:ext>
                 </a:extLst>
               </a:tr>
@@ -10644,24 +11409,6 @@
 </file>
 
 <file path=customXml/item1.xml><?xml version="1.0" encoding="utf-8"?>
-<p:properties xmlns:p="http://schemas.microsoft.com/office/2006/metadata/properties" xmlns:xsi="http://www.w3.org/2001/XMLSchema-instance" xmlns:pc="http://schemas.microsoft.com/office/infopath/2007/PartnerControls">
-  <documentManagement>
-    <_Version xmlns="http://schemas.microsoft.com/sharepoint/v3/fields" xsi:nil="true"/>
-    <_Status xmlns="http://schemas.microsoft.com/sharepoint/v3/fields">Not Started</_Status>
-  </documentManagement>
-</p:properties>
-</file>
-
-<file path=customXml/item2.xml><?xml version="1.0" encoding="utf-8"?>
-<?mso-contentType ?>
-<FormTemplates xmlns="http://schemas.microsoft.com/sharepoint/v3/contenttype/forms">
-  <Display>DocumentLibraryForm</Display>
-  <Edit>DocumentLibraryForm</Edit>
-  <New>DocumentLibraryForm</New>
-</FormTemplates>
-</file>
-
-<file path=customXml/item3.xml><?xml version="1.0" encoding="utf-8"?>
 <ct:contentTypeSchema xmlns:ct="http://schemas.microsoft.com/office/2006/metadata/contentType" xmlns:ma="http://schemas.microsoft.com/office/2006/metadata/properties/metaAttributes" ct:_="" ma:_="" ma:contentTypeName="Document" ma:contentTypeID="0x0101000DE64AEEDD9B7A4D93545ACBE97D4615" ma:contentTypeVersion="2" ma:contentTypeDescription="Create a new document." ma:contentTypeScope="" ma:versionID="f49002b78e3a4a71b814eef46a983816">
   <xsd:schema xmlns:xsd="http://www.w3.org/2001/XMLSchema" xmlns:xs="http://www.w3.org/2001/XMLSchema" xmlns:p="http://schemas.microsoft.com/office/2006/metadata/properties" xmlns:ns2="http://schemas.microsoft.com/sharepoint/v3/fields" targetNamespace="http://schemas.microsoft.com/office/2006/metadata/properties" ma:root="true" ma:fieldsID="38f6db2dd0d9a0cf6a8dc37be32b365b" ns2:_="">
     <xsd:import namespace="http://schemas.microsoft.com/sharepoint/v3/fields"/>
@@ -10805,7 +11552,43 @@
 </ct:contentTypeSchema>
 </file>
 
+<file path=customXml/item2.xml><?xml version="1.0" encoding="utf-8"?>
+<p:properties xmlns:p="http://schemas.microsoft.com/office/2006/metadata/properties" xmlns:xsi="http://www.w3.org/2001/XMLSchema-instance" xmlns:pc="http://schemas.microsoft.com/office/infopath/2007/PartnerControls">
+  <documentManagement>
+    <_Version xmlns="http://schemas.microsoft.com/sharepoint/v3/fields" xsi:nil="true"/>
+    <_Status xmlns="http://schemas.microsoft.com/sharepoint/v3/fields">Not Started</_Status>
+  </documentManagement>
+</p:properties>
+</file>
+
+<file path=customXml/item3.xml><?xml version="1.0" encoding="utf-8"?>
+<?mso-contentType ?>
+<FormTemplates xmlns="http://schemas.microsoft.com/sharepoint/v3/contenttype/forms">
+  <Display>DocumentLibraryForm</Display>
+  <Edit>DocumentLibraryForm</Edit>
+  <New>DocumentLibraryForm</New>
+</FormTemplates>
+</file>
+
 <file path=customXml/itemProps1.xml><?xml version="1.0" encoding="utf-8"?>
+<ds:datastoreItem xmlns:ds="http://schemas.openxmlformats.org/officeDocument/2006/customXml" ds:itemID="{E4214858-785C-42F7-BE66-6D0E79395FC8}">
+  <ds:schemaRefs>
+    <ds:schemaRef ds:uri="http://schemas.microsoft.com/office/2006/metadata/contentType"/>
+    <ds:schemaRef ds:uri="http://schemas.microsoft.com/office/2006/metadata/properties/metaAttributes"/>
+    <ds:schemaRef ds:uri="http://www.w3.org/2001/XMLSchema"/>
+    <ds:schemaRef ds:uri="http://schemas.microsoft.com/office/2006/metadata/properties"/>
+    <ds:schemaRef ds:uri="http://schemas.microsoft.com/sharepoint/v3/fields"/>
+    <ds:schemaRef ds:uri="http://schemas.microsoft.com/office/2006/documentManagement/types"/>
+    <ds:schemaRef ds:uri="http://schemas.microsoft.com/office/infopath/2007/PartnerControls"/>
+    <ds:schemaRef ds:uri="http://schemas.openxmlformats.org/package/2006/metadata/core-properties"/>
+    <ds:schemaRef ds:uri="http://purl.org/dc/elements/1.1/"/>
+    <ds:schemaRef ds:uri="http://purl.org/dc/terms/"/>
+    <ds:schemaRef ds:uri="http://schemas.microsoft.com/internal/obd"/>
+  </ds:schemaRefs>
+</ds:datastoreItem>
+</file>
+
+<file path=customXml/itemProps2.xml><?xml version="1.0" encoding="utf-8"?>
 <ds:datastoreItem xmlns:ds="http://schemas.openxmlformats.org/officeDocument/2006/customXml" ds:itemID="{7B6F2769-7194-4217-93D3-3AF3A4742282}">
   <ds:schemaRefs>
     <ds:schemaRef ds:uri="http://schemas.microsoft.com/office/2006/documentManagement/types"/>
@@ -10821,28 +11604,10 @@
 </ds:datastoreItem>
 </file>
 
-<file path=customXml/itemProps2.xml><?xml version="1.0" encoding="utf-8"?>
+<file path=customXml/itemProps3.xml><?xml version="1.0" encoding="utf-8"?>
 <ds:datastoreItem xmlns:ds="http://schemas.openxmlformats.org/officeDocument/2006/customXml" ds:itemID="{87D2A1B0-FF3E-4009-940D-AED0EB70AA20}">
   <ds:schemaRefs>
     <ds:schemaRef ds:uri="http://schemas.microsoft.com/sharepoint/v3/contenttype/forms"/>
   </ds:schemaRefs>
 </ds:datastoreItem>
-</file>
-
-<file path=customXml/itemProps3.xml><?xml version="1.0" encoding="utf-8"?>
-<ds:datastoreItem xmlns:ds="http://schemas.openxmlformats.org/officeDocument/2006/customXml" ds:itemID="{E4214858-785C-42F7-BE66-6D0E79395FC8}">
-  <ds:schemaRefs>
-    <ds:schemaRef ds:uri="http://schemas.microsoft.com/office/2006/metadata/contentType"/>
-    <ds:schemaRef ds:uri="http://schemas.microsoft.com/office/2006/metadata/properties/metaAttributes"/>
-    <ds:schemaRef ds:uri="http://www.w3.org/2001/XMLSchema"/>
-    <ds:schemaRef ds:uri="http://schemas.microsoft.com/office/2006/metadata/properties"/>
-    <ds:schemaRef ds:uri="http://schemas.microsoft.com/sharepoint/v3/fields"/>
-    <ds:schemaRef ds:uri="http://schemas.microsoft.com/office/2006/documentManagement/types"/>
-    <ds:schemaRef ds:uri="http://schemas.microsoft.com/office/infopath/2007/PartnerControls"/>
-    <ds:schemaRef ds:uri="http://schemas.openxmlformats.org/package/2006/metadata/core-properties"/>
-    <ds:schemaRef ds:uri="http://purl.org/dc/elements/1.1/"/>
-    <ds:schemaRef ds:uri="http://purl.org/dc/terms/"/>
-    <ds:schemaRef ds:uri="http://schemas.microsoft.com/internal/obd"/>
-  </ds:schemaRefs>
-</ds:datastoreItem>
 </file>